--- a/MAGIC-MIRROR_v5.pptx
+++ b/MAGIC-MIRROR_v5.pptx
@@ -122,6 +122,10 @@
     </p:ext>
   </p:extLst>
 </p:presentation>
+</file>
+
+<file path=ppt/revisionInfo.xml><?xml version="1.0" encoding="utf-8"?>
+<p1510:revInfo xmlns:a="http://schemas.openxmlformats.org/drawingml/2006/main" xmlns:r="http://schemas.openxmlformats.org/officeDocument/2006/relationships" xmlns:p1510="http://schemas.microsoft.com/office/powerpoint/2015/10/main"/>
 </file>
 
 <file path=ppt/slideLayouts/slideLayout1.xml><?xml version="1.0" encoding="utf-8"?>
@@ -6027,14 +6031,14 @@
           <p:nvPr>
             <p:extLst>
               <p:ext uri="{D42A27DB-BD31-4B8C-83A1-F6EECF244321}">
-                <p14:modId xmlns:p14="http://schemas.microsoft.com/office/powerpoint/2010/main" val="3855884991"/>
+                <p14:modId xmlns:p14="http://schemas.microsoft.com/office/powerpoint/2010/main" val="3001819329"/>
               </p:ext>
             </p:extLst>
           </p:nvPr>
         </p:nvGraphicFramePr>
         <p:xfrm>
           <a:off x="228600" y="3295649"/>
-          <a:ext cx="9410702" cy="1656962"/>
+          <a:ext cx="9410702" cy="1898135"/>
         </p:xfrm>
         <a:graphic>
           <a:graphicData uri="http://schemas.openxmlformats.org/drawingml/2006/table">
@@ -6211,7 +6215,7 @@
                         </a:spcAft>
                       </a:pPr>
                       <a:r>
-                        <a:rPr lang="sl-SI" sz="1100">
+                        <a:rPr lang="sl-SI" sz="1100" dirty="0">
                           <a:effectLst/>
                           <a:latin typeface="Calibri" panose="020F0502020204030204" pitchFamily="34" charset="0"/>
                           <a:ea typeface="Calibri" panose="020F0502020204030204" pitchFamily="34" charset="0"/>
@@ -6904,7 +6908,7 @@
                         </a:spcAft>
                       </a:pPr>
                       <a:r>
-                        <a:rPr lang="sl-SI" sz="1100">
+                        <a:rPr lang="sl-SI" sz="1100" dirty="0">
                           <a:effectLst/>
                           <a:latin typeface="Calibri" panose="020F0502020204030204" pitchFamily="34" charset="0"/>
                           <a:ea typeface="Calibri" panose="020F0502020204030204" pitchFamily="34" charset="0"/>
@@ -6974,7 +6978,7 @@
                         </a:spcAft>
                       </a:pPr>
                       <a:r>
-                        <a:rPr lang="sl-SI" sz="1100">
+                        <a:rPr lang="sl-SI" sz="1100" dirty="0">
                           <a:effectLst/>
                           <a:latin typeface="Calibri" panose="020F0502020204030204" pitchFamily="34" charset="0"/>
                           <a:ea typeface="Calibri" panose="020F0502020204030204" pitchFamily="34" charset="0"/>
@@ -7797,7 +7801,7 @@
                   </a:ext>
                 </a:extLst>
               </a:tr>
-              <a:tr h="486844">
+              <a:tr h="511579">
                 <a:tc>
                   <a:txBody>
                     <a:bodyPr/>
@@ -7812,13 +7816,13 @@
                         </a:spcAft>
                       </a:pPr>
                       <a:r>
-                        <a:rPr lang="sl-SI" sz="1100">
+                        <a:rPr lang="sl-SI" sz="1100" dirty="0">
                           <a:effectLst/>
                           <a:latin typeface="Calibri" panose="020F0502020204030204" pitchFamily="34" charset="0"/>
                           <a:ea typeface="Calibri" panose="020F0502020204030204" pitchFamily="34" charset="0"/>
                           <a:cs typeface="Times New Roman" panose="02020603050405020304" pitchFamily="18" charset="0"/>
                         </a:rPr>
-                        <a:t>Izdelava prototipa</a:t>
+                        <a:t>Prepoznavanje obraza</a:t>
                       </a:r>
                     </a:p>
                   </a:txBody>
@@ -7938,7 +7942,7 @@
                         </a:spcAft>
                       </a:pPr>
                       <a:r>
-                        <a:rPr lang="sl-SI" sz="1100">
+                        <a:rPr lang="sl-SI" sz="1100" dirty="0">
                           <a:effectLst/>
                           <a:latin typeface="Calibri" panose="020F0502020204030204" pitchFamily="34" charset="0"/>
                           <a:ea typeface="Calibri" panose="020F0502020204030204" pitchFamily="34" charset="0"/>
@@ -8001,7 +8005,139 @@
                         </a:spcAft>
                       </a:pPr>
                       <a:r>
-                        <a:rPr lang="sl-SI" sz="1100">
+                        <a:rPr lang="sl-SI" sz="1100" dirty="0">
+                          <a:effectLst/>
+                          <a:latin typeface="Calibri" panose="020F0502020204030204" pitchFamily="34" charset="0"/>
+                          <a:ea typeface="Calibri" panose="020F0502020204030204" pitchFamily="34" charset="0"/>
+                          <a:cs typeface="Times New Roman" panose="02020603050405020304" pitchFamily="18" charset="0"/>
+                        </a:rPr>
+                        <a:t> </a:t>
+                      </a:r>
+                    </a:p>
+                  </a:txBody>
+                  <a:tcPr marL="68580" marR="68580" marT="0" marB="0">
+                    <a:lnL w="12700" cap="flat" cmpd="sng" algn="ctr">
+                      <a:solidFill>
+                        <a:srgbClr val="000000"/>
+                      </a:solidFill>
+                      <a:prstDash val="solid"/>
+                      <a:round/>
+                      <a:headEnd type="none" w="med" len="med"/>
+                      <a:tailEnd type="none" w="med" len="med"/>
+                    </a:lnL>
+                    <a:lnR w="12700" cap="flat" cmpd="sng" algn="ctr">
+                      <a:solidFill>
+                        <a:srgbClr val="000000"/>
+                      </a:solidFill>
+                      <a:prstDash val="solid"/>
+                      <a:round/>
+                      <a:headEnd type="none" w="med" len="med"/>
+                      <a:tailEnd type="none" w="med" len="med"/>
+                    </a:lnR>
+                    <a:lnT w="12700" cap="flat" cmpd="sng" algn="ctr">
+                      <a:solidFill>
+                        <a:srgbClr val="000000"/>
+                      </a:solidFill>
+                      <a:prstDash val="solid"/>
+                      <a:round/>
+                      <a:headEnd type="none" w="med" len="med"/>
+                      <a:tailEnd type="none" w="med" len="med"/>
+                    </a:lnT>
+                    <a:lnB w="12700" cap="flat" cmpd="sng" algn="ctr">
+                      <a:solidFill>
+                        <a:srgbClr val="000000"/>
+                      </a:solidFill>
+                      <a:prstDash val="solid"/>
+                      <a:round/>
+                      <a:headEnd type="none" w="med" len="med"/>
+                      <a:tailEnd type="none" w="med" len="med"/>
+                    </a:lnB>
+                    <a:solidFill>
+                      <a:srgbClr val="ED7D31"/>
+                    </a:solidFill>
+                  </a:tcPr>
+                </a:tc>
+                <a:tc>
+                  <a:txBody>
+                    <a:bodyPr/>
+                    <a:lstStyle/>
+                    <a:p>
+                      <a:pPr>
+                        <a:lnSpc>
+                          <a:spcPct val="107000"/>
+                        </a:lnSpc>
+                        <a:spcAft>
+                          <a:spcPts val="0"/>
+                        </a:spcAft>
+                      </a:pPr>
+                      <a:r>
+                        <a:rPr lang="sl-SI" sz="1100" dirty="0">
+                          <a:effectLst/>
+                          <a:latin typeface="Calibri" panose="020F0502020204030204" pitchFamily="34" charset="0"/>
+                          <a:ea typeface="Calibri" panose="020F0502020204030204" pitchFamily="34" charset="0"/>
+                          <a:cs typeface="Times New Roman" panose="02020603050405020304" pitchFamily="18" charset="0"/>
+                        </a:rPr>
+                        <a:t> </a:t>
+                      </a:r>
+                    </a:p>
+                  </a:txBody>
+                  <a:tcPr marL="68580" marR="68580" marT="0" marB="0">
+                    <a:lnL w="12700" cap="flat" cmpd="sng" algn="ctr">
+                      <a:solidFill>
+                        <a:srgbClr val="000000"/>
+                      </a:solidFill>
+                      <a:prstDash val="solid"/>
+                      <a:round/>
+                      <a:headEnd type="none" w="med" len="med"/>
+                      <a:tailEnd type="none" w="med" len="med"/>
+                    </a:lnL>
+                    <a:lnR w="12700" cap="flat" cmpd="sng" algn="ctr">
+                      <a:solidFill>
+                        <a:srgbClr val="000000"/>
+                      </a:solidFill>
+                      <a:prstDash val="solid"/>
+                      <a:round/>
+                      <a:headEnd type="none" w="med" len="med"/>
+                      <a:tailEnd type="none" w="med" len="med"/>
+                    </a:lnR>
+                    <a:lnT w="12700" cap="flat" cmpd="sng" algn="ctr">
+                      <a:solidFill>
+                        <a:srgbClr val="000000"/>
+                      </a:solidFill>
+                      <a:prstDash val="solid"/>
+                      <a:round/>
+                      <a:headEnd type="none" w="med" len="med"/>
+                      <a:tailEnd type="none" w="med" len="med"/>
+                    </a:lnT>
+                    <a:lnB w="12700" cap="flat" cmpd="sng" algn="ctr">
+                      <a:solidFill>
+                        <a:srgbClr val="000000"/>
+                      </a:solidFill>
+                      <a:prstDash val="solid"/>
+                      <a:round/>
+                      <a:headEnd type="none" w="med" len="med"/>
+                      <a:tailEnd type="none" w="med" len="med"/>
+                    </a:lnB>
+                    <a:solidFill>
+                      <a:srgbClr val="ED7D31"/>
+                    </a:solidFill>
+                  </a:tcPr>
+                </a:tc>
+                <a:tc>
+                  <a:txBody>
+                    <a:bodyPr/>
+                    <a:lstStyle/>
+                    <a:p>
+                      <a:pPr>
+                        <a:lnSpc>
+                          <a:spcPct val="107000"/>
+                        </a:lnSpc>
+                        <a:spcAft>
+                          <a:spcPts val="0"/>
+                        </a:spcAft>
+                      </a:pPr>
+                      <a:r>
+                        <a:rPr lang="sl-SI" sz="1100" dirty="0">
                           <a:effectLst/>
                           <a:latin typeface="Calibri" panose="020F0502020204030204" pitchFamily="34" charset="0"/>
                           <a:ea typeface="Calibri" panose="020F0502020204030204" pitchFamily="34" charset="0"/>
@@ -8114,75 +8250,6 @@
                       <a:headEnd type="none" w="med" len="med"/>
                       <a:tailEnd type="none" w="med" len="med"/>
                     </a:lnB>
-                    <a:solidFill>
-                      <a:srgbClr val="ED7D31"/>
-                    </a:solidFill>
-                  </a:tcPr>
-                </a:tc>
-                <a:tc>
-                  <a:txBody>
-                    <a:bodyPr/>
-                    <a:lstStyle/>
-                    <a:p>
-                      <a:pPr>
-                        <a:lnSpc>
-                          <a:spcPct val="107000"/>
-                        </a:lnSpc>
-                        <a:spcAft>
-                          <a:spcPts val="0"/>
-                        </a:spcAft>
-                      </a:pPr>
-                      <a:r>
-                        <a:rPr lang="sl-SI" sz="1100">
-                          <a:effectLst/>
-                          <a:latin typeface="Calibri" panose="020F0502020204030204" pitchFamily="34" charset="0"/>
-                          <a:ea typeface="Calibri" panose="020F0502020204030204" pitchFamily="34" charset="0"/>
-                          <a:cs typeface="Times New Roman" panose="02020603050405020304" pitchFamily="18" charset="0"/>
-                        </a:rPr>
-                        <a:t> </a:t>
-                      </a:r>
-                    </a:p>
-                  </a:txBody>
-                  <a:tcPr marL="68580" marR="68580" marT="0" marB="0">
-                    <a:lnL w="12700" cap="flat" cmpd="sng" algn="ctr">
-                      <a:solidFill>
-                        <a:srgbClr val="000000"/>
-                      </a:solidFill>
-                      <a:prstDash val="solid"/>
-                      <a:round/>
-                      <a:headEnd type="none" w="med" len="med"/>
-                      <a:tailEnd type="none" w="med" len="med"/>
-                    </a:lnL>
-                    <a:lnR w="12700" cap="flat" cmpd="sng" algn="ctr">
-                      <a:solidFill>
-                        <a:srgbClr val="000000"/>
-                      </a:solidFill>
-                      <a:prstDash val="solid"/>
-                      <a:round/>
-                      <a:headEnd type="none" w="med" len="med"/>
-                      <a:tailEnd type="none" w="med" len="med"/>
-                    </a:lnR>
-                    <a:lnT w="12700" cap="flat" cmpd="sng" algn="ctr">
-                      <a:solidFill>
-                        <a:srgbClr val="000000"/>
-                      </a:solidFill>
-                      <a:prstDash val="solid"/>
-                      <a:round/>
-                      <a:headEnd type="none" w="med" len="med"/>
-                      <a:tailEnd type="none" w="med" len="med"/>
-                    </a:lnT>
-                    <a:lnB w="12700" cap="flat" cmpd="sng" algn="ctr">
-                      <a:solidFill>
-                        <a:srgbClr val="000000"/>
-                      </a:solidFill>
-                      <a:prstDash val="solid"/>
-                      <a:round/>
-                      <a:headEnd type="none" w="med" len="med"/>
-                      <a:tailEnd type="none" w="med" len="med"/>
-                    </a:lnB>
-                    <a:solidFill>
-                      <a:srgbClr val="ED7D31"/>
-                    </a:solidFill>
                   </a:tcPr>
                 </a:tc>
                 <a:tc>
@@ -8563,69 +8630,6 @@
                     </a:lnB>
                   </a:tcPr>
                 </a:tc>
-                <a:tc>
-                  <a:txBody>
-                    <a:bodyPr/>
-                    <a:lstStyle/>
-                    <a:p>
-                      <a:pPr>
-                        <a:lnSpc>
-                          <a:spcPct val="107000"/>
-                        </a:lnSpc>
-                        <a:spcAft>
-                          <a:spcPts val="0"/>
-                        </a:spcAft>
-                      </a:pPr>
-                      <a:r>
-                        <a:rPr lang="sl-SI" sz="1100">
-                          <a:effectLst/>
-                          <a:latin typeface="Calibri" panose="020F0502020204030204" pitchFamily="34" charset="0"/>
-                          <a:ea typeface="Calibri" panose="020F0502020204030204" pitchFamily="34" charset="0"/>
-                          <a:cs typeface="Times New Roman" panose="02020603050405020304" pitchFamily="18" charset="0"/>
-                        </a:rPr>
-                        <a:t> </a:t>
-                      </a:r>
-                    </a:p>
-                  </a:txBody>
-                  <a:tcPr marL="68580" marR="68580" marT="0" marB="0">
-                    <a:lnL w="12700" cap="flat" cmpd="sng" algn="ctr">
-                      <a:solidFill>
-                        <a:srgbClr val="000000"/>
-                      </a:solidFill>
-                      <a:prstDash val="solid"/>
-                      <a:round/>
-                      <a:headEnd type="none" w="med" len="med"/>
-                      <a:tailEnd type="none" w="med" len="med"/>
-                    </a:lnL>
-                    <a:lnR w="12700" cap="flat" cmpd="sng" algn="ctr">
-                      <a:solidFill>
-                        <a:srgbClr val="000000"/>
-                      </a:solidFill>
-                      <a:prstDash val="solid"/>
-                      <a:round/>
-                      <a:headEnd type="none" w="med" len="med"/>
-                      <a:tailEnd type="none" w="med" len="med"/>
-                    </a:lnR>
-                    <a:lnT w="12700" cap="flat" cmpd="sng" algn="ctr">
-                      <a:solidFill>
-                        <a:srgbClr val="000000"/>
-                      </a:solidFill>
-                      <a:prstDash val="solid"/>
-                      <a:round/>
-                      <a:headEnd type="none" w="med" len="med"/>
-                      <a:tailEnd type="none" w="med" len="med"/>
-                    </a:lnT>
-                    <a:lnB w="12700" cap="flat" cmpd="sng" algn="ctr">
-                      <a:solidFill>
-                        <a:srgbClr val="000000"/>
-                      </a:solidFill>
-                      <a:prstDash val="solid"/>
-                      <a:round/>
-                      <a:headEnd type="none" w="med" len="med"/>
-                      <a:tailEnd type="none" w="med" len="med"/>
-                    </a:lnB>
-                  </a:tcPr>
-                </a:tc>
                 <a:extLst>
                   <a:ext uri="{0D108BD9-81ED-4DB2-BD59-A6C34878D82A}">
                     <a16:rowId xmlns:a16="http://schemas.microsoft.com/office/drawing/2014/main" val="3744959734"/>
@@ -8647,13 +8651,13 @@
                         </a:spcAft>
                       </a:pPr>
                       <a:r>
-                        <a:rPr lang="sl-SI" sz="1100">
+                        <a:rPr lang="sl-SI" sz="1100" dirty="0">
                           <a:effectLst/>
                           <a:latin typeface="Calibri" panose="020F0502020204030204" pitchFamily="34" charset="0"/>
                           <a:ea typeface="Calibri" panose="020F0502020204030204" pitchFamily="34" charset="0"/>
                           <a:cs typeface="Times New Roman" panose="02020603050405020304" pitchFamily="18" charset="0"/>
                         </a:rPr>
-                        <a:t>Marketing</a:t>
+                        <a:t>Prepoznavanje gest</a:t>
                       </a:r>
                     </a:p>
                   </a:txBody>
@@ -8836,7 +8840,139 @@
                         </a:spcAft>
                       </a:pPr>
                       <a:r>
-                        <a:rPr lang="sl-SI" sz="1100">
+                        <a:rPr lang="sl-SI" sz="1100" dirty="0">
+                          <a:effectLst/>
+                          <a:latin typeface="Calibri" panose="020F0502020204030204" pitchFamily="34" charset="0"/>
+                          <a:ea typeface="Calibri" panose="020F0502020204030204" pitchFamily="34" charset="0"/>
+                          <a:cs typeface="Times New Roman" panose="02020603050405020304" pitchFamily="18" charset="0"/>
+                        </a:rPr>
+                        <a:t> </a:t>
+                      </a:r>
+                    </a:p>
+                  </a:txBody>
+                  <a:tcPr marL="68580" marR="68580" marT="0" marB="0">
+                    <a:lnL w="12700" cap="flat" cmpd="sng" algn="ctr">
+                      <a:solidFill>
+                        <a:srgbClr val="000000"/>
+                      </a:solidFill>
+                      <a:prstDash val="solid"/>
+                      <a:round/>
+                      <a:headEnd type="none" w="med" len="med"/>
+                      <a:tailEnd type="none" w="med" len="med"/>
+                    </a:lnL>
+                    <a:lnR w="12700" cap="flat" cmpd="sng" algn="ctr">
+                      <a:solidFill>
+                        <a:srgbClr val="000000"/>
+                      </a:solidFill>
+                      <a:prstDash val="solid"/>
+                      <a:round/>
+                      <a:headEnd type="none" w="med" len="med"/>
+                      <a:tailEnd type="none" w="med" len="med"/>
+                    </a:lnR>
+                    <a:lnT w="12700" cap="flat" cmpd="sng" algn="ctr">
+                      <a:solidFill>
+                        <a:srgbClr val="000000"/>
+                      </a:solidFill>
+                      <a:prstDash val="solid"/>
+                      <a:round/>
+                      <a:headEnd type="none" w="med" len="med"/>
+                      <a:tailEnd type="none" w="med" len="med"/>
+                    </a:lnT>
+                    <a:lnB w="12700" cap="flat" cmpd="sng" algn="ctr">
+                      <a:solidFill>
+                        <a:srgbClr val="000000"/>
+                      </a:solidFill>
+                      <a:prstDash val="solid"/>
+                      <a:round/>
+                      <a:headEnd type="none" w="med" len="med"/>
+                      <a:tailEnd type="none" w="med" len="med"/>
+                    </a:lnB>
+                    <a:solidFill>
+                      <a:schemeClr val="bg1"/>
+                    </a:solidFill>
+                  </a:tcPr>
+                </a:tc>
+                <a:tc>
+                  <a:txBody>
+                    <a:bodyPr/>
+                    <a:lstStyle/>
+                    <a:p>
+                      <a:pPr>
+                        <a:lnSpc>
+                          <a:spcPct val="107000"/>
+                        </a:lnSpc>
+                        <a:spcAft>
+                          <a:spcPts val="0"/>
+                        </a:spcAft>
+                      </a:pPr>
+                      <a:r>
+                        <a:rPr lang="sl-SI" sz="1100" dirty="0">
+                          <a:effectLst/>
+                          <a:latin typeface="Calibri" panose="020F0502020204030204" pitchFamily="34" charset="0"/>
+                          <a:ea typeface="Calibri" panose="020F0502020204030204" pitchFamily="34" charset="0"/>
+                          <a:cs typeface="Times New Roman" panose="02020603050405020304" pitchFamily="18" charset="0"/>
+                        </a:rPr>
+                        <a:t> </a:t>
+                      </a:r>
+                    </a:p>
+                  </a:txBody>
+                  <a:tcPr marL="68580" marR="68580" marT="0" marB="0">
+                    <a:lnL w="12700" cap="flat" cmpd="sng" algn="ctr">
+                      <a:solidFill>
+                        <a:srgbClr val="000000"/>
+                      </a:solidFill>
+                      <a:prstDash val="solid"/>
+                      <a:round/>
+                      <a:headEnd type="none" w="med" len="med"/>
+                      <a:tailEnd type="none" w="med" len="med"/>
+                    </a:lnL>
+                    <a:lnR w="12700" cap="flat" cmpd="sng" algn="ctr">
+                      <a:solidFill>
+                        <a:srgbClr val="000000"/>
+                      </a:solidFill>
+                      <a:prstDash val="solid"/>
+                      <a:round/>
+                      <a:headEnd type="none" w="med" len="med"/>
+                      <a:tailEnd type="none" w="med" len="med"/>
+                    </a:lnR>
+                    <a:lnT w="12700" cap="flat" cmpd="sng" algn="ctr">
+                      <a:solidFill>
+                        <a:srgbClr val="000000"/>
+                      </a:solidFill>
+                      <a:prstDash val="solid"/>
+                      <a:round/>
+                      <a:headEnd type="none" w="med" len="med"/>
+                      <a:tailEnd type="none" w="med" len="med"/>
+                    </a:lnT>
+                    <a:lnB w="12700" cap="flat" cmpd="sng" algn="ctr">
+                      <a:solidFill>
+                        <a:srgbClr val="000000"/>
+                      </a:solidFill>
+                      <a:prstDash val="solid"/>
+                      <a:round/>
+                      <a:headEnd type="none" w="med" len="med"/>
+                      <a:tailEnd type="none" w="med" len="med"/>
+                    </a:lnB>
+                    <a:solidFill>
+                      <a:schemeClr val="bg1"/>
+                    </a:solidFill>
+                  </a:tcPr>
+                </a:tc>
+                <a:tc>
+                  <a:txBody>
+                    <a:bodyPr/>
+                    <a:lstStyle/>
+                    <a:p>
+                      <a:pPr>
+                        <a:lnSpc>
+                          <a:spcPct val="107000"/>
+                        </a:lnSpc>
+                        <a:spcAft>
+                          <a:spcPts val="0"/>
+                        </a:spcAft>
+                      </a:pPr>
+                      <a:r>
+                        <a:rPr lang="sl-SI" sz="1100" dirty="0">
                           <a:effectLst/>
                           <a:latin typeface="Calibri" panose="020F0502020204030204" pitchFamily="34" charset="0"/>
                           <a:ea typeface="Calibri" panose="020F0502020204030204" pitchFamily="34" charset="0"/>
@@ -9166,7 +9302,7 @@
                         </a:spcAft>
                       </a:pPr>
                       <a:r>
-                        <a:rPr lang="sl-SI" sz="1100">
+                        <a:rPr lang="sl-SI" sz="1100" dirty="0">
                           <a:effectLst/>
                           <a:latin typeface="Calibri" panose="020F0502020204030204" pitchFamily="34" charset="0"/>
                           <a:ea typeface="Calibri" panose="020F0502020204030204" pitchFamily="34" charset="0"/>
@@ -9214,73 +9350,7 @@
                       <a:tailEnd type="none" w="med" len="med"/>
                     </a:lnB>
                     <a:solidFill>
-                      <a:srgbClr val="A5A5A5"/>
-                    </a:solidFill>
-                  </a:tcPr>
-                </a:tc>
-                <a:tc>
-                  <a:txBody>
-                    <a:bodyPr/>
-                    <a:lstStyle/>
-                    <a:p>
-                      <a:pPr>
-                        <a:lnSpc>
-                          <a:spcPct val="107000"/>
-                        </a:lnSpc>
-                        <a:spcAft>
-                          <a:spcPts val="0"/>
-                        </a:spcAft>
-                      </a:pPr>
-                      <a:r>
-                        <a:rPr lang="sl-SI" sz="1100">
-                          <a:effectLst/>
-                          <a:latin typeface="Calibri" panose="020F0502020204030204" pitchFamily="34" charset="0"/>
-                          <a:ea typeface="Calibri" panose="020F0502020204030204" pitchFamily="34" charset="0"/>
-                          <a:cs typeface="Times New Roman" panose="02020603050405020304" pitchFamily="18" charset="0"/>
-                        </a:rPr>
-                        <a:t> </a:t>
-                      </a:r>
-                    </a:p>
-                  </a:txBody>
-                  <a:tcPr marL="68580" marR="68580" marT="0" marB="0">
-                    <a:lnL w="12700" cap="flat" cmpd="sng" algn="ctr">
-                      <a:solidFill>
-                        <a:srgbClr val="000000"/>
-                      </a:solidFill>
-                      <a:prstDash val="solid"/>
-                      <a:round/>
-                      <a:headEnd type="none" w="med" len="med"/>
-                      <a:tailEnd type="none" w="med" len="med"/>
-                    </a:lnL>
-                    <a:lnR w="12700" cap="flat" cmpd="sng" algn="ctr">
-                      <a:solidFill>
-                        <a:srgbClr val="000000"/>
-                      </a:solidFill>
-                      <a:prstDash val="solid"/>
-                      <a:round/>
-                      <a:headEnd type="none" w="med" len="med"/>
-                      <a:tailEnd type="none" w="med" len="med"/>
-                    </a:lnR>
-                    <a:lnT w="12700" cap="flat" cmpd="sng" algn="ctr">
-                      <a:solidFill>
-                        <a:srgbClr val="000000"/>
-                      </a:solidFill>
-                      <a:prstDash val="solid"/>
-                      <a:round/>
-                      <a:headEnd type="none" w="med" len="med"/>
-                      <a:tailEnd type="none" w="med" len="med"/>
-                    </a:lnT>
-                    <a:lnB w="12700" cap="flat" cmpd="sng" algn="ctr">
-                      <a:solidFill>
-                        <a:srgbClr val="000000"/>
-                      </a:solidFill>
-                      <a:prstDash val="solid"/>
-                      <a:round/>
-                      <a:headEnd type="none" w="med" len="med"/>
-                      <a:tailEnd type="none" w="med" len="med"/>
-                    </a:lnB>
-                    <a:solidFill>
-                      <a:srgbClr val="A5A5A5"/>
+                      <a:schemeClr val="bg1"/>
                     </a:solidFill>
                   </a:tcPr>
                 </a:tc>
@@ -9346,7 +9416,7 @@
                       <a:tailEnd type="none" w="med" len="med"/>
                     </a:lnB>
                     <a:solidFill>
-                      <a:srgbClr val="A5A5A5"/>
+                      <a:schemeClr val="bg1"/>
                     </a:solidFill>
                   </a:tcPr>
                 </a:tc>
@@ -9364,7 +9434,7 @@
                         </a:spcAft>
                       </a:pPr>
                       <a:r>
-                        <a:rPr lang="sl-SI" sz="1100">
+                        <a:rPr lang="sl-SI" sz="1100" dirty="0">
                           <a:effectLst/>
                           <a:latin typeface="Calibri" panose="020F0502020204030204" pitchFamily="34" charset="0"/>
                           <a:ea typeface="Calibri" panose="020F0502020204030204" pitchFamily="34" charset="0"/>
@@ -9412,73 +9482,7 @@
                       <a:tailEnd type="none" w="med" len="med"/>
                     </a:lnB>
                     <a:solidFill>
-                      <a:srgbClr val="A5A5A5"/>
-                    </a:solidFill>
-                  </a:tcPr>
-                </a:tc>
-                <a:tc>
-                  <a:txBody>
-                    <a:bodyPr/>
-                    <a:lstStyle/>
-                    <a:p>
-                      <a:pPr>
-                        <a:lnSpc>
-                          <a:spcPct val="107000"/>
-                        </a:lnSpc>
-                        <a:spcAft>
-                          <a:spcPts val="0"/>
-                        </a:spcAft>
-                      </a:pPr>
-                      <a:r>
-                        <a:rPr lang="sl-SI" sz="1100">
-                          <a:effectLst/>
-                          <a:latin typeface="Calibri" panose="020F0502020204030204" pitchFamily="34" charset="0"/>
-                          <a:ea typeface="Calibri" panose="020F0502020204030204" pitchFamily="34" charset="0"/>
-                          <a:cs typeface="Times New Roman" panose="02020603050405020304" pitchFamily="18" charset="0"/>
-                        </a:rPr>
-                        <a:t> </a:t>
-                      </a:r>
-                    </a:p>
-                  </a:txBody>
-                  <a:tcPr marL="68580" marR="68580" marT="0" marB="0">
-                    <a:lnL w="12700" cap="flat" cmpd="sng" algn="ctr">
-                      <a:solidFill>
-                        <a:srgbClr val="000000"/>
-                      </a:solidFill>
-                      <a:prstDash val="solid"/>
-                      <a:round/>
-                      <a:headEnd type="none" w="med" len="med"/>
-                      <a:tailEnd type="none" w="med" len="med"/>
-                    </a:lnL>
-                    <a:lnR w="12700" cap="flat" cmpd="sng" algn="ctr">
-                      <a:solidFill>
-                        <a:srgbClr val="000000"/>
-                      </a:solidFill>
-                      <a:prstDash val="solid"/>
-                      <a:round/>
-                      <a:headEnd type="none" w="med" len="med"/>
-                      <a:tailEnd type="none" w="med" len="med"/>
-                    </a:lnR>
-                    <a:lnT w="12700" cap="flat" cmpd="sng" algn="ctr">
-                      <a:solidFill>
-                        <a:srgbClr val="000000"/>
-                      </a:solidFill>
-                      <a:prstDash val="solid"/>
-                      <a:round/>
-                      <a:headEnd type="none" w="med" len="med"/>
-                      <a:tailEnd type="none" w="med" len="med"/>
-                    </a:lnT>
-                    <a:lnB w="12700" cap="flat" cmpd="sng" algn="ctr">
-                      <a:solidFill>
-                        <a:srgbClr val="000000"/>
-                      </a:solidFill>
-                      <a:prstDash val="solid"/>
-                      <a:round/>
-                      <a:headEnd type="none" w="med" len="med"/>
-                      <a:tailEnd type="none" w="med" len="med"/>
-                    </a:lnB>
-                    <a:solidFill>
-                      <a:srgbClr val="A5A5A5"/>
+                      <a:schemeClr val="bg1"/>
                     </a:solidFill>
                   </a:tcPr>
                 </a:tc>
@@ -9503,13 +9507,13 @@
                         </a:spcAft>
                       </a:pPr>
                       <a:r>
-                        <a:rPr lang="sl-SI" sz="1100">
+                        <a:rPr lang="sl-SI" sz="1100" dirty="0">
                           <a:effectLst/>
                           <a:latin typeface="Calibri" panose="020F0502020204030204" pitchFamily="34" charset="0"/>
                           <a:ea typeface="Calibri" panose="020F0502020204030204" pitchFamily="34" charset="0"/>
                           <a:cs typeface="Times New Roman" panose="02020603050405020304" pitchFamily="18" charset="0"/>
                         </a:rPr>
-                        <a:t>Prodaja</a:t>
+                        <a:t>posodobitve</a:t>
                       </a:r>
                     </a:p>
                   </a:txBody>
@@ -9818,7 +9822,7 @@
                         </a:spcAft>
                       </a:pPr>
                       <a:r>
-                        <a:rPr lang="sl-SI" sz="1100">
+                        <a:rPr lang="sl-SI" sz="1100" dirty="0">
                           <a:effectLst/>
                           <a:latin typeface="Calibri" panose="020F0502020204030204" pitchFamily="34" charset="0"/>
                           <a:ea typeface="Calibri" panose="020F0502020204030204" pitchFamily="34" charset="0"/>
@@ -9866,7 +9870,7 @@
                       <a:tailEnd type="none" w="med" len="med"/>
                     </a:lnB>
                     <a:solidFill>
-                      <a:srgbClr val="FFC000"/>
+                      <a:schemeClr val="bg1"/>
                     </a:solidFill>
                   </a:tcPr>
                 </a:tc>
@@ -10668,7 +10672,7 @@
                         </a:spcAft>
                       </a:pPr>
                       <a:r>
-                        <a:rPr lang="sl-SI" sz="1100">
+                        <a:rPr lang="sl-SI" sz="1100" dirty="0">
                           <a:effectLst/>
                           <a:latin typeface="Calibri" panose="020F0502020204030204" pitchFamily="34" charset="0"/>
                           <a:ea typeface="Calibri" panose="020F0502020204030204" pitchFamily="34" charset="0"/>
@@ -10716,7 +10720,7 @@
                       <a:tailEnd type="none" w="med" len="med"/>
                     </a:lnB>
                     <a:solidFill>
-                      <a:srgbClr val="70AD47"/>
+                      <a:schemeClr val="bg1"/>
                     </a:solidFill>
                   </a:tcPr>
                 </a:tc>
@@ -12931,20 +12935,8 @@
           <a:p>
             <a:r>
               <a:rPr lang="sl-SI" dirty="0"/>
-              <a:t>Pametno ogledalo, ki se ga da modificirati.</a:t>
+              <a:t>Slika</a:t>
             </a:r>
-          </a:p>
-          <a:p>
-            <a:r>
-              <a:rPr lang="sl-SI" dirty="0"/>
-              <a:t>Predstavitev</a:t>
-            </a:r>
-          </a:p>
-          <a:p>
-            <a:pPr marL="0" indent="0">
-              <a:buNone/>
-            </a:pPr>
-            <a:endParaRPr lang="sl-SI" dirty="0"/>
           </a:p>
         </p:txBody>
       </p:sp>

--- a/MAGIC-MIRROR_v5.pptx
+++ b/MAGIC-MIRROR_v5.pptx
@@ -5977,9 +5977,15 @@
       </p:sp>
       <p:pic>
         <p:nvPicPr>
-          <p:cNvPr id="4100" name="Picture 4" descr="http://www.learnthe4ps.com/wp-content/uploads/2013/09/future-plan2.png"/>
+          <p:cNvPr id="4" name="Picture 3">
+            <a:extLst>
+              <a:ext uri="{FF2B5EF4-FFF2-40B4-BE49-F238E27FC236}">
+                <a16:creationId xmlns:a16="http://schemas.microsoft.com/office/drawing/2014/main" id="{C5FAC2B1-172A-41BC-8710-76522D979AF9}"/>
+              </a:ext>
+            </a:extLst>
+          </p:cNvPr>
           <p:cNvPicPr>
-            <a:picLocks noChangeAspect="1" noChangeArrowheads="1"/>
+            <a:picLocks noChangeAspect="1"/>
           </p:cNvPicPr>
           <p:nvPr/>
         </p:nvPicPr>
@@ -5991,5211 +5997,20 @@
               </a:ext>
             </a:extLst>
           </a:blip>
-          <a:srcRect/>
           <a:stretch>
             <a:fillRect/>
           </a:stretch>
         </p:blipFill>
-        <p:spPr bwMode="auto">
+        <p:spPr>
           <a:xfrm>
-            <a:off x="6419850" y="1139094"/>
-            <a:ext cx="3057141" cy="2289906"/>
+            <a:off x="311947" y="2260956"/>
+            <a:ext cx="8634995" cy="3047645"/>
           </a:xfrm>
           <a:prstGeom prst="rect">
             <a:avLst/>
           </a:prstGeom>
-          <a:noFill/>
-          <a:extLst>
-            <a:ext uri="{909E8E84-426E-40DD-AFC4-6F175D3DCCD1}">
-              <a14:hiddenFill xmlns:a14="http://schemas.microsoft.com/office/drawing/2010/main">
-                <a:solidFill>
-                  <a:srgbClr val="FFFFFF"/>
-                </a:solidFill>
-              </a14:hiddenFill>
-            </a:ext>
-          </a:extLst>
         </p:spPr>
       </p:pic>
-      <p:graphicFrame>
-        <p:nvGraphicFramePr>
-          <p:cNvPr id="6" name="Table 5">
-            <a:extLst>
-              <a:ext uri="{FF2B5EF4-FFF2-40B4-BE49-F238E27FC236}">
-                <a16:creationId xmlns:a16="http://schemas.microsoft.com/office/drawing/2014/main" id="{59941E18-9984-42CA-886B-78DE8C9E1C7E}"/>
-              </a:ext>
-            </a:extLst>
-          </p:cNvPr>
-          <p:cNvGraphicFramePr>
-            <a:graphicFrameLocks noGrp="1"/>
-          </p:cNvGraphicFramePr>
-          <p:nvPr>
-            <p:extLst>
-              <p:ext uri="{D42A27DB-BD31-4B8C-83A1-F6EECF244321}">
-                <p14:modId xmlns:p14="http://schemas.microsoft.com/office/powerpoint/2010/main" val="3001819329"/>
-              </p:ext>
-            </p:extLst>
-          </p:nvPr>
-        </p:nvGraphicFramePr>
-        <p:xfrm>
-          <a:off x="228600" y="3295649"/>
-          <a:ext cx="9410702" cy="1898135"/>
-        </p:xfrm>
-        <a:graphic>
-          <a:graphicData uri="http://schemas.openxmlformats.org/drawingml/2006/table">
-            <a:tbl>
-              <a:tblPr firstRow="1" firstCol="1" bandRow="1"/>
-              <a:tblGrid>
-                <a:gridCol w="722782">
-                  <a:extLst>
-                    <a:ext uri="{9D8B030D-6E8A-4147-A177-3AD203B41FA5}">
-                      <a16:colId xmlns:a16="http://schemas.microsoft.com/office/drawing/2014/main" val="752757930"/>
-                    </a:ext>
-                  </a:extLst>
-                </a:gridCol>
-                <a:gridCol w="723820">
-                  <a:extLst>
-                    <a:ext uri="{9D8B030D-6E8A-4147-A177-3AD203B41FA5}">
-                      <a16:colId xmlns:a16="http://schemas.microsoft.com/office/drawing/2014/main" val="3206452575"/>
-                    </a:ext>
-                  </a:extLst>
-                </a:gridCol>
-                <a:gridCol w="723820">
-                  <a:extLst>
-                    <a:ext uri="{9D8B030D-6E8A-4147-A177-3AD203B41FA5}">
-                      <a16:colId xmlns:a16="http://schemas.microsoft.com/office/drawing/2014/main" val="672771458"/>
-                    </a:ext>
-                  </a:extLst>
-                </a:gridCol>
-                <a:gridCol w="723820">
-                  <a:extLst>
-                    <a:ext uri="{9D8B030D-6E8A-4147-A177-3AD203B41FA5}">
-                      <a16:colId xmlns:a16="http://schemas.microsoft.com/office/drawing/2014/main" val="394049737"/>
-                    </a:ext>
-                  </a:extLst>
-                </a:gridCol>
-                <a:gridCol w="723820">
-                  <a:extLst>
-                    <a:ext uri="{9D8B030D-6E8A-4147-A177-3AD203B41FA5}">
-                      <a16:colId xmlns:a16="http://schemas.microsoft.com/office/drawing/2014/main" val="3210508816"/>
-                    </a:ext>
-                  </a:extLst>
-                </a:gridCol>
-                <a:gridCol w="723820">
-                  <a:extLst>
-                    <a:ext uri="{9D8B030D-6E8A-4147-A177-3AD203B41FA5}">
-                      <a16:colId xmlns:a16="http://schemas.microsoft.com/office/drawing/2014/main" val="1702661143"/>
-                    </a:ext>
-                  </a:extLst>
-                </a:gridCol>
-                <a:gridCol w="723820">
-                  <a:extLst>
-                    <a:ext uri="{9D8B030D-6E8A-4147-A177-3AD203B41FA5}">
-                      <a16:colId xmlns:a16="http://schemas.microsoft.com/office/drawing/2014/main" val="3687076339"/>
-                    </a:ext>
-                  </a:extLst>
-                </a:gridCol>
-                <a:gridCol w="723820">
-                  <a:extLst>
-                    <a:ext uri="{9D8B030D-6E8A-4147-A177-3AD203B41FA5}">
-                      <a16:colId xmlns:a16="http://schemas.microsoft.com/office/drawing/2014/main" val="1010076279"/>
-                    </a:ext>
-                  </a:extLst>
-                </a:gridCol>
-                <a:gridCol w="723820">
-                  <a:extLst>
-                    <a:ext uri="{9D8B030D-6E8A-4147-A177-3AD203B41FA5}">
-                      <a16:colId xmlns:a16="http://schemas.microsoft.com/office/drawing/2014/main" val="3276057877"/>
-                    </a:ext>
-                  </a:extLst>
-                </a:gridCol>
-                <a:gridCol w="723820">
-                  <a:extLst>
-                    <a:ext uri="{9D8B030D-6E8A-4147-A177-3AD203B41FA5}">
-                      <a16:colId xmlns:a16="http://schemas.microsoft.com/office/drawing/2014/main" val="2603748280"/>
-                    </a:ext>
-                  </a:extLst>
-                </a:gridCol>
-                <a:gridCol w="723820">
-                  <a:extLst>
-                    <a:ext uri="{9D8B030D-6E8A-4147-A177-3AD203B41FA5}">
-                      <a16:colId xmlns:a16="http://schemas.microsoft.com/office/drawing/2014/main" val="3878972970"/>
-                    </a:ext>
-                  </a:extLst>
-                </a:gridCol>
-                <a:gridCol w="724860">
-                  <a:extLst>
-                    <a:ext uri="{9D8B030D-6E8A-4147-A177-3AD203B41FA5}">
-                      <a16:colId xmlns:a16="http://schemas.microsoft.com/office/drawing/2014/main" val="1877262194"/>
-                    </a:ext>
-                  </a:extLst>
-                </a:gridCol>
-                <a:gridCol w="724860">
-                  <a:extLst>
-                    <a:ext uri="{9D8B030D-6E8A-4147-A177-3AD203B41FA5}">
-                      <a16:colId xmlns:a16="http://schemas.microsoft.com/office/drawing/2014/main" val="2848939641"/>
-                    </a:ext>
-                  </a:extLst>
-                </a:gridCol>
-              </a:tblGrid>
-              <a:tr h="146441">
-                <a:tc>
-                  <a:txBody>
-                    <a:bodyPr/>
-                    <a:lstStyle/>
-                    <a:p>
-                      <a:pPr>
-                        <a:lnSpc>
-                          <a:spcPct val="107000"/>
-                        </a:lnSpc>
-                        <a:spcAft>
-                          <a:spcPts val="0"/>
-                        </a:spcAft>
-                      </a:pPr>
-                      <a:r>
-                        <a:rPr lang="sl-SI" sz="1100">
-                          <a:effectLst/>
-                          <a:latin typeface="Calibri" panose="020F0502020204030204" pitchFamily="34" charset="0"/>
-                          <a:ea typeface="Calibri" panose="020F0502020204030204" pitchFamily="34" charset="0"/>
-                          <a:cs typeface="Times New Roman" panose="02020603050405020304" pitchFamily="18" charset="0"/>
-                        </a:rPr>
-                        <a:t> </a:t>
-                      </a:r>
-                    </a:p>
-                  </a:txBody>
-                  <a:tcPr marL="68580" marR="68580" marT="0" marB="0">
-                    <a:lnL w="12700" cap="flat" cmpd="sng" algn="ctr">
-                      <a:solidFill>
-                        <a:srgbClr val="000000"/>
-                      </a:solidFill>
-                      <a:prstDash val="solid"/>
-                      <a:round/>
-                      <a:headEnd type="none" w="med" len="med"/>
-                      <a:tailEnd type="none" w="med" len="med"/>
-                    </a:lnL>
-                    <a:lnR w="12700" cap="flat" cmpd="sng" algn="ctr">
-                      <a:solidFill>
-                        <a:srgbClr val="000000"/>
-                      </a:solidFill>
-                      <a:prstDash val="solid"/>
-                      <a:round/>
-                      <a:headEnd type="none" w="med" len="med"/>
-                      <a:tailEnd type="none" w="med" len="med"/>
-                    </a:lnR>
-                    <a:lnT w="12700" cap="flat" cmpd="sng" algn="ctr">
-                      <a:solidFill>
-                        <a:srgbClr val="000000"/>
-                      </a:solidFill>
-                      <a:prstDash val="solid"/>
-                      <a:round/>
-                      <a:headEnd type="none" w="med" len="med"/>
-                      <a:tailEnd type="none" w="med" len="med"/>
-                    </a:lnT>
-                    <a:lnB w="12700" cap="flat" cmpd="sng" algn="ctr">
-                      <a:solidFill>
-                        <a:srgbClr val="000000"/>
-                      </a:solidFill>
-                      <a:prstDash val="solid"/>
-                      <a:round/>
-                      <a:headEnd type="none" w="med" len="med"/>
-                      <a:tailEnd type="none" w="med" len="med"/>
-                    </a:lnB>
-                  </a:tcPr>
-                </a:tc>
-                <a:tc>
-                  <a:txBody>
-                    <a:bodyPr/>
-                    <a:lstStyle/>
-                    <a:p>
-                      <a:pPr>
-                        <a:lnSpc>
-                          <a:spcPct val="107000"/>
-                        </a:lnSpc>
-                        <a:spcAft>
-                          <a:spcPts val="0"/>
-                        </a:spcAft>
-                      </a:pPr>
-                      <a:r>
-                        <a:rPr lang="sl-SI" sz="1100" dirty="0">
-                          <a:effectLst/>
-                          <a:latin typeface="Calibri" panose="020F0502020204030204" pitchFamily="34" charset="0"/>
-                          <a:ea typeface="Calibri" panose="020F0502020204030204" pitchFamily="34" charset="0"/>
-                          <a:cs typeface="Times New Roman" panose="02020603050405020304" pitchFamily="18" charset="0"/>
-                        </a:rPr>
-                        <a:t>JAN</a:t>
-                      </a:r>
-                    </a:p>
-                  </a:txBody>
-                  <a:tcPr marL="68580" marR="68580" marT="0" marB="0">
-                    <a:lnL w="12700" cap="flat" cmpd="sng" algn="ctr">
-                      <a:solidFill>
-                        <a:srgbClr val="000000"/>
-                      </a:solidFill>
-                      <a:prstDash val="solid"/>
-                      <a:round/>
-                      <a:headEnd type="none" w="med" len="med"/>
-                      <a:tailEnd type="none" w="med" len="med"/>
-                    </a:lnL>
-                    <a:lnR w="12700" cap="flat" cmpd="sng" algn="ctr">
-                      <a:solidFill>
-                        <a:srgbClr val="000000"/>
-                      </a:solidFill>
-                      <a:prstDash val="solid"/>
-                      <a:round/>
-                      <a:headEnd type="none" w="med" len="med"/>
-                      <a:tailEnd type="none" w="med" len="med"/>
-                    </a:lnR>
-                    <a:lnT w="12700" cap="flat" cmpd="sng" algn="ctr">
-                      <a:solidFill>
-                        <a:srgbClr val="000000"/>
-                      </a:solidFill>
-                      <a:prstDash val="solid"/>
-                      <a:round/>
-                      <a:headEnd type="none" w="med" len="med"/>
-                      <a:tailEnd type="none" w="med" len="med"/>
-                    </a:lnT>
-                    <a:lnB w="12700" cap="flat" cmpd="sng" algn="ctr">
-                      <a:solidFill>
-                        <a:srgbClr val="000000"/>
-                      </a:solidFill>
-                      <a:prstDash val="solid"/>
-                      <a:round/>
-                      <a:headEnd type="none" w="med" len="med"/>
-                      <a:tailEnd type="none" w="med" len="med"/>
-                    </a:lnB>
-                  </a:tcPr>
-                </a:tc>
-                <a:tc>
-                  <a:txBody>
-                    <a:bodyPr/>
-                    <a:lstStyle/>
-                    <a:p>
-                      <a:pPr>
-                        <a:lnSpc>
-                          <a:spcPct val="107000"/>
-                        </a:lnSpc>
-                        <a:spcAft>
-                          <a:spcPts val="0"/>
-                        </a:spcAft>
-                      </a:pPr>
-                      <a:r>
-                        <a:rPr lang="sl-SI" sz="1100">
-                          <a:effectLst/>
-                          <a:latin typeface="Calibri" panose="020F0502020204030204" pitchFamily="34" charset="0"/>
-                          <a:ea typeface="Calibri" panose="020F0502020204030204" pitchFamily="34" charset="0"/>
-                          <a:cs typeface="Times New Roman" panose="02020603050405020304" pitchFamily="18" charset="0"/>
-                        </a:rPr>
-                        <a:t>FEB</a:t>
-                      </a:r>
-                    </a:p>
-                  </a:txBody>
-                  <a:tcPr marL="68580" marR="68580" marT="0" marB="0">
-                    <a:lnL w="12700" cap="flat" cmpd="sng" algn="ctr">
-                      <a:solidFill>
-                        <a:srgbClr val="000000"/>
-                      </a:solidFill>
-                      <a:prstDash val="solid"/>
-                      <a:round/>
-                      <a:headEnd type="none" w="med" len="med"/>
-                      <a:tailEnd type="none" w="med" len="med"/>
-                    </a:lnL>
-                    <a:lnR w="12700" cap="flat" cmpd="sng" algn="ctr">
-                      <a:solidFill>
-                        <a:srgbClr val="000000"/>
-                      </a:solidFill>
-                      <a:prstDash val="solid"/>
-                      <a:round/>
-                      <a:headEnd type="none" w="med" len="med"/>
-                      <a:tailEnd type="none" w="med" len="med"/>
-                    </a:lnR>
-                    <a:lnT w="12700" cap="flat" cmpd="sng" algn="ctr">
-                      <a:solidFill>
-                        <a:srgbClr val="000000"/>
-                      </a:solidFill>
-                      <a:prstDash val="solid"/>
-                      <a:round/>
-                      <a:headEnd type="none" w="med" len="med"/>
-                      <a:tailEnd type="none" w="med" len="med"/>
-                    </a:lnT>
-                    <a:lnB w="12700" cap="flat" cmpd="sng" algn="ctr">
-                      <a:solidFill>
-                        <a:srgbClr val="000000"/>
-                      </a:solidFill>
-                      <a:prstDash val="solid"/>
-                      <a:round/>
-                      <a:headEnd type="none" w="med" len="med"/>
-                      <a:tailEnd type="none" w="med" len="med"/>
-                    </a:lnB>
-                  </a:tcPr>
-                </a:tc>
-                <a:tc>
-                  <a:txBody>
-                    <a:bodyPr/>
-                    <a:lstStyle/>
-                    <a:p>
-                      <a:pPr>
-                        <a:lnSpc>
-                          <a:spcPct val="107000"/>
-                        </a:lnSpc>
-                        <a:spcAft>
-                          <a:spcPts val="0"/>
-                        </a:spcAft>
-                      </a:pPr>
-                      <a:r>
-                        <a:rPr lang="sl-SI" sz="1100">
-                          <a:effectLst/>
-                          <a:latin typeface="Calibri" panose="020F0502020204030204" pitchFamily="34" charset="0"/>
-                          <a:ea typeface="Calibri" panose="020F0502020204030204" pitchFamily="34" charset="0"/>
-                          <a:cs typeface="Times New Roman" panose="02020603050405020304" pitchFamily="18" charset="0"/>
-                        </a:rPr>
-                        <a:t>MAR</a:t>
-                      </a:r>
-                    </a:p>
-                  </a:txBody>
-                  <a:tcPr marL="68580" marR="68580" marT="0" marB="0">
-                    <a:lnL w="12700" cap="flat" cmpd="sng" algn="ctr">
-                      <a:solidFill>
-                        <a:srgbClr val="000000"/>
-                      </a:solidFill>
-                      <a:prstDash val="solid"/>
-                      <a:round/>
-                      <a:headEnd type="none" w="med" len="med"/>
-                      <a:tailEnd type="none" w="med" len="med"/>
-                    </a:lnL>
-                    <a:lnR w="12700" cap="flat" cmpd="sng" algn="ctr">
-                      <a:solidFill>
-                        <a:srgbClr val="000000"/>
-                      </a:solidFill>
-                      <a:prstDash val="solid"/>
-                      <a:round/>
-                      <a:headEnd type="none" w="med" len="med"/>
-                      <a:tailEnd type="none" w="med" len="med"/>
-                    </a:lnR>
-                    <a:lnT w="12700" cap="flat" cmpd="sng" algn="ctr">
-                      <a:solidFill>
-                        <a:srgbClr val="000000"/>
-                      </a:solidFill>
-                      <a:prstDash val="solid"/>
-                      <a:round/>
-                      <a:headEnd type="none" w="med" len="med"/>
-                      <a:tailEnd type="none" w="med" len="med"/>
-                    </a:lnT>
-                    <a:lnB w="12700" cap="flat" cmpd="sng" algn="ctr">
-                      <a:solidFill>
-                        <a:srgbClr val="000000"/>
-                      </a:solidFill>
-                      <a:prstDash val="solid"/>
-                      <a:round/>
-                      <a:headEnd type="none" w="med" len="med"/>
-                      <a:tailEnd type="none" w="med" len="med"/>
-                    </a:lnB>
-                  </a:tcPr>
-                </a:tc>
-                <a:tc>
-                  <a:txBody>
-                    <a:bodyPr/>
-                    <a:lstStyle/>
-                    <a:p>
-                      <a:pPr>
-                        <a:lnSpc>
-                          <a:spcPct val="107000"/>
-                        </a:lnSpc>
-                        <a:spcAft>
-                          <a:spcPts val="0"/>
-                        </a:spcAft>
-                      </a:pPr>
-                      <a:r>
-                        <a:rPr lang="sl-SI" sz="1100">
-                          <a:effectLst/>
-                          <a:latin typeface="Calibri" panose="020F0502020204030204" pitchFamily="34" charset="0"/>
-                          <a:ea typeface="Calibri" panose="020F0502020204030204" pitchFamily="34" charset="0"/>
-                          <a:cs typeface="Times New Roman" panose="02020603050405020304" pitchFamily="18" charset="0"/>
-                        </a:rPr>
-                        <a:t>APR</a:t>
-                      </a:r>
-                    </a:p>
-                  </a:txBody>
-                  <a:tcPr marL="68580" marR="68580" marT="0" marB="0">
-                    <a:lnL w="12700" cap="flat" cmpd="sng" algn="ctr">
-                      <a:solidFill>
-                        <a:srgbClr val="000000"/>
-                      </a:solidFill>
-                      <a:prstDash val="solid"/>
-                      <a:round/>
-                      <a:headEnd type="none" w="med" len="med"/>
-                      <a:tailEnd type="none" w="med" len="med"/>
-                    </a:lnL>
-                    <a:lnR w="12700" cap="flat" cmpd="sng" algn="ctr">
-                      <a:solidFill>
-                        <a:srgbClr val="000000"/>
-                      </a:solidFill>
-                      <a:prstDash val="solid"/>
-                      <a:round/>
-                      <a:headEnd type="none" w="med" len="med"/>
-                      <a:tailEnd type="none" w="med" len="med"/>
-                    </a:lnR>
-                    <a:lnT w="12700" cap="flat" cmpd="sng" algn="ctr">
-                      <a:solidFill>
-                        <a:srgbClr val="000000"/>
-                      </a:solidFill>
-                      <a:prstDash val="solid"/>
-                      <a:round/>
-                      <a:headEnd type="none" w="med" len="med"/>
-                      <a:tailEnd type="none" w="med" len="med"/>
-                    </a:lnT>
-                    <a:lnB w="12700" cap="flat" cmpd="sng" algn="ctr">
-                      <a:solidFill>
-                        <a:srgbClr val="000000"/>
-                      </a:solidFill>
-                      <a:prstDash val="solid"/>
-                      <a:round/>
-                      <a:headEnd type="none" w="med" len="med"/>
-                      <a:tailEnd type="none" w="med" len="med"/>
-                    </a:lnB>
-                  </a:tcPr>
-                </a:tc>
-                <a:tc>
-                  <a:txBody>
-                    <a:bodyPr/>
-                    <a:lstStyle/>
-                    <a:p>
-                      <a:pPr>
-                        <a:lnSpc>
-                          <a:spcPct val="107000"/>
-                        </a:lnSpc>
-                        <a:spcAft>
-                          <a:spcPts val="0"/>
-                        </a:spcAft>
-                      </a:pPr>
-                      <a:r>
-                        <a:rPr lang="sl-SI" sz="1100">
-                          <a:effectLst/>
-                          <a:latin typeface="Calibri" panose="020F0502020204030204" pitchFamily="34" charset="0"/>
-                          <a:ea typeface="Calibri" panose="020F0502020204030204" pitchFamily="34" charset="0"/>
-                          <a:cs typeface="Times New Roman" panose="02020603050405020304" pitchFamily="18" charset="0"/>
-                        </a:rPr>
-                        <a:t>MAJ</a:t>
-                      </a:r>
-                    </a:p>
-                  </a:txBody>
-                  <a:tcPr marL="68580" marR="68580" marT="0" marB="0">
-                    <a:lnL w="12700" cap="flat" cmpd="sng" algn="ctr">
-                      <a:solidFill>
-                        <a:srgbClr val="000000"/>
-                      </a:solidFill>
-                      <a:prstDash val="solid"/>
-                      <a:round/>
-                      <a:headEnd type="none" w="med" len="med"/>
-                      <a:tailEnd type="none" w="med" len="med"/>
-                    </a:lnL>
-                    <a:lnR w="12700" cap="flat" cmpd="sng" algn="ctr">
-                      <a:solidFill>
-                        <a:srgbClr val="000000"/>
-                      </a:solidFill>
-                      <a:prstDash val="solid"/>
-                      <a:round/>
-                      <a:headEnd type="none" w="med" len="med"/>
-                      <a:tailEnd type="none" w="med" len="med"/>
-                    </a:lnR>
-                    <a:lnT w="12700" cap="flat" cmpd="sng" algn="ctr">
-                      <a:solidFill>
-                        <a:srgbClr val="000000"/>
-                      </a:solidFill>
-                      <a:prstDash val="solid"/>
-                      <a:round/>
-                      <a:headEnd type="none" w="med" len="med"/>
-                      <a:tailEnd type="none" w="med" len="med"/>
-                    </a:lnT>
-                    <a:lnB w="12700" cap="flat" cmpd="sng" algn="ctr">
-                      <a:solidFill>
-                        <a:srgbClr val="000000"/>
-                      </a:solidFill>
-                      <a:prstDash val="solid"/>
-                      <a:round/>
-                      <a:headEnd type="none" w="med" len="med"/>
-                      <a:tailEnd type="none" w="med" len="med"/>
-                    </a:lnB>
-                  </a:tcPr>
-                </a:tc>
-                <a:tc>
-                  <a:txBody>
-                    <a:bodyPr/>
-                    <a:lstStyle/>
-                    <a:p>
-                      <a:pPr>
-                        <a:lnSpc>
-                          <a:spcPct val="107000"/>
-                        </a:lnSpc>
-                        <a:spcAft>
-                          <a:spcPts val="0"/>
-                        </a:spcAft>
-                      </a:pPr>
-                      <a:r>
-                        <a:rPr lang="sl-SI" sz="1100">
-                          <a:effectLst/>
-                          <a:latin typeface="Calibri" panose="020F0502020204030204" pitchFamily="34" charset="0"/>
-                          <a:ea typeface="Calibri" panose="020F0502020204030204" pitchFamily="34" charset="0"/>
-                          <a:cs typeface="Times New Roman" panose="02020603050405020304" pitchFamily="18" charset="0"/>
-                        </a:rPr>
-                        <a:t>JUN</a:t>
-                      </a:r>
-                    </a:p>
-                  </a:txBody>
-                  <a:tcPr marL="68580" marR="68580" marT="0" marB="0">
-                    <a:lnL w="12700" cap="flat" cmpd="sng" algn="ctr">
-                      <a:solidFill>
-                        <a:srgbClr val="000000"/>
-                      </a:solidFill>
-                      <a:prstDash val="solid"/>
-                      <a:round/>
-                      <a:headEnd type="none" w="med" len="med"/>
-                      <a:tailEnd type="none" w="med" len="med"/>
-                    </a:lnL>
-                    <a:lnR w="12700" cap="flat" cmpd="sng" algn="ctr">
-                      <a:solidFill>
-                        <a:srgbClr val="000000"/>
-                      </a:solidFill>
-                      <a:prstDash val="solid"/>
-                      <a:round/>
-                      <a:headEnd type="none" w="med" len="med"/>
-                      <a:tailEnd type="none" w="med" len="med"/>
-                    </a:lnR>
-                    <a:lnT w="12700" cap="flat" cmpd="sng" algn="ctr">
-                      <a:solidFill>
-                        <a:srgbClr val="000000"/>
-                      </a:solidFill>
-                      <a:prstDash val="solid"/>
-                      <a:round/>
-                      <a:headEnd type="none" w="med" len="med"/>
-                      <a:tailEnd type="none" w="med" len="med"/>
-                    </a:lnT>
-                    <a:lnB w="12700" cap="flat" cmpd="sng" algn="ctr">
-                      <a:solidFill>
-                        <a:srgbClr val="000000"/>
-                      </a:solidFill>
-                      <a:prstDash val="solid"/>
-                      <a:round/>
-                      <a:headEnd type="none" w="med" len="med"/>
-                      <a:tailEnd type="none" w="med" len="med"/>
-                    </a:lnB>
-                  </a:tcPr>
-                </a:tc>
-                <a:tc>
-                  <a:txBody>
-                    <a:bodyPr/>
-                    <a:lstStyle/>
-                    <a:p>
-                      <a:pPr>
-                        <a:lnSpc>
-                          <a:spcPct val="107000"/>
-                        </a:lnSpc>
-                        <a:spcAft>
-                          <a:spcPts val="0"/>
-                        </a:spcAft>
-                      </a:pPr>
-                      <a:r>
-                        <a:rPr lang="sl-SI" sz="1100">
-                          <a:effectLst/>
-                          <a:latin typeface="Calibri" panose="020F0502020204030204" pitchFamily="34" charset="0"/>
-                          <a:ea typeface="Calibri" panose="020F0502020204030204" pitchFamily="34" charset="0"/>
-                          <a:cs typeface="Times New Roman" panose="02020603050405020304" pitchFamily="18" charset="0"/>
-                        </a:rPr>
-                        <a:t>JUL</a:t>
-                      </a:r>
-                    </a:p>
-                  </a:txBody>
-                  <a:tcPr marL="68580" marR="68580" marT="0" marB="0">
-                    <a:lnL w="12700" cap="flat" cmpd="sng" algn="ctr">
-                      <a:solidFill>
-                        <a:srgbClr val="000000"/>
-                      </a:solidFill>
-                      <a:prstDash val="solid"/>
-                      <a:round/>
-                      <a:headEnd type="none" w="med" len="med"/>
-                      <a:tailEnd type="none" w="med" len="med"/>
-                    </a:lnL>
-                    <a:lnR w="12700" cap="flat" cmpd="sng" algn="ctr">
-                      <a:solidFill>
-                        <a:srgbClr val="000000"/>
-                      </a:solidFill>
-                      <a:prstDash val="solid"/>
-                      <a:round/>
-                      <a:headEnd type="none" w="med" len="med"/>
-                      <a:tailEnd type="none" w="med" len="med"/>
-                    </a:lnR>
-                    <a:lnT w="12700" cap="flat" cmpd="sng" algn="ctr">
-                      <a:solidFill>
-                        <a:srgbClr val="000000"/>
-                      </a:solidFill>
-                      <a:prstDash val="solid"/>
-                      <a:round/>
-                      <a:headEnd type="none" w="med" len="med"/>
-                      <a:tailEnd type="none" w="med" len="med"/>
-                    </a:lnT>
-                    <a:lnB w="12700" cap="flat" cmpd="sng" algn="ctr">
-                      <a:solidFill>
-                        <a:srgbClr val="000000"/>
-                      </a:solidFill>
-                      <a:prstDash val="solid"/>
-                      <a:round/>
-                      <a:headEnd type="none" w="med" len="med"/>
-                      <a:tailEnd type="none" w="med" len="med"/>
-                    </a:lnB>
-                  </a:tcPr>
-                </a:tc>
-                <a:tc>
-                  <a:txBody>
-                    <a:bodyPr/>
-                    <a:lstStyle/>
-                    <a:p>
-                      <a:pPr>
-                        <a:lnSpc>
-                          <a:spcPct val="107000"/>
-                        </a:lnSpc>
-                        <a:spcAft>
-                          <a:spcPts val="0"/>
-                        </a:spcAft>
-                      </a:pPr>
-                      <a:r>
-                        <a:rPr lang="sl-SI" sz="1100">
-                          <a:effectLst/>
-                          <a:latin typeface="Calibri" panose="020F0502020204030204" pitchFamily="34" charset="0"/>
-                          <a:ea typeface="Calibri" panose="020F0502020204030204" pitchFamily="34" charset="0"/>
-                          <a:cs typeface="Times New Roman" panose="02020603050405020304" pitchFamily="18" charset="0"/>
-                        </a:rPr>
-                        <a:t>AVG</a:t>
-                      </a:r>
-                    </a:p>
-                  </a:txBody>
-                  <a:tcPr marL="68580" marR="68580" marT="0" marB="0">
-                    <a:lnL w="12700" cap="flat" cmpd="sng" algn="ctr">
-                      <a:solidFill>
-                        <a:srgbClr val="000000"/>
-                      </a:solidFill>
-                      <a:prstDash val="solid"/>
-                      <a:round/>
-                      <a:headEnd type="none" w="med" len="med"/>
-                      <a:tailEnd type="none" w="med" len="med"/>
-                    </a:lnL>
-                    <a:lnR w="12700" cap="flat" cmpd="sng" algn="ctr">
-                      <a:solidFill>
-                        <a:srgbClr val="000000"/>
-                      </a:solidFill>
-                      <a:prstDash val="solid"/>
-                      <a:round/>
-                      <a:headEnd type="none" w="med" len="med"/>
-                      <a:tailEnd type="none" w="med" len="med"/>
-                    </a:lnR>
-                    <a:lnT w="12700" cap="flat" cmpd="sng" algn="ctr">
-                      <a:solidFill>
-                        <a:srgbClr val="000000"/>
-                      </a:solidFill>
-                      <a:prstDash val="solid"/>
-                      <a:round/>
-                      <a:headEnd type="none" w="med" len="med"/>
-                      <a:tailEnd type="none" w="med" len="med"/>
-                    </a:lnT>
-                    <a:lnB w="12700" cap="flat" cmpd="sng" algn="ctr">
-                      <a:solidFill>
-                        <a:srgbClr val="000000"/>
-                      </a:solidFill>
-                      <a:prstDash val="solid"/>
-                      <a:round/>
-                      <a:headEnd type="none" w="med" len="med"/>
-                      <a:tailEnd type="none" w="med" len="med"/>
-                    </a:lnB>
-                  </a:tcPr>
-                </a:tc>
-                <a:tc>
-                  <a:txBody>
-                    <a:bodyPr/>
-                    <a:lstStyle/>
-                    <a:p>
-                      <a:pPr>
-                        <a:lnSpc>
-                          <a:spcPct val="107000"/>
-                        </a:lnSpc>
-                        <a:spcAft>
-                          <a:spcPts val="0"/>
-                        </a:spcAft>
-                      </a:pPr>
-                      <a:r>
-                        <a:rPr lang="sl-SI" sz="1100">
-                          <a:effectLst/>
-                          <a:latin typeface="Calibri" panose="020F0502020204030204" pitchFamily="34" charset="0"/>
-                          <a:ea typeface="Calibri" panose="020F0502020204030204" pitchFamily="34" charset="0"/>
-                          <a:cs typeface="Times New Roman" panose="02020603050405020304" pitchFamily="18" charset="0"/>
-                        </a:rPr>
-                        <a:t>SEP</a:t>
-                      </a:r>
-                    </a:p>
-                  </a:txBody>
-                  <a:tcPr marL="68580" marR="68580" marT="0" marB="0">
-                    <a:lnL w="12700" cap="flat" cmpd="sng" algn="ctr">
-                      <a:solidFill>
-                        <a:srgbClr val="000000"/>
-                      </a:solidFill>
-                      <a:prstDash val="solid"/>
-                      <a:round/>
-                      <a:headEnd type="none" w="med" len="med"/>
-                      <a:tailEnd type="none" w="med" len="med"/>
-                    </a:lnL>
-                    <a:lnR w="12700" cap="flat" cmpd="sng" algn="ctr">
-                      <a:solidFill>
-                        <a:srgbClr val="000000"/>
-                      </a:solidFill>
-                      <a:prstDash val="solid"/>
-                      <a:round/>
-                      <a:headEnd type="none" w="med" len="med"/>
-                      <a:tailEnd type="none" w="med" len="med"/>
-                    </a:lnR>
-                    <a:lnT w="12700" cap="flat" cmpd="sng" algn="ctr">
-                      <a:solidFill>
-                        <a:srgbClr val="000000"/>
-                      </a:solidFill>
-                      <a:prstDash val="solid"/>
-                      <a:round/>
-                      <a:headEnd type="none" w="med" len="med"/>
-                      <a:tailEnd type="none" w="med" len="med"/>
-                    </a:lnT>
-                    <a:lnB w="12700" cap="flat" cmpd="sng" algn="ctr">
-                      <a:solidFill>
-                        <a:srgbClr val="000000"/>
-                      </a:solidFill>
-                      <a:prstDash val="solid"/>
-                      <a:round/>
-                      <a:headEnd type="none" w="med" len="med"/>
-                      <a:tailEnd type="none" w="med" len="med"/>
-                    </a:lnB>
-                  </a:tcPr>
-                </a:tc>
-                <a:tc>
-                  <a:txBody>
-                    <a:bodyPr/>
-                    <a:lstStyle/>
-                    <a:p>
-                      <a:pPr>
-                        <a:lnSpc>
-                          <a:spcPct val="107000"/>
-                        </a:lnSpc>
-                        <a:spcAft>
-                          <a:spcPts val="0"/>
-                        </a:spcAft>
-                      </a:pPr>
-                      <a:r>
-                        <a:rPr lang="sl-SI" sz="1100">
-                          <a:effectLst/>
-                          <a:latin typeface="Calibri" panose="020F0502020204030204" pitchFamily="34" charset="0"/>
-                          <a:ea typeface="Calibri" panose="020F0502020204030204" pitchFamily="34" charset="0"/>
-                          <a:cs typeface="Times New Roman" panose="02020603050405020304" pitchFamily="18" charset="0"/>
-                        </a:rPr>
-                        <a:t>OKT</a:t>
-                      </a:r>
-                    </a:p>
-                  </a:txBody>
-                  <a:tcPr marL="68580" marR="68580" marT="0" marB="0">
-                    <a:lnL w="12700" cap="flat" cmpd="sng" algn="ctr">
-                      <a:solidFill>
-                        <a:srgbClr val="000000"/>
-                      </a:solidFill>
-                      <a:prstDash val="solid"/>
-                      <a:round/>
-                      <a:headEnd type="none" w="med" len="med"/>
-                      <a:tailEnd type="none" w="med" len="med"/>
-                    </a:lnL>
-                    <a:lnR w="12700" cap="flat" cmpd="sng" algn="ctr">
-                      <a:solidFill>
-                        <a:srgbClr val="000000"/>
-                      </a:solidFill>
-                      <a:prstDash val="solid"/>
-                      <a:round/>
-                      <a:headEnd type="none" w="med" len="med"/>
-                      <a:tailEnd type="none" w="med" len="med"/>
-                    </a:lnR>
-                    <a:lnT w="12700" cap="flat" cmpd="sng" algn="ctr">
-                      <a:solidFill>
-                        <a:srgbClr val="000000"/>
-                      </a:solidFill>
-                      <a:prstDash val="solid"/>
-                      <a:round/>
-                      <a:headEnd type="none" w="med" len="med"/>
-                      <a:tailEnd type="none" w="med" len="med"/>
-                    </a:lnT>
-                    <a:lnB w="12700" cap="flat" cmpd="sng" algn="ctr">
-                      <a:solidFill>
-                        <a:srgbClr val="000000"/>
-                      </a:solidFill>
-                      <a:prstDash val="solid"/>
-                      <a:round/>
-                      <a:headEnd type="none" w="med" len="med"/>
-                      <a:tailEnd type="none" w="med" len="med"/>
-                    </a:lnB>
-                  </a:tcPr>
-                </a:tc>
-                <a:tc>
-                  <a:txBody>
-                    <a:bodyPr/>
-                    <a:lstStyle/>
-                    <a:p>
-                      <a:pPr>
-                        <a:lnSpc>
-                          <a:spcPct val="107000"/>
-                        </a:lnSpc>
-                        <a:spcAft>
-                          <a:spcPts val="0"/>
-                        </a:spcAft>
-                      </a:pPr>
-                      <a:r>
-                        <a:rPr lang="sl-SI" sz="1100">
-                          <a:effectLst/>
-                          <a:latin typeface="Calibri" panose="020F0502020204030204" pitchFamily="34" charset="0"/>
-                          <a:ea typeface="Calibri" panose="020F0502020204030204" pitchFamily="34" charset="0"/>
-                          <a:cs typeface="Times New Roman" panose="02020603050405020304" pitchFamily="18" charset="0"/>
-                        </a:rPr>
-                        <a:t>NOV</a:t>
-                      </a:r>
-                    </a:p>
-                  </a:txBody>
-                  <a:tcPr marL="68580" marR="68580" marT="0" marB="0">
-                    <a:lnL w="12700" cap="flat" cmpd="sng" algn="ctr">
-                      <a:solidFill>
-                        <a:srgbClr val="000000"/>
-                      </a:solidFill>
-                      <a:prstDash val="solid"/>
-                      <a:round/>
-                      <a:headEnd type="none" w="med" len="med"/>
-                      <a:tailEnd type="none" w="med" len="med"/>
-                    </a:lnL>
-                    <a:lnR w="12700" cap="flat" cmpd="sng" algn="ctr">
-                      <a:solidFill>
-                        <a:srgbClr val="000000"/>
-                      </a:solidFill>
-                      <a:prstDash val="solid"/>
-                      <a:round/>
-                      <a:headEnd type="none" w="med" len="med"/>
-                      <a:tailEnd type="none" w="med" len="med"/>
-                    </a:lnR>
-                    <a:lnT w="12700" cap="flat" cmpd="sng" algn="ctr">
-                      <a:solidFill>
-                        <a:srgbClr val="000000"/>
-                      </a:solidFill>
-                      <a:prstDash val="solid"/>
-                      <a:round/>
-                      <a:headEnd type="none" w="med" len="med"/>
-                      <a:tailEnd type="none" w="med" len="med"/>
-                    </a:lnT>
-                    <a:lnB w="12700" cap="flat" cmpd="sng" algn="ctr">
-                      <a:solidFill>
-                        <a:srgbClr val="000000"/>
-                      </a:solidFill>
-                      <a:prstDash val="solid"/>
-                      <a:round/>
-                      <a:headEnd type="none" w="med" len="med"/>
-                      <a:tailEnd type="none" w="med" len="med"/>
-                    </a:lnB>
-                  </a:tcPr>
-                </a:tc>
-                <a:tc>
-                  <a:txBody>
-                    <a:bodyPr/>
-                    <a:lstStyle/>
-                    <a:p>
-                      <a:pPr>
-                        <a:lnSpc>
-                          <a:spcPct val="107000"/>
-                        </a:lnSpc>
-                        <a:spcAft>
-                          <a:spcPts val="0"/>
-                        </a:spcAft>
-                      </a:pPr>
-                      <a:r>
-                        <a:rPr lang="sl-SI" sz="1100" dirty="0">
-                          <a:effectLst/>
-                          <a:latin typeface="Calibri" panose="020F0502020204030204" pitchFamily="34" charset="0"/>
-                          <a:ea typeface="Calibri" panose="020F0502020204030204" pitchFamily="34" charset="0"/>
-                          <a:cs typeface="Times New Roman" panose="02020603050405020304" pitchFamily="18" charset="0"/>
-                        </a:rPr>
-                        <a:t>DEC</a:t>
-                      </a:r>
-                    </a:p>
-                  </a:txBody>
-                  <a:tcPr marL="68580" marR="68580" marT="0" marB="0">
-                    <a:lnL w="12700" cap="flat" cmpd="sng" algn="ctr">
-                      <a:solidFill>
-                        <a:srgbClr val="000000"/>
-                      </a:solidFill>
-                      <a:prstDash val="solid"/>
-                      <a:round/>
-                      <a:headEnd type="none" w="med" len="med"/>
-                      <a:tailEnd type="none" w="med" len="med"/>
-                    </a:lnL>
-                    <a:lnR w="12700" cap="flat" cmpd="sng" algn="ctr">
-                      <a:solidFill>
-                        <a:srgbClr val="000000"/>
-                      </a:solidFill>
-                      <a:prstDash val="solid"/>
-                      <a:round/>
-                      <a:headEnd type="none" w="med" len="med"/>
-                      <a:tailEnd type="none" w="med" len="med"/>
-                    </a:lnR>
-                    <a:lnT w="12700" cap="flat" cmpd="sng" algn="ctr">
-                      <a:solidFill>
-                        <a:srgbClr val="000000"/>
-                      </a:solidFill>
-                      <a:prstDash val="solid"/>
-                      <a:round/>
-                      <a:headEnd type="none" w="med" len="med"/>
-                      <a:tailEnd type="none" w="med" len="med"/>
-                    </a:lnT>
-                    <a:lnB w="12700" cap="flat" cmpd="sng" algn="ctr">
-                      <a:solidFill>
-                        <a:srgbClr val="000000"/>
-                      </a:solidFill>
-                      <a:prstDash val="solid"/>
-                      <a:round/>
-                      <a:headEnd type="none" w="med" len="med"/>
-                      <a:tailEnd type="none" w="med" len="med"/>
-                    </a:lnB>
-                  </a:tcPr>
-                </a:tc>
-                <a:extLst>
-                  <a:ext uri="{0D108BD9-81ED-4DB2-BD59-A6C34878D82A}">
-                    <a16:rowId xmlns:a16="http://schemas.microsoft.com/office/drawing/2014/main" val="966528421"/>
-                  </a:ext>
-                </a:extLst>
-              </a:tr>
-              <a:tr h="243423">
-                <a:tc>
-                  <a:txBody>
-                    <a:bodyPr/>
-                    <a:lstStyle/>
-                    <a:p>
-                      <a:pPr>
-                        <a:lnSpc>
-                          <a:spcPct val="107000"/>
-                        </a:lnSpc>
-                        <a:spcAft>
-                          <a:spcPts val="0"/>
-                        </a:spcAft>
-                      </a:pPr>
-                      <a:r>
-                        <a:rPr lang="sl-SI" sz="1100" dirty="0">
-                          <a:effectLst/>
-                          <a:latin typeface="Calibri" panose="020F0502020204030204" pitchFamily="34" charset="0"/>
-                          <a:ea typeface="Calibri" panose="020F0502020204030204" pitchFamily="34" charset="0"/>
-                          <a:cs typeface="Times New Roman" panose="02020603050405020304" pitchFamily="18" charset="0"/>
-                        </a:rPr>
-                        <a:t>Razvoj</a:t>
-                      </a:r>
-                    </a:p>
-                  </a:txBody>
-                  <a:tcPr marL="68580" marR="68580" marT="0" marB="0">
-                    <a:lnL w="12700" cap="flat" cmpd="sng" algn="ctr">
-                      <a:solidFill>
-                        <a:srgbClr val="000000"/>
-                      </a:solidFill>
-                      <a:prstDash val="solid"/>
-                      <a:round/>
-                      <a:headEnd type="none" w="med" len="med"/>
-                      <a:tailEnd type="none" w="med" len="med"/>
-                    </a:lnL>
-                    <a:lnR w="12700" cap="flat" cmpd="sng" algn="ctr">
-                      <a:solidFill>
-                        <a:srgbClr val="000000"/>
-                      </a:solidFill>
-                      <a:prstDash val="solid"/>
-                      <a:round/>
-                      <a:headEnd type="none" w="med" len="med"/>
-                      <a:tailEnd type="none" w="med" len="med"/>
-                    </a:lnR>
-                    <a:lnT w="12700" cap="flat" cmpd="sng" algn="ctr">
-                      <a:solidFill>
-                        <a:srgbClr val="000000"/>
-                      </a:solidFill>
-                      <a:prstDash val="solid"/>
-                      <a:round/>
-                      <a:headEnd type="none" w="med" len="med"/>
-                      <a:tailEnd type="none" w="med" len="med"/>
-                    </a:lnT>
-                    <a:lnB w="12700" cap="flat" cmpd="sng" algn="ctr">
-                      <a:solidFill>
-                        <a:srgbClr val="000000"/>
-                      </a:solidFill>
-                      <a:prstDash val="solid"/>
-                      <a:round/>
-                      <a:headEnd type="none" w="med" len="med"/>
-                      <a:tailEnd type="none" w="med" len="med"/>
-                    </a:lnB>
-                  </a:tcPr>
-                </a:tc>
-                <a:tc>
-                  <a:txBody>
-                    <a:bodyPr/>
-                    <a:lstStyle/>
-                    <a:p>
-                      <a:pPr>
-                        <a:lnSpc>
-                          <a:spcPct val="107000"/>
-                        </a:lnSpc>
-                        <a:spcAft>
-                          <a:spcPts val="0"/>
-                        </a:spcAft>
-                      </a:pPr>
-                      <a:r>
-                        <a:rPr lang="sl-SI" sz="1100">
-                          <a:effectLst/>
-                          <a:latin typeface="Calibri" panose="020F0502020204030204" pitchFamily="34" charset="0"/>
-                          <a:ea typeface="Calibri" panose="020F0502020204030204" pitchFamily="34" charset="0"/>
-                          <a:cs typeface="Times New Roman" panose="02020603050405020304" pitchFamily="18" charset="0"/>
-                        </a:rPr>
-                        <a:t> </a:t>
-                      </a:r>
-                    </a:p>
-                  </a:txBody>
-                  <a:tcPr marL="68580" marR="68580" marT="0" marB="0">
-                    <a:lnL w="12700" cap="flat" cmpd="sng" algn="ctr">
-                      <a:solidFill>
-                        <a:srgbClr val="000000"/>
-                      </a:solidFill>
-                      <a:prstDash val="solid"/>
-                      <a:round/>
-                      <a:headEnd type="none" w="med" len="med"/>
-                      <a:tailEnd type="none" w="med" len="med"/>
-                    </a:lnL>
-                    <a:lnR w="12700" cap="flat" cmpd="sng" algn="ctr">
-                      <a:solidFill>
-                        <a:srgbClr val="000000"/>
-                      </a:solidFill>
-                      <a:prstDash val="solid"/>
-                      <a:round/>
-                      <a:headEnd type="none" w="med" len="med"/>
-                      <a:tailEnd type="none" w="med" len="med"/>
-                    </a:lnR>
-                    <a:lnT w="12700" cap="flat" cmpd="sng" algn="ctr">
-                      <a:solidFill>
-                        <a:srgbClr val="000000"/>
-                      </a:solidFill>
-                      <a:prstDash val="solid"/>
-                      <a:round/>
-                      <a:headEnd type="none" w="med" len="med"/>
-                      <a:tailEnd type="none" w="med" len="med"/>
-                    </a:lnT>
-                    <a:lnB w="12700" cap="flat" cmpd="sng" algn="ctr">
-                      <a:solidFill>
-                        <a:srgbClr val="000000"/>
-                      </a:solidFill>
-                      <a:prstDash val="solid"/>
-                      <a:round/>
-                      <a:headEnd type="none" w="med" len="med"/>
-                      <a:tailEnd type="none" w="med" len="med"/>
-                    </a:lnB>
-                    <a:solidFill>
-                      <a:srgbClr val="4472C4"/>
-                    </a:solidFill>
-                  </a:tcPr>
-                </a:tc>
-                <a:tc>
-                  <a:txBody>
-                    <a:bodyPr/>
-                    <a:lstStyle/>
-                    <a:p>
-                      <a:pPr>
-                        <a:lnSpc>
-                          <a:spcPct val="107000"/>
-                        </a:lnSpc>
-                        <a:spcAft>
-                          <a:spcPts val="0"/>
-                        </a:spcAft>
-                      </a:pPr>
-                      <a:r>
-                        <a:rPr lang="sl-SI" sz="1100">
-                          <a:effectLst/>
-                          <a:latin typeface="Calibri" panose="020F0502020204030204" pitchFamily="34" charset="0"/>
-                          <a:ea typeface="Calibri" panose="020F0502020204030204" pitchFamily="34" charset="0"/>
-                          <a:cs typeface="Times New Roman" panose="02020603050405020304" pitchFamily="18" charset="0"/>
-                        </a:rPr>
-                        <a:t> </a:t>
-                      </a:r>
-                    </a:p>
-                  </a:txBody>
-                  <a:tcPr marL="68580" marR="68580" marT="0" marB="0">
-                    <a:lnL w="12700" cap="flat" cmpd="sng" algn="ctr">
-                      <a:solidFill>
-                        <a:srgbClr val="000000"/>
-                      </a:solidFill>
-                      <a:prstDash val="solid"/>
-                      <a:round/>
-                      <a:headEnd type="none" w="med" len="med"/>
-                      <a:tailEnd type="none" w="med" len="med"/>
-                    </a:lnL>
-                    <a:lnR w="12700" cap="flat" cmpd="sng" algn="ctr">
-                      <a:solidFill>
-                        <a:srgbClr val="000000"/>
-                      </a:solidFill>
-                      <a:prstDash val="solid"/>
-                      <a:round/>
-                      <a:headEnd type="none" w="med" len="med"/>
-                      <a:tailEnd type="none" w="med" len="med"/>
-                    </a:lnR>
-                    <a:lnT w="12700" cap="flat" cmpd="sng" algn="ctr">
-                      <a:solidFill>
-                        <a:srgbClr val="000000"/>
-                      </a:solidFill>
-                      <a:prstDash val="solid"/>
-                      <a:round/>
-                      <a:headEnd type="none" w="med" len="med"/>
-                      <a:tailEnd type="none" w="med" len="med"/>
-                    </a:lnT>
-                    <a:lnB w="12700" cap="flat" cmpd="sng" algn="ctr">
-                      <a:solidFill>
-                        <a:srgbClr val="000000"/>
-                      </a:solidFill>
-                      <a:prstDash val="solid"/>
-                      <a:round/>
-                      <a:headEnd type="none" w="med" len="med"/>
-                      <a:tailEnd type="none" w="med" len="med"/>
-                    </a:lnB>
-                    <a:solidFill>
-                      <a:srgbClr val="4472C4"/>
-                    </a:solidFill>
-                  </a:tcPr>
-                </a:tc>
-                <a:tc>
-                  <a:txBody>
-                    <a:bodyPr/>
-                    <a:lstStyle/>
-                    <a:p>
-                      <a:pPr>
-                        <a:lnSpc>
-                          <a:spcPct val="107000"/>
-                        </a:lnSpc>
-                        <a:spcAft>
-                          <a:spcPts val="0"/>
-                        </a:spcAft>
-                      </a:pPr>
-                      <a:r>
-                        <a:rPr lang="sl-SI" sz="1100">
-                          <a:effectLst/>
-                          <a:latin typeface="Calibri" panose="020F0502020204030204" pitchFamily="34" charset="0"/>
-                          <a:ea typeface="Calibri" panose="020F0502020204030204" pitchFamily="34" charset="0"/>
-                          <a:cs typeface="Times New Roman" panose="02020603050405020304" pitchFamily="18" charset="0"/>
-                        </a:rPr>
-                        <a:t> </a:t>
-                      </a:r>
-                    </a:p>
-                  </a:txBody>
-                  <a:tcPr marL="68580" marR="68580" marT="0" marB="0">
-                    <a:lnL w="12700" cap="flat" cmpd="sng" algn="ctr">
-                      <a:solidFill>
-                        <a:srgbClr val="000000"/>
-                      </a:solidFill>
-                      <a:prstDash val="solid"/>
-                      <a:round/>
-                      <a:headEnd type="none" w="med" len="med"/>
-                      <a:tailEnd type="none" w="med" len="med"/>
-                    </a:lnL>
-                    <a:lnR w="12700" cap="flat" cmpd="sng" algn="ctr">
-                      <a:solidFill>
-                        <a:srgbClr val="000000"/>
-                      </a:solidFill>
-                      <a:prstDash val="solid"/>
-                      <a:round/>
-                      <a:headEnd type="none" w="med" len="med"/>
-                      <a:tailEnd type="none" w="med" len="med"/>
-                    </a:lnR>
-                    <a:lnT w="12700" cap="flat" cmpd="sng" algn="ctr">
-                      <a:solidFill>
-                        <a:srgbClr val="000000"/>
-                      </a:solidFill>
-                      <a:prstDash val="solid"/>
-                      <a:round/>
-                      <a:headEnd type="none" w="med" len="med"/>
-                      <a:tailEnd type="none" w="med" len="med"/>
-                    </a:lnT>
-                    <a:lnB w="12700" cap="flat" cmpd="sng" algn="ctr">
-                      <a:solidFill>
-                        <a:srgbClr val="000000"/>
-                      </a:solidFill>
-                      <a:prstDash val="solid"/>
-                      <a:round/>
-                      <a:headEnd type="none" w="med" len="med"/>
-                      <a:tailEnd type="none" w="med" len="med"/>
-                    </a:lnB>
-                    <a:solidFill>
-                      <a:srgbClr val="4472C4"/>
-                    </a:solidFill>
-                  </a:tcPr>
-                </a:tc>
-                <a:tc>
-                  <a:txBody>
-                    <a:bodyPr/>
-                    <a:lstStyle/>
-                    <a:p>
-                      <a:pPr>
-                        <a:lnSpc>
-                          <a:spcPct val="107000"/>
-                        </a:lnSpc>
-                        <a:spcAft>
-                          <a:spcPts val="0"/>
-                        </a:spcAft>
-                      </a:pPr>
-                      <a:r>
-                        <a:rPr lang="sl-SI" sz="1100">
-                          <a:effectLst/>
-                          <a:latin typeface="Calibri" panose="020F0502020204030204" pitchFamily="34" charset="0"/>
-                          <a:ea typeface="Calibri" panose="020F0502020204030204" pitchFamily="34" charset="0"/>
-                          <a:cs typeface="Times New Roman" panose="02020603050405020304" pitchFamily="18" charset="0"/>
-                        </a:rPr>
-                        <a:t> </a:t>
-                      </a:r>
-                    </a:p>
-                  </a:txBody>
-                  <a:tcPr marL="68580" marR="68580" marT="0" marB="0">
-                    <a:lnL w="12700" cap="flat" cmpd="sng" algn="ctr">
-                      <a:solidFill>
-                        <a:srgbClr val="000000"/>
-                      </a:solidFill>
-                      <a:prstDash val="solid"/>
-                      <a:round/>
-                      <a:headEnd type="none" w="med" len="med"/>
-                      <a:tailEnd type="none" w="med" len="med"/>
-                    </a:lnL>
-                    <a:lnR w="12700" cap="flat" cmpd="sng" algn="ctr">
-                      <a:solidFill>
-                        <a:srgbClr val="000000"/>
-                      </a:solidFill>
-                      <a:prstDash val="solid"/>
-                      <a:round/>
-                      <a:headEnd type="none" w="med" len="med"/>
-                      <a:tailEnd type="none" w="med" len="med"/>
-                    </a:lnR>
-                    <a:lnT w="12700" cap="flat" cmpd="sng" algn="ctr">
-                      <a:solidFill>
-                        <a:srgbClr val="000000"/>
-                      </a:solidFill>
-                      <a:prstDash val="solid"/>
-                      <a:round/>
-                      <a:headEnd type="none" w="med" len="med"/>
-                      <a:tailEnd type="none" w="med" len="med"/>
-                    </a:lnT>
-                    <a:lnB w="12700" cap="flat" cmpd="sng" algn="ctr">
-                      <a:solidFill>
-                        <a:srgbClr val="000000"/>
-                      </a:solidFill>
-                      <a:prstDash val="solid"/>
-                      <a:round/>
-                      <a:headEnd type="none" w="med" len="med"/>
-                      <a:tailEnd type="none" w="med" len="med"/>
-                    </a:lnB>
-                    <a:solidFill>
-                      <a:srgbClr val="4472C4"/>
-                    </a:solidFill>
-                  </a:tcPr>
-                </a:tc>
-                <a:tc>
-                  <a:txBody>
-                    <a:bodyPr/>
-                    <a:lstStyle/>
-                    <a:p>
-                      <a:pPr>
-                        <a:lnSpc>
-                          <a:spcPct val="107000"/>
-                        </a:lnSpc>
-                        <a:spcAft>
-                          <a:spcPts val="0"/>
-                        </a:spcAft>
-                      </a:pPr>
-                      <a:r>
-                        <a:rPr lang="sl-SI" sz="1100">
-                          <a:effectLst/>
-                          <a:latin typeface="Calibri" panose="020F0502020204030204" pitchFamily="34" charset="0"/>
-                          <a:ea typeface="Calibri" panose="020F0502020204030204" pitchFamily="34" charset="0"/>
-                          <a:cs typeface="Times New Roman" panose="02020603050405020304" pitchFamily="18" charset="0"/>
-                        </a:rPr>
-                        <a:t> </a:t>
-                      </a:r>
-                    </a:p>
-                  </a:txBody>
-                  <a:tcPr marL="68580" marR="68580" marT="0" marB="0">
-                    <a:lnL w="12700" cap="flat" cmpd="sng" algn="ctr">
-                      <a:solidFill>
-                        <a:srgbClr val="000000"/>
-                      </a:solidFill>
-                      <a:prstDash val="solid"/>
-                      <a:round/>
-                      <a:headEnd type="none" w="med" len="med"/>
-                      <a:tailEnd type="none" w="med" len="med"/>
-                    </a:lnL>
-                    <a:lnR w="12700" cap="flat" cmpd="sng" algn="ctr">
-                      <a:solidFill>
-                        <a:srgbClr val="000000"/>
-                      </a:solidFill>
-                      <a:prstDash val="solid"/>
-                      <a:round/>
-                      <a:headEnd type="none" w="med" len="med"/>
-                      <a:tailEnd type="none" w="med" len="med"/>
-                    </a:lnR>
-                    <a:lnT w="12700" cap="flat" cmpd="sng" algn="ctr">
-                      <a:solidFill>
-                        <a:srgbClr val="000000"/>
-                      </a:solidFill>
-                      <a:prstDash val="solid"/>
-                      <a:round/>
-                      <a:headEnd type="none" w="med" len="med"/>
-                      <a:tailEnd type="none" w="med" len="med"/>
-                    </a:lnT>
-                    <a:lnB w="12700" cap="flat" cmpd="sng" algn="ctr">
-                      <a:solidFill>
-                        <a:srgbClr val="000000"/>
-                      </a:solidFill>
-                      <a:prstDash val="solid"/>
-                      <a:round/>
-                      <a:headEnd type="none" w="med" len="med"/>
-                      <a:tailEnd type="none" w="med" len="med"/>
-                    </a:lnB>
-                  </a:tcPr>
-                </a:tc>
-                <a:tc>
-                  <a:txBody>
-                    <a:bodyPr/>
-                    <a:lstStyle/>
-                    <a:p>
-                      <a:pPr>
-                        <a:lnSpc>
-                          <a:spcPct val="107000"/>
-                        </a:lnSpc>
-                        <a:spcAft>
-                          <a:spcPts val="0"/>
-                        </a:spcAft>
-                      </a:pPr>
-                      <a:r>
-                        <a:rPr lang="sl-SI" sz="1100">
-                          <a:effectLst/>
-                          <a:latin typeface="Calibri" panose="020F0502020204030204" pitchFamily="34" charset="0"/>
-                          <a:ea typeface="Calibri" panose="020F0502020204030204" pitchFamily="34" charset="0"/>
-                          <a:cs typeface="Times New Roman" panose="02020603050405020304" pitchFamily="18" charset="0"/>
-                        </a:rPr>
-                        <a:t> </a:t>
-                      </a:r>
-                    </a:p>
-                  </a:txBody>
-                  <a:tcPr marL="68580" marR="68580" marT="0" marB="0">
-                    <a:lnL w="12700" cap="flat" cmpd="sng" algn="ctr">
-                      <a:solidFill>
-                        <a:srgbClr val="000000"/>
-                      </a:solidFill>
-                      <a:prstDash val="solid"/>
-                      <a:round/>
-                      <a:headEnd type="none" w="med" len="med"/>
-                      <a:tailEnd type="none" w="med" len="med"/>
-                    </a:lnL>
-                    <a:lnR w="12700" cap="flat" cmpd="sng" algn="ctr">
-                      <a:solidFill>
-                        <a:srgbClr val="000000"/>
-                      </a:solidFill>
-                      <a:prstDash val="solid"/>
-                      <a:round/>
-                      <a:headEnd type="none" w="med" len="med"/>
-                      <a:tailEnd type="none" w="med" len="med"/>
-                    </a:lnR>
-                    <a:lnT w="12700" cap="flat" cmpd="sng" algn="ctr">
-                      <a:solidFill>
-                        <a:srgbClr val="000000"/>
-                      </a:solidFill>
-                      <a:prstDash val="solid"/>
-                      <a:round/>
-                      <a:headEnd type="none" w="med" len="med"/>
-                      <a:tailEnd type="none" w="med" len="med"/>
-                    </a:lnT>
-                    <a:lnB w="12700" cap="flat" cmpd="sng" algn="ctr">
-                      <a:solidFill>
-                        <a:srgbClr val="000000"/>
-                      </a:solidFill>
-                      <a:prstDash val="solid"/>
-                      <a:round/>
-                      <a:headEnd type="none" w="med" len="med"/>
-                      <a:tailEnd type="none" w="med" len="med"/>
-                    </a:lnB>
-                  </a:tcPr>
-                </a:tc>
-                <a:tc>
-                  <a:txBody>
-                    <a:bodyPr/>
-                    <a:lstStyle/>
-                    <a:p>
-                      <a:pPr>
-                        <a:lnSpc>
-                          <a:spcPct val="107000"/>
-                        </a:lnSpc>
-                        <a:spcAft>
-                          <a:spcPts val="0"/>
-                        </a:spcAft>
-                      </a:pPr>
-                      <a:r>
-                        <a:rPr lang="sl-SI" sz="1100">
-                          <a:effectLst/>
-                          <a:latin typeface="Calibri" panose="020F0502020204030204" pitchFamily="34" charset="0"/>
-                          <a:ea typeface="Calibri" panose="020F0502020204030204" pitchFamily="34" charset="0"/>
-                          <a:cs typeface="Times New Roman" panose="02020603050405020304" pitchFamily="18" charset="0"/>
-                        </a:rPr>
-                        <a:t> </a:t>
-                      </a:r>
-                    </a:p>
-                  </a:txBody>
-                  <a:tcPr marL="68580" marR="68580" marT="0" marB="0">
-                    <a:lnL w="12700" cap="flat" cmpd="sng" algn="ctr">
-                      <a:solidFill>
-                        <a:srgbClr val="000000"/>
-                      </a:solidFill>
-                      <a:prstDash val="solid"/>
-                      <a:round/>
-                      <a:headEnd type="none" w="med" len="med"/>
-                      <a:tailEnd type="none" w="med" len="med"/>
-                    </a:lnL>
-                    <a:lnR w="12700" cap="flat" cmpd="sng" algn="ctr">
-                      <a:solidFill>
-                        <a:srgbClr val="000000"/>
-                      </a:solidFill>
-                      <a:prstDash val="solid"/>
-                      <a:round/>
-                      <a:headEnd type="none" w="med" len="med"/>
-                      <a:tailEnd type="none" w="med" len="med"/>
-                    </a:lnR>
-                    <a:lnT w="12700" cap="flat" cmpd="sng" algn="ctr">
-                      <a:solidFill>
-                        <a:srgbClr val="000000"/>
-                      </a:solidFill>
-                      <a:prstDash val="solid"/>
-                      <a:round/>
-                      <a:headEnd type="none" w="med" len="med"/>
-                      <a:tailEnd type="none" w="med" len="med"/>
-                    </a:lnT>
-                    <a:lnB w="12700" cap="flat" cmpd="sng" algn="ctr">
-                      <a:solidFill>
-                        <a:srgbClr val="000000"/>
-                      </a:solidFill>
-                      <a:prstDash val="solid"/>
-                      <a:round/>
-                      <a:headEnd type="none" w="med" len="med"/>
-                      <a:tailEnd type="none" w="med" len="med"/>
-                    </a:lnB>
-                  </a:tcPr>
-                </a:tc>
-                <a:tc>
-                  <a:txBody>
-                    <a:bodyPr/>
-                    <a:lstStyle/>
-                    <a:p>
-                      <a:pPr>
-                        <a:lnSpc>
-                          <a:spcPct val="107000"/>
-                        </a:lnSpc>
-                        <a:spcAft>
-                          <a:spcPts val="0"/>
-                        </a:spcAft>
-                      </a:pPr>
-                      <a:r>
-                        <a:rPr lang="sl-SI" sz="1100">
-                          <a:effectLst/>
-                          <a:latin typeface="Calibri" panose="020F0502020204030204" pitchFamily="34" charset="0"/>
-                          <a:ea typeface="Calibri" panose="020F0502020204030204" pitchFamily="34" charset="0"/>
-                          <a:cs typeface="Times New Roman" panose="02020603050405020304" pitchFamily="18" charset="0"/>
-                        </a:rPr>
-                        <a:t> </a:t>
-                      </a:r>
-                    </a:p>
-                  </a:txBody>
-                  <a:tcPr marL="68580" marR="68580" marT="0" marB="0">
-                    <a:lnL w="12700" cap="flat" cmpd="sng" algn="ctr">
-                      <a:solidFill>
-                        <a:srgbClr val="000000"/>
-                      </a:solidFill>
-                      <a:prstDash val="solid"/>
-                      <a:round/>
-                      <a:headEnd type="none" w="med" len="med"/>
-                      <a:tailEnd type="none" w="med" len="med"/>
-                    </a:lnL>
-                    <a:lnR w="12700" cap="flat" cmpd="sng" algn="ctr">
-                      <a:solidFill>
-                        <a:srgbClr val="000000"/>
-                      </a:solidFill>
-                      <a:prstDash val="solid"/>
-                      <a:round/>
-                      <a:headEnd type="none" w="med" len="med"/>
-                      <a:tailEnd type="none" w="med" len="med"/>
-                    </a:lnR>
-                    <a:lnT w="12700" cap="flat" cmpd="sng" algn="ctr">
-                      <a:solidFill>
-                        <a:srgbClr val="000000"/>
-                      </a:solidFill>
-                      <a:prstDash val="solid"/>
-                      <a:round/>
-                      <a:headEnd type="none" w="med" len="med"/>
-                      <a:tailEnd type="none" w="med" len="med"/>
-                    </a:lnT>
-                    <a:lnB w="12700" cap="flat" cmpd="sng" algn="ctr">
-                      <a:solidFill>
-                        <a:srgbClr val="000000"/>
-                      </a:solidFill>
-                      <a:prstDash val="solid"/>
-                      <a:round/>
-                      <a:headEnd type="none" w="med" len="med"/>
-                      <a:tailEnd type="none" w="med" len="med"/>
-                    </a:lnB>
-                  </a:tcPr>
-                </a:tc>
-                <a:tc>
-                  <a:txBody>
-                    <a:bodyPr/>
-                    <a:lstStyle/>
-                    <a:p>
-                      <a:pPr>
-                        <a:lnSpc>
-                          <a:spcPct val="107000"/>
-                        </a:lnSpc>
-                        <a:spcAft>
-                          <a:spcPts val="0"/>
-                        </a:spcAft>
-                      </a:pPr>
-                      <a:r>
-                        <a:rPr lang="sl-SI" sz="1100">
-                          <a:effectLst/>
-                          <a:latin typeface="Calibri" panose="020F0502020204030204" pitchFamily="34" charset="0"/>
-                          <a:ea typeface="Calibri" panose="020F0502020204030204" pitchFamily="34" charset="0"/>
-                          <a:cs typeface="Times New Roman" panose="02020603050405020304" pitchFamily="18" charset="0"/>
-                        </a:rPr>
-                        <a:t> </a:t>
-                      </a:r>
-                    </a:p>
-                  </a:txBody>
-                  <a:tcPr marL="68580" marR="68580" marT="0" marB="0">
-                    <a:lnL w="12700" cap="flat" cmpd="sng" algn="ctr">
-                      <a:solidFill>
-                        <a:srgbClr val="000000"/>
-                      </a:solidFill>
-                      <a:prstDash val="solid"/>
-                      <a:round/>
-                      <a:headEnd type="none" w="med" len="med"/>
-                      <a:tailEnd type="none" w="med" len="med"/>
-                    </a:lnL>
-                    <a:lnR w="12700" cap="flat" cmpd="sng" algn="ctr">
-                      <a:solidFill>
-                        <a:srgbClr val="000000"/>
-                      </a:solidFill>
-                      <a:prstDash val="solid"/>
-                      <a:round/>
-                      <a:headEnd type="none" w="med" len="med"/>
-                      <a:tailEnd type="none" w="med" len="med"/>
-                    </a:lnR>
-                    <a:lnT w="12700" cap="flat" cmpd="sng" algn="ctr">
-                      <a:solidFill>
-                        <a:srgbClr val="000000"/>
-                      </a:solidFill>
-                      <a:prstDash val="solid"/>
-                      <a:round/>
-                      <a:headEnd type="none" w="med" len="med"/>
-                      <a:tailEnd type="none" w="med" len="med"/>
-                    </a:lnT>
-                    <a:lnB w="12700" cap="flat" cmpd="sng" algn="ctr">
-                      <a:solidFill>
-                        <a:srgbClr val="000000"/>
-                      </a:solidFill>
-                      <a:prstDash val="solid"/>
-                      <a:round/>
-                      <a:headEnd type="none" w="med" len="med"/>
-                      <a:tailEnd type="none" w="med" len="med"/>
-                    </a:lnB>
-                  </a:tcPr>
-                </a:tc>
-                <a:tc>
-                  <a:txBody>
-                    <a:bodyPr/>
-                    <a:lstStyle/>
-                    <a:p>
-                      <a:pPr>
-                        <a:lnSpc>
-                          <a:spcPct val="107000"/>
-                        </a:lnSpc>
-                        <a:spcAft>
-                          <a:spcPts val="0"/>
-                        </a:spcAft>
-                      </a:pPr>
-                      <a:r>
-                        <a:rPr lang="sl-SI" sz="1100">
-                          <a:effectLst/>
-                          <a:latin typeface="Calibri" panose="020F0502020204030204" pitchFamily="34" charset="0"/>
-                          <a:ea typeface="Calibri" panose="020F0502020204030204" pitchFamily="34" charset="0"/>
-                          <a:cs typeface="Times New Roman" panose="02020603050405020304" pitchFamily="18" charset="0"/>
-                        </a:rPr>
-                        <a:t> </a:t>
-                      </a:r>
-                    </a:p>
-                  </a:txBody>
-                  <a:tcPr marL="68580" marR="68580" marT="0" marB="0">
-                    <a:lnL w="12700" cap="flat" cmpd="sng" algn="ctr">
-                      <a:solidFill>
-                        <a:srgbClr val="000000"/>
-                      </a:solidFill>
-                      <a:prstDash val="solid"/>
-                      <a:round/>
-                      <a:headEnd type="none" w="med" len="med"/>
-                      <a:tailEnd type="none" w="med" len="med"/>
-                    </a:lnL>
-                    <a:lnR w="12700" cap="flat" cmpd="sng" algn="ctr">
-                      <a:solidFill>
-                        <a:srgbClr val="000000"/>
-                      </a:solidFill>
-                      <a:prstDash val="solid"/>
-                      <a:round/>
-                      <a:headEnd type="none" w="med" len="med"/>
-                      <a:tailEnd type="none" w="med" len="med"/>
-                    </a:lnR>
-                    <a:lnT w="12700" cap="flat" cmpd="sng" algn="ctr">
-                      <a:solidFill>
-                        <a:srgbClr val="000000"/>
-                      </a:solidFill>
-                      <a:prstDash val="solid"/>
-                      <a:round/>
-                      <a:headEnd type="none" w="med" len="med"/>
-                      <a:tailEnd type="none" w="med" len="med"/>
-                    </a:lnT>
-                    <a:lnB w="12700" cap="flat" cmpd="sng" algn="ctr">
-                      <a:solidFill>
-                        <a:srgbClr val="000000"/>
-                      </a:solidFill>
-                      <a:prstDash val="solid"/>
-                      <a:round/>
-                      <a:headEnd type="none" w="med" len="med"/>
-                      <a:tailEnd type="none" w="med" len="med"/>
-                    </a:lnB>
-                  </a:tcPr>
-                </a:tc>
-                <a:tc>
-                  <a:txBody>
-                    <a:bodyPr/>
-                    <a:lstStyle/>
-                    <a:p>
-                      <a:pPr>
-                        <a:lnSpc>
-                          <a:spcPct val="107000"/>
-                        </a:lnSpc>
-                        <a:spcAft>
-                          <a:spcPts val="0"/>
-                        </a:spcAft>
-                      </a:pPr>
-                      <a:r>
-                        <a:rPr lang="sl-SI" sz="1100">
-                          <a:effectLst/>
-                          <a:latin typeface="Calibri" panose="020F0502020204030204" pitchFamily="34" charset="0"/>
-                          <a:ea typeface="Calibri" panose="020F0502020204030204" pitchFamily="34" charset="0"/>
-                          <a:cs typeface="Times New Roman" panose="02020603050405020304" pitchFamily="18" charset="0"/>
-                        </a:rPr>
-                        <a:t> </a:t>
-                      </a:r>
-                    </a:p>
-                  </a:txBody>
-                  <a:tcPr marL="68580" marR="68580" marT="0" marB="0">
-                    <a:lnL w="12700" cap="flat" cmpd="sng" algn="ctr">
-                      <a:solidFill>
-                        <a:srgbClr val="000000"/>
-                      </a:solidFill>
-                      <a:prstDash val="solid"/>
-                      <a:round/>
-                      <a:headEnd type="none" w="med" len="med"/>
-                      <a:tailEnd type="none" w="med" len="med"/>
-                    </a:lnL>
-                    <a:lnR w="12700" cap="flat" cmpd="sng" algn="ctr">
-                      <a:solidFill>
-                        <a:srgbClr val="000000"/>
-                      </a:solidFill>
-                      <a:prstDash val="solid"/>
-                      <a:round/>
-                      <a:headEnd type="none" w="med" len="med"/>
-                      <a:tailEnd type="none" w="med" len="med"/>
-                    </a:lnR>
-                    <a:lnT w="12700" cap="flat" cmpd="sng" algn="ctr">
-                      <a:solidFill>
-                        <a:srgbClr val="000000"/>
-                      </a:solidFill>
-                      <a:prstDash val="solid"/>
-                      <a:round/>
-                      <a:headEnd type="none" w="med" len="med"/>
-                      <a:tailEnd type="none" w="med" len="med"/>
-                    </a:lnT>
-                    <a:lnB w="12700" cap="flat" cmpd="sng" algn="ctr">
-                      <a:solidFill>
-                        <a:srgbClr val="000000"/>
-                      </a:solidFill>
-                      <a:prstDash val="solid"/>
-                      <a:round/>
-                      <a:headEnd type="none" w="med" len="med"/>
-                      <a:tailEnd type="none" w="med" len="med"/>
-                    </a:lnB>
-                  </a:tcPr>
-                </a:tc>
-                <a:tc>
-                  <a:txBody>
-                    <a:bodyPr/>
-                    <a:lstStyle/>
-                    <a:p>
-                      <a:pPr>
-                        <a:lnSpc>
-                          <a:spcPct val="107000"/>
-                        </a:lnSpc>
-                        <a:spcAft>
-                          <a:spcPts val="0"/>
-                        </a:spcAft>
-                      </a:pPr>
-                      <a:r>
-                        <a:rPr lang="sl-SI" sz="1100">
-                          <a:effectLst/>
-                          <a:latin typeface="Calibri" panose="020F0502020204030204" pitchFamily="34" charset="0"/>
-                          <a:ea typeface="Calibri" panose="020F0502020204030204" pitchFamily="34" charset="0"/>
-                          <a:cs typeface="Times New Roman" panose="02020603050405020304" pitchFamily="18" charset="0"/>
-                        </a:rPr>
-                        <a:t> </a:t>
-                      </a:r>
-                    </a:p>
-                  </a:txBody>
-                  <a:tcPr marL="68580" marR="68580" marT="0" marB="0">
-                    <a:lnL w="12700" cap="flat" cmpd="sng" algn="ctr">
-                      <a:solidFill>
-                        <a:srgbClr val="000000"/>
-                      </a:solidFill>
-                      <a:prstDash val="solid"/>
-                      <a:round/>
-                      <a:headEnd type="none" w="med" len="med"/>
-                      <a:tailEnd type="none" w="med" len="med"/>
-                    </a:lnL>
-                    <a:lnR w="12700" cap="flat" cmpd="sng" algn="ctr">
-                      <a:solidFill>
-                        <a:srgbClr val="000000"/>
-                      </a:solidFill>
-                      <a:prstDash val="solid"/>
-                      <a:round/>
-                      <a:headEnd type="none" w="med" len="med"/>
-                      <a:tailEnd type="none" w="med" len="med"/>
-                    </a:lnR>
-                    <a:lnT w="12700" cap="flat" cmpd="sng" algn="ctr">
-                      <a:solidFill>
-                        <a:srgbClr val="000000"/>
-                      </a:solidFill>
-                      <a:prstDash val="solid"/>
-                      <a:round/>
-                      <a:headEnd type="none" w="med" len="med"/>
-                      <a:tailEnd type="none" w="med" len="med"/>
-                    </a:lnT>
-                    <a:lnB w="12700" cap="flat" cmpd="sng" algn="ctr">
-                      <a:solidFill>
-                        <a:srgbClr val="000000"/>
-                      </a:solidFill>
-                      <a:prstDash val="solid"/>
-                      <a:round/>
-                      <a:headEnd type="none" w="med" len="med"/>
-                      <a:tailEnd type="none" w="med" len="med"/>
-                    </a:lnB>
-                  </a:tcPr>
-                </a:tc>
-                <a:extLst>
-                  <a:ext uri="{0D108BD9-81ED-4DB2-BD59-A6C34878D82A}">
-                    <a16:rowId xmlns:a16="http://schemas.microsoft.com/office/drawing/2014/main" val="1510220827"/>
-                  </a:ext>
-                </a:extLst>
-              </a:tr>
-              <a:tr h="511579">
-                <a:tc>
-                  <a:txBody>
-                    <a:bodyPr/>
-                    <a:lstStyle/>
-                    <a:p>
-                      <a:pPr>
-                        <a:lnSpc>
-                          <a:spcPct val="107000"/>
-                        </a:lnSpc>
-                        <a:spcAft>
-                          <a:spcPts val="0"/>
-                        </a:spcAft>
-                      </a:pPr>
-                      <a:r>
-                        <a:rPr lang="sl-SI" sz="1100" dirty="0">
-                          <a:effectLst/>
-                          <a:latin typeface="Calibri" panose="020F0502020204030204" pitchFamily="34" charset="0"/>
-                          <a:ea typeface="Calibri" panose="020F0502020204030204" pitchFamily="34" charset="0"/>
-                          <a:cs typeface="Times New Roman" panose="02020603050405020304" pitchFamily="18" charset="0"/>
-                        </a:rPr>
-                        <a:t>Prepoznavanje obraza</a:t>
-                      </a:r>
-                    </a:p>
-                  </a:txBody>
-                  <a:tcPr marL="68580" marR="68580" marT="0" marB="0">
-                    <a:lnL w="12700" cap="flat" cmpd="sng" algn="ctr">
-                      <a:solidFill>
-                        <a:srgbClr val="000000"/>
-                      </a:solidFill>
-                      <a:prstDash val="solid"/>
-                      <a:round/>
-                      <a:headEnd type="none" w="med" len="med"/>
-                      <a:tailEnd type="none" w="med" len="med"/>
-                    </a:lnL>
-                    <a:lnR w="12700" cap="flat" cmpd="sng" algn="ctr">
-                      <a:solidFill>
-                        <a:srgbClr val="000000"/>
-                      </a:solidFill>
-                      <a:prstDash val="solid"/>
-                      <a:round/>
-                      <a:headEnd type="none" w="med" len="med"/>
-                      <a:tailEnd type="none" w="med" len="med"/>
-                    </a:lnR>
-                    <a:lnT w="12700" cap="flat" cmpd="sng" algn="ctr">
-                      <a:solidFill>
-                        <a:srgbClr val="000000"/>
-                      </a:solidFill>
-                      <a:prstDash val="solid"/>
-                      <a:round/>
-                      <a:headEnd type="none" w="med" len="med"/>
-                      <a:tailEnd type="none" w="med" len="med"/>
-                    </a:lnT>
-                    <a:lnB w="12700" cap="flat" cmpd="sng" algn="ctr">
-                      <a:solidFill>
-                        <a:srgbClr val="000000"/>
-                      </a:solidFill>
-                      <a:prstDash val="solid"/>
-                      <a:round/>
-                      <a:headEnd type="none" w="med" len="med"/>
-                      <a:tailEnd type="none" w="med" len="med"/>
-                    </a:lnB>
-                  </a:tcPr>
-                </a:tc>
-                <a:tc>
-                  <a:txBody>
-                    <a:bodyPr/>
-                    <a:lstStyle/>
-                    <a:p>
-                      <a:pPr>
-                        <a:lnSpc>
-                          <a:spcPct val="107000"/>
-                        </a:lnSpc>
-                        <a:spcAft>
-                          <a:spcPts val="0"/>
-                        </a:spcAft>
-                      </a:pPr>
-                      <a:r>
-                        <a:rPr lang="sl-SI" sz="1100">
-                          <a:effectLst/>
-                          <a:latin typeface="Calibri" panose="020F0502020204030204" pitchFamily="34" charset="0"/>
-                          <a:ea typeface="Calibri" panose="020F0502020204030204" pitchFamily="34" charset="0"/>
-                          <a:cs typeface="Times New Roman" panose="02020603050405020304" pitchFamily="18" charset="0"/>
-                        </a:rPr>
-                        <a:t> </a:t>
-                      </a:r>
-                    </a:p>
-                  </a:txBody>
-                  <a:tcPr marL="68580" marR="68580" marT="0" marB="0">
-                    <a:lnL w="12700" cap="flat" cmpd="sng" algn="ctr">
-                      <a:solidFill>
-                        <a:srgbClr val="000000"/>
-                      </a:solidFill>
-                      <a:prstDash val="solid"/>
-                      <a:round/>
-                      <a:headEnd type="none" w="med" len="med"/>
-                      <a:tailEnd type="none" w="med" len="med"/>
-                    </a:lnL>
-                    <a:lnR w="12700" cap="flat" cmpd="sng" algn="ctr">
-                      <a:solidFill>
-                        <a:srgbClr val="000000"/>
-                      </a:solidFill>
-                      <a:prstDash val="solid"/>
-                      <a:round/>
-                      <a:headEnd type="none" w="med" len="med"/>
-                      <a:tailEnd type="none" w="med" len="med"/>
-                    </a:lnR>
-                    <a:lnT w="12700" cap="flat" cmpd="sng" algn="ctr">
-                      <a:solidFill>
-                        <a:srgbClr val="000000"/>
-                      </a:solidFill>
-                      <a:prstDash val="solid"/>
-                      <a:round/>
-                      <a:headEnd type="none" w="med" len="med"/>
-                      <a:tailEnd type="none" w="med" len="med"/>
-                    </a:lnT>
-                    <a:lnB w="12700" cap="flat" cmpd="sng" algn="ctr">
-                      <a:solidFill>
-                        <a:srgbClr val="000000"/>
-                      </a:solidFill>
-                      <a:prstDash val="solid"/>
-                      <a:round/>
-                      <a:headEnd type="none" w="med" len="med"/>
-                      <a:tailEnd type="none" w="med" len="med"/>
-                    </a:lnB>
-                  </a:tcPr>
-                </a:tc>
-                <a:tc>
-                  <a:txBody>
-                    <a:bodyPr/>
-                    <a:lstStyle/>
-                    <a:p>
-                      <a:pPr>
-                        <a:lnSpc>
-                          <a:spcPct val="107000"/>
-                        </a:lnSpc>
-                        <a:spcAft>
-                          <a:spcPts val="0"/>
-                        </a:spcAft>
-                      </a:pPr>
-                      <a:r>
-                        <a:rPr lang="sl-SI" sz="1100" dirty="0">
-                          <a:effectLst/>
-                          <a:latin typeface="Calibri" panose="020F0502020204030204" pitchFamily="34" charset="0"/>
-                          <a:ea typeface="Calibri" panose="020F0502020204030204" pitchFamily="34" charset="0"/>
-                          <a:cs typeface="Times New Roman" panose="02020603050405020304" pitchFamily="18" charset="0"/>
-                        </a:rPr>
-                        <a:t> </a:t>
-                      </a:r>
-                    </a:p>
-                  </a:txBody>
-                  <a:tcPr marL="68580" marR="68580" marT="0" marB="0">
-                    <a:lnL w="12700" cap="flat" cmpd="sng" algn="ctr">
-                      <a:solidFill>
-                        <a:srgbClr val="000000"/>
-                      </a:solidFill>
-                      <a:prstDash val="solid"/>
-                      <a:round/>
-                      <a:headEnd type="none" w="med" len="med"/>
-                      <a:tailEnd type="none" w="med" len="med"/>
-                    </a:lnL>
-                    <a:lnR w="12700" cap="flat" cmpd="sng" algn="ctr">
-                      <a:solidFill>
-                        <a:srgbClr val="000000"/>
-                      </a:solidFill>
-                      <a:prstDash val="solid"/>
-                      <a:round/>
-                      <a:headEnd type="none" w="med" len="med"/>
-                      <a:tailEnd type="none" w="med" len="med"/>
-                    </a:lnR>
-                    <a:lnT w="12700" cap="flat" cmpd="sng" algn="ctr">
-                      <a:solidFill>
-                        <a:srgbClr val="000000"/>
-                      </a:solidFill>
-                      <a:prstDash val="solid"/>
-                      <a:round/>
-                      <a:headEnd type="none" w="med" len="med"/>
-                      <a:tailEnd type="none" w="med" len="med"/>
-                    </a:lnT>
-                    <a:lnB w="12700" cap="flat" cmpd="sng" algn="ctr">
-                      <a:solidFill>
-                        <a:srgbClr val="000000"/>
-                      </a:solidFill>
-                      <a:prstDash val="solid"/>
-                      <a:round/>
-                      <a:headEnd type="none" w="med" len="med"/>
-                      <a:tailEnd type="none" w="med" len="med"/>
-                    </a:lnB>
-                  </a:tcPr>
-                </a:tc>
-                <a:tc>
-                  <a:txBody>
-                    <a:bodyPr/>
-                    <a:lstStyle/>
-                    <a:p>
-                      <a:pPr>
-                        <a:lnSpc>
-                          <a:spcPct val="107000"/>
-                        </a:lnSpc>
-                        <a:spcAft>
-                          <a:spcPts val="0"/>
-                        </a:spcAft>
-                      </a:pPr>
-                      <a:r>
-                        <a:rPr lang="sl-SI" sz="1100" dirty="0">
-                          <a:effectLst/>
-                          <a:latin typeface="Calibri" panose="020F0502020204030204" pitchFamily="34" charset="0"/>
-                          <a:ea typeface="Calibri" panose="020F0502020204030204" pitchFamily="34" charset="0"/>
-                          <a:cs typeface="Times New Roman" panose="02020603050405020304" pitchFamily="18" charset="0"/>
-                        </a:rPr>
-                        <a:t> </a:t>
-                      </a:r>
-                    </a:p>
-                  </a:txBody>
-                  <a:tcPr marL="68580" marR="68580" marT="0" marB="0">
-                    <a:lnL w="12700" cap="flat" cmpd="sng" algn="ctr">
-                      <a:solidFill>
-                        <a:srgbClr val="000000"/>
-                      </a:solidFill>
-                      <a:prstDash val="solid"/>
-                      <a:round/>
-                      <a:headEnd type="none" w="med" len="med"/>
-                      <a:tailEnd type="none" w="med" len="med"/>
-                    </a:lnL>
-                    <a:lnR w="12700" cap="flat" cmpd="sng" algn="ctr">
-                      <a:solidFill>
-                        <a:srgbClr val="000000"/>
-                      </a:solidFill>
-                      <a:prstDash val="solid"/>
-                      <a:round/>
-                      <a:headEnd type="none" w="med" len="med"/>
-                      <a:tailEnd type="none" w="med" len="med"/>
-                    </a:lnR>
-                    <a:lnT w="12700" cap="flat" cmpd="sng" algn="ctr">
-                      <a:solidFill>
-                        <a:srgbClr val="000000"/>
-                      </a:solidFill>
-                      <a:prstDash val="solid"/>
-                      <a:round/>
-                      <a:headEnd type="none" w="med" len="med"/>
-                      <a:tailEnd type="none" w="med" len="med"/>
-                    </a:lnT>
-                    <a:lnB w="12700" cap="flat" cmpd="sng" algn="ctr">
-                      <a:solidFill>
-                        <a:srgbClr val="000000"/>
-                      </a:solidFill>
-                      <a:prstDash val="solid"/>
-                      <a:round/>
-                      <a:headEnd type="none" w="med" len="med"/>
-                      <a:tailEnd type="none" w="med" len="med"/>
-                    </a:lnB>
-                    <a:solidFill>
-                      <a:srgbClr val="ED7D31"/>
-                    </a:solidFill>
-                  </a:tcPr>
-                </a:tc>
-                <a:tc>
-                  <a:txBody>
-                    <a:bodyPr/>
-                    <a:lstStyle/>
-                    <a:p>
-                      <a:pPr>
-                        <a:lnSpc>
-                          <a:spcPct val="107000"/>
-                        </a:lnSpc>
-                        <a:spcAft>
-                          <a:spcPts val="0"/>
-                        </a:spcAft>
-                      </a:pPr>
-                      <a:r>
-                        <a:rPr lang="sl-SI" sz="1100" dirty="0">
-                          <a:effectLst/>
-                          <a:latin typeface="Calibri" panose="020F0502020204030204" pitchFamily="34" charset="0"/>
-                          <a:ea typeface="Calibri" panose="020F0502020204030204" pitchFamily="34" charset="0"/>
-                          <a:cs typeface="Times New Roman" panose="02020603050405020304" pitchFamily="18" charset="0"/>
-                        </a:rPr>
-                        <a:t> </a:t>
-                      </a:r>
-                    </a:p>
-                  </a:txBody>
-                  <a:tcPr marL="68580" marR="68580" marT="0" marB="0">
-                    <a:lnL w="12700" cap="flat" cmpd="sng" algn="ctr">
-                      <a:solidFill>
-                        <a:srgbClr val="000000"/>
-                      </a:solidFill>
-                      <a:prstDash val="solid"/>
-                      <a:round/>
-                      <a:headEnd type="none" w="med" len="med"/>
-                      <a:tailEnd type="none" w="med" len="med"/>
-                    </a:lnL>
-                    <a:lnR w="12700" cap="flat" cmpd="sng" algn="ctr">
-                      <a:solidFill>
-                        <a:srgbClr val="000000"/>
-                      </a:solidFill>
-                      <a:prstDash val="solid"/>
-                      <a:round/>
-                      <a:headEnd type="none" w="med" len="med"/>
-                      <a:tailEnd type="none" w="med" len="med"/>
-                    </a:lnR>
-                    <a:lnT w="12700" cap="flat" cmpd="sng" algn="ctr">
-                      <a:solidFill>
-                        <a:srgbClr val="000000"/>
-                      </a:solidFill>
-                      <a:prstDash val="solid"/>
-                      <a:round/>
-                      <a:headEnd type="none" w="med" len="med"/>
-                      <a:tailEnd type="none" w="med" len="med"/>
-                    </a:lnT>
-                    <a:lnB w="12700" cap="flat" cmpd="sng" algn="ctr">
-                      <a:solidFill>
-                        <a:srgbClr val="000000"/>
-                      </a:solidFill>
-                      <a:prstDash val="solid"/>
-                      <a:round/>
-                      <a:headEnd type="none" w="med" len="med"/>
-                      <a:tailEnd type="none" w="med" len="med"/>
-                    </a:lnB>
-                    <a:solidFill>
-                      <a:srgbClr val="ED7D31"/>
-                    </a:solidFill>
-                  </a:tcPr>
-                </a:tc>
-                <a:tc>
-                  <a:txBody>
-                    <a:bodyPr/>
-                    <a:lstStyle/>
-                    <a:p>
-                      <a:pPr>
-                        <a:lnSpc>
-                          <a:spcPct val="107000"/>
-                        </a:lnSpc>
-                        <a:spcAft>
-                          <a:spcPts val="0"/>
-                        </a:spcAft>
-                      </a:pPr>
-                      <a:r>
-                        <a:rPr lang="sl-SI" sz="1100" dirty="0">
-                          <a:effectLst/>
-                          <a:latin typeface="Calibri" panose="020F0502020204030204" pitchFamily="34" charset="0"/>
-                          <a:ea typeface="Calibri" panose="020F0502020204030204" pitchFamily="34" charset="0"/>
-                          <a:cs typeface="Times New Roman" panose="02020603050405020304" pitchFamily="18" charset="0"/>
-                        </a:rPr>
-                        <a:t> </a:t>
-                      </a:r>
-                    </a:p>
-                  </a:txBody>
-                  <a:tcPr marL="68580" marR="68580" marT="0" marB="0">
-                    <a:lnL w="12700" cap="flat" cmpd="sng" algn="ctr">
-                      <a:solidFill>
-                        <a:srgbClr val="000000"/>
-                      </a:solidFill>
-                      <a:prstDash val="solid"/>
-                      <a:round/>
-                      <a:headEnd type="none" w="med" len="med"/>
-                      <a:tailEnd type="none" w="med" len="med"/>
-                    </a:lnL>
-                    <a:lnR w="12700" cap="flat" cmpd="sng" algn="ctr">
-                      <a:solidFill>
-                        <a:srgbClr val="000000"/>
-                      </a:solidFill>
-                      <a:prstDash val="solid"/>
-                      <a:round/>
-                      <a:headEnd type="none" w="med" len="med"/>
-                      <a:tailEnd type="none" w="med" len="med"/>
-                    </a:lnR>
-                    <a:lnT w="12700" cap="flat" cmpd="sng" algn="ctr">
-                      <a:solidFill>
-                        <a:srgbClr val="000000"/>
-                      </a:solidFill>
-                      <a:prstDash val="solid"/>
-                      <a:round/>
-                      <a:headEnd type="none" w="med" len="med"/>
-                      <a:tailEnd type="none" w="med" len="med"/>
-                    </a:lnT>
-                    <a:lnB w="12700" cap="flat" cmpd="sng" algn="ctr">
-                      <a:solidFill>
-                        <a:srgbClr val="000000"/>
-                      </a:solidFill>
-                      <a:prstDash val="solid"/>
-                      <a:round/>
-                      <a:headEnd type="none" w="med" len="med"/>
-                      <a:tailEnd type="none" w="med" len="med"/>
-                    </a:lnB>
-                    <a:solidFill>
-                      <a:srgbClr val="ED7D31"/>
-                    </a:solidFill>
-                  </a:tcPr>
-                </a:tc>
-                <a:tc>
-                  <a:txBody>
-                    <a:bodyPr/>
-                    <a:lstStyle/>
-                    <a:p>
-                      <a:pPr>
-                        <a:lnSpc>
-                          <a:spcPct val="107000"/>
-                        </a:lnSpc>
-                        <a:spcAft>
-                          <a:spcPts val="0"/>
-                        </a:spcAft>
-                      </a:pPr>
-                      <a:r>
-                        <a:rPr lang="sl-SI" sz="1100">
-                          <a:effectLst/>
-                          <a:latin typeface="Calibri" panose="020F0502020204030204" pitchFamily="34" charset="0"/>
-                          <a:ea typeface="Calibri" panose="020F0502020204030204" pitchFamily="34" charset="0"/>
-                          <a:cs typeface="Times New Roman" panose="02020603050405020304" pitchFamily="18" charset="0"/>
-                        </a:rPr>
-                        <a:t> </a:t>
-                      </a:r>
-                    </a:p>
-                  </a:txBody>
-                  <a:tcPr marL="68580" marR="68580" marT="0" marB="0">
-                    <a:lnL w="12700" cap="flat" cmpd="sng" algn="ctr">
-                      <a:solidFill>
-                        <a:srgbClr val="000000"/>
-                      </a:solidFill>
-                      <a:prstDash val="solid"/>
-                      <a:round/>
-                      <a:headEnd type="none" w="med" len="med"/>
-                      <a:tailEnd type="none" w="med" len="med"/>
-                    </a:lnL>
-                    <a:lnR w="12700" cap="flat" cmpd="sng" algn="ctr">
-                      <a:solidFill>
-                        <a:srgbClr val="000000"/>
-                      </a:solidFill>
-                      <a:prstDash val="solid"/>
-                      <a:round/>
-                      <a:headEnd type="none" w="med" len="med"/>
-                      <a:tailEnd type="none" w="med" len="med"/>
-                    </a:lnR>
-                    <a:lnT w="12700" cap="flat" cmpd="sng" algn="ctr">
-                      <a:solidFill>
-                        <a:srgbClr val="000000"/>
-                      </a:solidFill>
-                      <a:prstDash val="solid"/>
-                      <a:round/>
-                      <a:headEnd type="none" w="med" len="med"/>
-                      <a:tailEnd type="none" w="med" len="med"/>
-                    </a:lnT>
-                    <a:lnB w="12700" cap="flat" cmpd="sng" algn="ctr">
-                      <a:solidFill>
-                        <a:srgbClr val="000000"/>
-                      </a:solidFill>
-                      <a:prstDash val="solid"/>
-                      <a:round/>
-                      <a:headEnd type="none" w="med" len="med"/>
-                      <a:tailEnd type="none" w="med" len="med"/>
-                    </a:lnB>
-                  </a:tcPr>
-                </a:tc>
-                <a:tc>
-                  <a:txBody>
-                    <a:bodyPr/>
-                    <a:lstStyle/>
-                    <a:p>
-                      <a:pPr>
-                        <a:lnSpc>
-                          <a:spcPct val="107000"/>
-                        </a:lnSpc>
-                        <a:spcAft>
-                          <a:spcPts val="0"/>
-                        </a:spcAft>
-                      </a:pPr>
-                      <a:r>
-                        <a:rPr lang="sl-SI" sz="1100">
-                          <a:effectLst/>
-                          <a:latin typeface="Calibri" panose="020F0502020204030204" pitchFamily="34" charset="0"/>
-                          <a:ea typeface="Calibri" panose="020F0502020204030204" pitchFamily="34" charset="0"/>
-                          <a:cs typeface="Times New Roman" panose="02020603050405020304" pitchFamily="18" charset="0"/>
-                        </a:rPr>
-                        <a:t> </a:t>
-                      </a:r>
-                    </a:p>
-                  </a:txBody>
-                  <a:tcPr marL="68580" marR="68580" marT="0" marB="0">
-                    <a:lnL w="12700" cap="flat" cmpd="sng" algn="ctr">
-                      <a:solidFill>
-                        <a:srgbClr val="000000"/>
-                      </a:solidFill>
-                      <a:prstDash val="solid"/>
-                      <a:round/>
-                      <a:headEnd type="none" w="med" len="med"/>
-                      <a:tailEnd type="none" w="med" len="med"/>
-                    </a:lnL>
-                    <a:lnR w="12700" cap="flat" cmpd="sng" algn="ctr">
-                      <a:solidFill>
-                        <a:srgbClr val="000000"/>
-                      </a:solidFill>
-                      <a:prstDash val="solid"/>
-                      <a:round/>
-                      <a:headEnd type="none" w="med" len="med"/>
-                      <a:tailEnd type="none" w="med" len="med"/>
-                    </a:lnR>
-                    <a:lnT w="12700" cap="flat" cmpd="sng" algn="ctr">
-                      <a:solidFill>
-                        <a:srgbClr val="000000"/>
-                      </a:solidFill>
-                      <a:prstDash val="solid"/>
-                      <a:round/>
-                      <a:headEnd type="none" w="med" len="med"/>
-                      <a:tailEnd type="none" w="med" len="med"/>
-                    </a:lnT>
-                    <a:lnB w="12700" cap="flat" cmpd="sng" algn="ctr">
-                      <a:solidFill>
-                        <a:srgbClr val="000000"/>
-                      </a:solidFill>
-                      <a:prstDash val="solid"/>
-                      <a:round/>
-                      <a:headEnd type="none" w="med" len="med"/>
-                      <a:tailEnd type="none" w="med" len="med"/>
-                    </a:lnB>
-                  </a:tcPr>
-                </a:tc>
-                <a:tc>
-                  <a:txBody>
-                    <a:bodyPr/>
-                    <a:lstStyle/>
-                    <a:p>
-                      <a:pPr>
-                        <a:lnSpc>
-                          <a:spcPct val="107000"/>
-                        </a:lnSpc>
-                        <a:spcAft>
-                          <a:spcPts val="0"/>
-                        </a:spcAft>
-                      </a:pPr>
-                      <a:r>
-                        <a:rPr lang="sl-SI" sz="1100">
-                          <a:effectLst/>
-                          <a:latin typeface="Calibri" panose="020F0502020204030204" pitchFamily="34" charset="0"/>
-                          <a:ea typeface="Calibri" panose="020F0502020204030204" pitchFamily="34" charset="0"/>
-                          <a:cs typeface="Times New Roman" panose="02020603050405020304" pitchFamily="18" charset="0"/>
-                        </a:rPr>
-                        <a:t> </a:t>
-                      </a:r>
-                    </a:p>
-                  </a:txBody>
-                  <a:tcPr marL="68580" marR="68580" marT="0" marB="0">
-                    <a:lnL w="12700" cap="flat" cmpd="sng" algn="ctr">
-                      <a:solidFill>
-                        <a:srgbClr val="000000"/>
-                      </a:solidFill>
-                      <a:prstDash val="solid"/>
-                      <a:round/>
-                      <a:headEnd type="none" w="med" len="med"/>
-                      <a:tailEnd type="none" w="med" len="med"/>
-                    </a:lnL>
-                    <a:lnR w="12700" cap="flat" cmpd="sng" algn="ctr">
-                      <a:solidFill>
-                        <a:srgbClr val="000000"/>
-                      </a:solidFill>
-                      <a:prstDash val="solid"/>
-                      <a:round/>
-                      <a:headEnd type="none" w="med" len="med"/>
-                      <a:tailEnd type="none" w="med" len="med"/>
-                    </a:lnR>
-                    <a:lnT w="12700" cap="flat" cmpd="sng" algn="ctr">
-                      <a:solidFill>
-                        <a:srgbClr val="000000"/>
-                      </a:solidFill>
-                      <a:prstDash val="solid"/>
-                      <a:round/>
-                      <a:headEnd type="none" w="med" len="med"/>
-                      <a:tailEnd type="none" w="med" len="med"/>
-                    </a:lnT>
-                    <a:lnB w="12700" cap="flat" cmpd="sng" algn="ctr">
-                      <a:solidFill>
-                        <a:srgbClr val="000000"/>
-                      </a:solidFill>
-                      <a:prstDash val="solid"/>
-                      <a:round/>
-                      <a:headEnd type="none" w="med" len="med"/>
-                      <a:tailEnd type="none" w="med" len="med"/>
-                    </a:lnB>
-                  </a:tcPr>
-                </a:tc>
-                <a:tc>
-                  <a:txBody>
-                    <a:bodyPr/>
-                    <a:lstStyle/>
-                    <a:p>
-                      <a:pPr>
-                        <a:lnSpc>
-                          <a:spcPct val="107000"/>
-                        </a:lnSpc>
-                        <a:spcAft>
-                          <a:spcPts val="0"/>
-                        </a:spcAft>
-                      </a:pPr>
-                      <a:r>
-                        <a:rPr lang="sl-SI" sz="1100">
-                          <a:effectLst/>
-                          <a:latin typeface="Calibri" panose="020F0502020204030204" pitchFamily="34" charset="0"/>
-                          <a:ea typeface="Calibri" panose="020F0502020204030204" pitchFamily="34" charset="0"/>
-                          <a:cs typeface="Times New Roman" panose="02020603050405020304" pitchFamily="18" charset="0"/>
-                        </a:rPr>
-                        <a:t> </a:t>
-                      </a:r>
-                    </a:p>
-                  </a:txBody>
-                  <a:tcPr marL="68580" marR="68580" marT="0" marB="0">
-                    <a:lnL w="12700" cap="flat" cmpd="sng" algn="ctr">
-                      <a:solidFill>
-                        <a:srgbClr val="000000"/>
-                      </a:solidFill>
-                      <a:prstDash val="solid"/>
-                      <a:round/>
-                      <a:headEnd type="none" w="med" len="med"/>
-                      <a:tailEnd type="none" w="med" len="med"/>
-                    </a:lnL>
-                    <a:lnR w="12700" cap="flat" cmpd="sng" algn="ctr">
-                      <a:solidFill>
-                        <a:srgbClr val="000000"/>
-                      </a:solidFill>
-                      <a:prstDash val="solid"/>
-                      <a:round/>
-                      <a:headEnd type="none" w="med" len="med"/>
-                      <a:tailEnd type="none" w="med" len="med"/>
-                    </a:lnR>
-                    <a:lnT w="12700" cap="flat" cmpd="sng" algn="ctr">
-                      <a:solidFill>
-                        <a:srgbClr val="000000"/>
-                      </a:solidFill>
-                      <a:prstDash val="solid"/>
-                      <a:round/>
-                      <a:headEnd type="none" w="med" len="med"/>
-                      <a:tailEnd type="none" w="med" len="med"/>
-                    </a:lnT>
-                    <a:lnB w="12700" cap="flat" cmpd="sng" algn="ctr">
-                      <a:solidFill>
-                        <a:srgbClr val="000000"/>
-                      </a:solidFill>
-                      <a:prstDash val="solid"/>
-                      <a:round/>
-                      <a:headEnd type="none" w="med" len="med"/>
-                      <a:tailEnd type="none" w="med" len="med"/>
-                    </a:lnB>
-                  </a:tcPr>
-                </a:tc>
-                <a:tc>
-                  <a:txBody>
-                    <a:bodyPr/>
-                    <a:lstStyle/>
-                    <a:p>
-                      <a:pPr>
-                        <a:lnSpc>
-                          <a:spcPct val="107000"/>
-                        </a:lnSpc>
-                        <a:spcAft>
-                          <a:spcPts val="0"/>
-                        </a:spcAft>
-                      </a:pPr>
-                      <a:r>
-                        <a:rPr lang="sl-SI" sz="1100">
-                          <a:effectLst/>
-                          <a:latin typeface="Calibri" panose="020F0502020204030204" pitchFamily="34" charset="0"/>
-                          <a:ea typeface="Calibri" panose="020F0502020204030204" pitchFamily="34" charset="0"/>
-                          <a:cs typeface="Times New Roman" panose="02020603050405020304" pitchFamily="18" charset="0"/>
-                        </a:rPr>
-                        <a:t> </a:t>
-                      </a:r>
-                    </a:p>
-                  </a:txBody>
-                  <a:tcPr marL="68580" marR="68580" marT="0" marB="0">
-                    <a:lnL w="12700" cap="flat" cmpd="sng" algn="ctr">
-                      <a:solidFill>
-                        <a:srgbClr val="000000"/>
-                      </a:solidFill>
-                      <a:prstDash val="solid"/>
-                      <a:round/>
-                      <a:headEnd type="none" w="med" len="med"/>
-                      <a:tailEnd type="none" w="med" len="med"/>
-                    </a:lnL>
-                    <a:lnR w="12700" cap="flat" cmpd="sng" algn="ctr">
-                      <a:solidFill>
-                        <a:srgbClr val="000000"/>
-                      </a:solidFill>
-                      <a:prstDash val="solid"/>
-                      <a:round/>
-                      <a:headEnd type="none" w="med" len="med"/>
-                      <a:tailEnd type="none" w="med" len="med"/>
-                    </a:lnR>
-                    <a:lnT w="12700" cap="flat" cmpd="sng" algn="ctr">
-                      <a:solidFill>
-                        <a:srgbClr val="000000"/>
-                      </a:solidFill>
-                      <a:prstDash val="solid"/>
-                      <a:round/>
-                      <a:headEnd type="none" w="med" len="med"/>
-                      <a:tailEnd type="none" w="med" len="med"/>
-                    </a:lnT>
-                    <a:lnB w="12700" cap="flat" cmpd="sng" algn="ctr">
-                      <a:solidFill>
-                        <a:srgbClr val="000000"/>
-                      </a:solidFill>
-                      <a:prstDash val="solid"/>
-                      <a:round/>
-                      <a:headEnd type="none" w="med" len="med"/>
-                      <a:tailEnd type="none" w="med" len="med"/>
-                    </a:lnB>
-                  </a:tcPr>
-                </a:tc>
-                <a:tc>
-                  <a:txBody>
-                    <a:bodyPr/>
-                    <a:lstStyle/>
-                    <a:p>
-                      <a:pPr>
-                        <a:lnSpc>
-                          <a:spcPct val="107000"/>
-                        </a:lnSpc>
-                        <a:spcAft>
-                          <a:spcPts val="0"/>
-                        </a:spcAft>
-                      </a:pPr>
-                      <a:r>
-                        <a:rPr lang="sl-SI" sz="1100">
-                          <a:effectLst/>
-                          <a:latin typeface="Calibri" panose="020F0502020204030204" pitchFamily="34" charset="0"/>
-                          <a:ea typeface="Calibri" panose="020F0502020204030204" pitchFamily="34" charset="0"/>
-                          <a:cs typeface="Times New Roman" panose="02020603050405020304" pitchFamily="18" charset="0"/>
-                        </a:rPr>
-                        <a:t> </a:t>
-                      </a:r>
-                    </a:p>
-                  </a:txBody>
-                  <a:tcPr marL="68580" marR="68580" marT="0" marB="0">
-                    <a:lnL w="12700" cap="flat" cmpd="sng" algn="ctr">
-                      <a:solidFill>
-                        <a:srgbClr val="000000"/>
-                      </a:solidFill>
-                      <a:prstDash val="solid"/>
-                      <a:round/>
-                      <a:headEnd type="none" w="med" len="med"/>
-                      <a:tailEnd type="none" w="med" len="med"/>
-                    </a:lnL>
-                    <a:lnR w="12700" cap="flat" cmpd="sng" algn="ctr">
-                      <a:solidFill>
-                        <a:srgbClr val="000000"/>
-                      </a:solidFill>
-                      <a:prstDash val="solid"/>
-                      <a:round/>
-                      <a:headEnd type="none" w="med" len="med"/>
-                      <a:tailEnd type="none" w="med" len="med"/>
-                    </a:lnR>
-                    <a:lnT w="12700" cap="flat" cmpd="sng" algn="ctr">
-                      <a:solidFill>
-                        <a:srgbClr val="000000"/>
-                      </a:solidFill>
-                      <a:prstDash val="solid"/>
-                      <a:round/>
-                      <a:headEnd type="none" w="med" len="med"/>
-                      <a:tailEnd type="none" w="med" len="med"/>
-                    </a:lnT>
-                    <a:lnB w="12700" cap="flat" cmpd="sng" algn="ctr">
-                      <a:solidFill>
-                        <a:srgbClr val="000000"/>
-                      </a:solidFill>
-                      <a:prstDash val="solid"/>
-                      <a:round/>
-                      <a:headEnd type="none" w="med" len="med"/>
-                      <a:tailEnd type="none" w="med" len="med"/>
-                    </a:lnB>
-                  </a:tcPr>
-                </a:tc>
-                <a:tc>
-                  <a:txBody>
-                    <a:bodyPr/>
-                    <a:lstStyle/>
-                    <a:p>
-                      <a:pPr>
-                        <a:lnSpc>
-                          <a:spcPct val="107000"/>
-                        </a:lnSpc>
-                        <a:spcAft>
-                          <a:spcPts val="0"/>
-                        </a:spcAft>
-                      </a:pPr>
-                      <a:r>
-                        <a:rPr lang="sl-SI" sz="1100">
-                          <a:effectLst/>
-                          <a:latin typeface="Calibri" panose="020F0502020204030204" pitchFamily="34" charset="0"/>
-                          <a:ea typeface="Calibri" panose="020F0502020204030204" pitchFamily="34" charset="0"/>
-                          <a:cs typeface="Times New Roman" panose="02020603050405020304" pitchFamily="18" charset="0"/>
-                        </a:rPr>
-                        <a:t> </a:t>
-                      </a:r>
-                    </a:p>
-                  </a:txBody>
-                  <a:tcPr marL="68580" marR="68580" marT="0" marB="0">
-                    <a:lnL w="12700" cap="flat" cmpd="sng" algn="ctr">
-                      <a:solidFill>
-                        <a:srgbClr val="000000"/>
-                      </a:solidFill>
-                      <a:prstDash val="solid"/>
-                      <a:round/>
-                      <a:headEnd type="none" w="med" len="med"/>
-                      <a:tailEnd type="none" w="med" len="med"/>
-                    </a:lnL>
-                    <a:lnR w="12700" cap="flat" cmpd="sng" algn="ctr">
-                      <a:solidFill>
-                        <a:srgbClr val="000000"/>
-                      </a:solidFill>
-                      <a:prstDash val="solid"/>
-                      <a:round/>
-                      <a:headEnd type="none" w="med" len="med"/>
-                      <a:tailEnd type="none" w="med" len="med"/>
-                    </a:lnR>
-                    <a:lnT w="12700" cap="flat" cmpd="sng" algn="ctr">
-                      <a:solidFill>
-                        <a:srgbClr val="000000"/>
-                      </a:solidFill>
-                      <a:prstDash val="solid"/>
-                      <a:round/>
-                      <a:headEnd type="none" w="med" len="med"/>
-                      <a:tailEnd type="none" w="med" len="med"/>
-                    </a:lnT>
-                    <a:lnB w="12700" cap="flat" cmpd="sng" algn="ctr">
-                      <a:solidFill>
-                        <a:srgbClr val="000000"/>
-                      </a:solidFill>
-                      <a:prstDash val="solid"/>
-                      <a:round/>
-                      <a:headEnd type="none" w="med" len="med"/>
-                      <a:tailEnd type="none" w="med" len="med"/>
-                    </a:lnB>
-                  </a:tcPr>
-                </a:tc>
-                <a:extLst>
-                  <a:ext uri="{0D108BD9-81ED-4DB2-BD59-A6C34878D82A}">
-                    <a16:rowId xmlns:a16="http://schemas.microsoft.com/office/drawing/2014/main" val="3744959734"/>
-                  </a:ext>
-                </a:extLst>
-              </a:tr>
-              <a:tr h="268399">
-                <a:tc>
-                  <a:txBody>
-                    <a:bodyPr/>
-                    <a:lstStyle/>
-                    <a:p>
-                      <a:pPr>
-                        <a:lnSpc>
-                          <a:spcPct val="107000"/>
-                        </a:lnSpc>
-                        <a:spcAft>
-                          <a:spcPts val="0"/>
-                        </a:spcAft>
-                      </a:pPr>
-                      <a:r>
-                        <a:rPr lang="sl-SI" sz="1100" dirty="0">
-                          <a:effectLst/>
-                          <a:latin typeface="Calibri" panose="020F0502020204030204" pitchFamily="34" charset="0"/>
-                          <a:ea typeface="Calibri" panose="020F0502020204030204" pitchFamily="34" charset="0"/>
-                          <a:cs typeface="Times New Roman" panose="02020603050405020304" pitchFamily="18" charset="0"/>
-                        </a:rPr>
-                        <a:t>Prepoznavanje gest</a:t>
-                      </a:r>
-                    </a:p>
-                  </a:txBody>
-                  <a:tcPr marL="68580" marR="68580" marT="0" marB="0">
-                    <a:lnL w="12700" cap="flat" cmpd="sng" algn="ctr">
-                      <a:solidFill>
-                        <a:srgbClr val="000000"/>
-                      </a:solidFill>
-                      <a:prstDash val="solid"/>
-                      <a:round/>
-                      <a:headEnd type="none" w="med" len="med"/>
-                      <a:tailEnd type="none" w="med" len="med"/>
-                    </a:lnL>
-                    <a:lnR w="12700" cap="flat" cmpd="sng" algn="ctr">
-                      <a:solidFill>
-                        <a:srgbClr val="000000"/>
-                      </a:solidFill>
-                      <a:prstDash val="solid"/>
-                      <a:round/>
-                      <a:headEnd type="none" w="med" len="med"/>
-                      <a:tailEnd type="none" w="med" len="med"/>
-                    </a:lnR>
-                    <a:lnT w="12700" cap="flat" cmpd="sng" algn="ctr">
-                      <a:solidFill>
-                        <a:srgbClr val="000000"/>
-                      </a:solidFill>
-                      <a:prstDash val="solid"/>
-                      <a:round/>
-                      <a:headEnd type="none" w="med" len="med"/>
-                      <a:tailEnd type="none" w="med" len="med"/>
-                    </a:lnT>
-                    <a:lnB w="12700" cap="flat" cmpd="sng" algn="ctr">
-                      <a:solidFill>
-                        <a:srgbClr val="000000"/>
-                      </a:solidFill>
-                      <a:prstDash val="solid"/>
-                      <a:round/>
-                      <a:headEnd type="none" w="med" len="med"/>
-                      <a:tailEnd type="none" w="med" len="med"/>
-                    </a:lnB>
-                  </a:tcPr>
-                </a:tc>
-                <a:tc>
-                  <a:txBody>
-                    <a:bodyPr/>
-                    <a:lstStyle/>
-                    <a:p>
-                      <a:pPr>
-                        <a:lnSpc>
-                          <a:spcPct val="107000"/>
-                        </a:lnSpc>
-                        <a:spcAft>
-                          <a:spcPts val="0"/>
-                        </a:spcAft>
-                      </a:pPr>
-                      <a:r>
-                        <a:rPr lang="sl-SI" sz="1100">
-                          <a:effectLst/>
-                          <a:latin typeface="Calibri" panose="020F0502020204030204" pitchFamily="34" charset="0"/>
-                          <a:ea typeface="Calibri" panose="020F0502020204030204" pitchFamily="34" charset="0"/>
-                          <a:cs typeface="Times New Roman" panose="02020603050405020304" pitchFamily="18" charset="0"/>
-                        </a:rPr>
-                        <a:t> </a:t>
-                      </a:r>
-                    </a:p>
-                  </a:txBody>
-                  <a:tcPr marL="68580" marR="68580" marT="0" marB="0">
-                    <a:lnL w="12700" cap="flat" cmpd="sng" algn="ctr">
-                      <a:solidFill>
-                        <a:srgbClr val="000000"/>
-                      </a:solidFill>
-                      <a:prstDash val="solid"/>
-                      <a:round/>
-                      <a:headEnd type="none" w="med" len="med"/>
-                      <a:tailEnd type="none" w="med" len="med"/>
-                    </a:lnL>
-                    <a:lnR w="12700" cap="flat" cmpd="sng" algn="ctr">
-                      <a:solidFill>
-                        <a:srgbClr val="000000"/>
-                      </a:solidFill>
-                      <a:prstDash val="solid"/>
-                      <a:round/>
-                      <a:headEnd type="none" w="med" len="med"/>
-                      <a:tailEnd type="none" w="med" len="med"/>
-                    </a:lnR>
-                    <a:lnT w="12700" cap="flat" cmpd="sng" algn="ctr">
-                      <a:solidFill>
-                        <a:srgbClr val="000000"/>
-                      </a:solidFill>
-                      <a:prstDash val="solid"/>
-                      <a:round/>
-                      <a:headEnd type="none" w="med" len="med"/>
-                      <a:tailEnd type="none" w="med" len="med"/>
-                    </a:lnT>
-                    <a:lnB w="12700" cap="flat" cmpd="sng" algn="ctr">
-                      <a:solidFill>
-                        <a:srgbClr val="000000"/>
-                      </a:solidFill>
-                      <a:prstDash val="solid"/>
-                      <a:round/>
-                      <a:headEnd type="none" w="med" len="med"/>
-                      <a:tailEnd type="none" w="med" len="med"/>
-                    </a:lnB>
-                  </a:tcPr>
-                </a:tc>
-                <a:tc>
-                  <a:txBody>
-                    <a:bodyPr/>
-                    <a:lstStyle/>
-                    <a:p>
-                      <a:pPr>
-                        <a:lnSpc>
-                          <a:spcPct val="107000"/>
-                        </a:lnSpc>
-                        <a:spcAft>
-                          <a:spcPts val="0"/>
-                        </a:spcAft>
-                      </a:pPr>
-                      <a:r>
-                        <a:rPr lang="sl-SI" sz="1100">
-                          <a:effectLst/>
-                          <a:latin typeface="Calibri" panose="020F0502020204030204" pitchFamily="34" charset="0"/>
-                          <a:ea typeface="Calibri" panose="020F0502020204030204" pitchFamily="34" charset="0"/>
-                          <a:cs typeface="Times New Roman" panose="02020603050405020304" pitchFamily="18" charset="0"/>
-                        </a:rPr>
-                        <a:t> </a:t>
-                      </a:r>
-                    </a:p>
-                  </a:txBody>
-                  <a:tcPr marL="68580" marR="68580" marT="0" marB="0">
-                    <a:lnL w="12700" cap="flat" cmpd="sng" algn="ctr">
-                      <a:solidFill>
-                        <a:srgbClr val="000000"/>
-                      </a:solidFill>
-                      <a:prstDash val="solid"/>
-                      <a:round/>
-                      <a:headEnd type="none" w="med" len="med"/>
-                      <a:tailEnd type="none" w="med" len="med"/>
-                    </a:lnL>
-                    <a:lnR w="12700" cap="flat" cmpd="sng" algn="ctr">
-                      <a:solidFill>
-                        <a:srgbClr val="000000"/>
-                      </a:solidFill>
-                      <a:prstDash val="solid"/>
-                      <a:round/>
-                      <a:headEnd type="none" w="med" len="med"/>
-                      <a:tailEnd type="none" w="med" len="med"/>
-                    </a:lnR>
-                    <a:lnT w="12700" cap="flat" cmpd="sng" algn="ctr">
-                      <a:solidFill>
-                        <a:srgbClr val="000000"/>
-                      </a:solidFill>
-                      <a:prstDash val="solid"/>
-                      <a:round/>
-                      <a:headEnd type="none" w="med" len="med"/>
-                      <a:tailEnd type="none" w="med" len="med"/>
-                    </a:lnT>
-                    <a:lnB w="12700" cap="flat" cmpd="sng" algn="ctr">
-                      <a:solidFill>
-                        <a:srgbClr val="000000"/>
-                      </a:solidFill>
-                      <a:prstDash val="solid"/>
-                      <a:round/>
-                      <a:headEnd type="none" w="med" len="med"/>
-                      <a:tailEnd type="none" w="med" len="med"/>
-                    </a:lnB>
-                  </a:tcPr>
-                </a:tc>
-                <a:tc>
-                  <a:txBody>
-                    <a:bodyPr/>
-                    <a:lstStyle/>
-                    <a:p>
-                      <a:pPr>
-                        <a:lnSpc>
-                          <a:spcPct val="107000"/>
-                        </a:lnSpc>
-                        <a:spcAft>
-                          <a:spcPts val="0"/>
-                        </a:spcAft>
-                      </a:pPr>
-                      <a:r>
-                        <a:rPr lang="sl-SI" sz="1100" dirty="0">
-                          <a:effectLst/>
-                          <a:latin typeface="Calibri" panose="020F0502020204030204" pitchFamily="34" charset="0"/>
-                          <a:ea typeface="Calibri" panose="020F0502020204030204" pitchFamily="34" charset="0"/>
-                          <a:cs typeface="Times New Roman" panose="02020603050405020304" pitchFamily="18" charset="0"/>
-                        </a:rPr>
-                        <a:t> </a:t>
-                      </a:r>
-                    </a:p>
-                  </a:txBody>
-                  <a:tcPr marL="68580" marR="68580" marT="0" marB="0">
-                    <a:lnL w="12700" cap="flat" cmpd="sng" algn="ctr">
-                      <a:solidFill>
-                        <a:srgbClr val="000000"/>
-                      </a:solidFill>
-                      <a:prstDash val="solid"/>
-                      <a:round/>
-                      <a:headEnd type="none" w="med" len="med"/>
-                      <a:tailEnd type="none" w="med" len="med"/>
-                    </a:lnL>
-                    <a:lnR w="12700" cap="flat" cmpd="sng" algn="ctr">
-                      <a:solidFill>
-                        <a:srgbClr val="000000"/>
-                      </a:solidFill>
-                      <a:prstDash val="solid"/>
-                      <a:round/>
-                      <a:headEnd type="none" w="med" len="med"/>
-                      <a:tailEnd type="none" w="med" len="med"/>
-                    </a:lnR>
-                    <a:lnT w="12700" cap="flat" cmpd="sng" algn="ctr">
-                      <a:solidFill>
-                        <a:srgbClr val="000000"/>
-                      </a:solidFill>
-                      <a:prstDash val="solid"/>
-                      <a:round/>
-                      <a:headEnd type="none" w="med" len="med"/>
-                      <a:tailEnd type="none" w="med" len="med"/>
-                    </a:lnT>
-                    <a:lnB w="12700" cap="flat" cmpd="sng" algn="ctr">
-                      <a:solidFill>
-                        <a:srgbClr val="000000"/>
-                      </a:solidFill>
-                      <a:prstDash val="solid"/>
-                      <a:round/>
-                      <a:headEnd type="none" w="med" len="med"/>
-                      <a:tailEnd type="none" w="med" len="med"/>
-                    </a:lnB>
-                    <a:solidFill>
-                      <a:schemeClr val="bg1"/>
-                    </a:solidFill>
-                  </a:tcPr>
-                </a:tc>
-                <a:tc>
-                  <a:txBody>
-                    <a:bodyPr/>
-                    <a:lstStyle/>
-                    <a:p>
-                      <a:pPr>
-                        <a:lnSpc>
-                          <a:spcPct val="107000"/>
-                        </a:lnSpc>
-                        <a:spcAft>
-                          <a:spcPts val="0"/>
-                        </a:spcAft>
-                      </a:pPr>
-                      <a:r>
-                        <a:rPr lang="sl-SI" sz="1100" dirty="0">
-                          <a:effectLst/>
-                          <a:latin typeface="Calibri" panose="020F0502020204030204" pitchFamily="34" charset="0"/>
-                          <a:ea typeface="Calibri" panose="020F0502020204030204" pitchFamily="34" charset="0"/>
-                          <a:cs typeface="Times New Roman" panose="02020603050405020304" pitchFamily="18" charset="0"/>
-                        </a:rPr>
-                        <a:t> </a:t>
-                      </a:r>
-                    </a:p>
-                  </a:txBody>
-                  <a:tcPr marL="68580" marR="68580" marT="0" marB="0">
-                    <a:lnL w="12700" cap="flat" cmpd="sng" algn="ctr">
-                      <a:solidFill>
-                        <a:srgbClr val="000000"/>
-                      </a:solidFill>
-                      <a:prstDash val="solid"/>
-                      <a:round/>
-                      <a:headEnd type="none" w="med" len="med"/>
-                      <a:tailEnd type="none" w="med" len="med"/>
-                    </a:lnL>
-                    <a:lnR w="12700" cap="flat" cmpd="sng" algn="ctr">
-                      <a:solidFill>
-                        <a:srgbClr val="000000"/>
-                      </a:solidFill>
-                      <a:prstDash val="solid"/>
-                      <a:round/>
-                      <a:headEnd type="none" w="med" len="med"/>
-                      <a:tailEnd type="none" w="med" len="med"/>
-                    </a:lnR>
-                    <a:lnT w="12700" cap="flat" cmpd="sng" algn="ctr">
-                      <a:solidFill>
-                        <a:srgbClr val="000000"/>
-                      </a:solidFill>
-                      <a:prstDash val="solid"/>
-                      <a:round/>
-                      <a:headEnd type="none" w="med" len="med"/>
-                      <a:tailEnd type="none" w="med" len="med"/>
-                    </a:lnT>
-                    <a:lnB w="12700" cap="flat" cmpd="sng" algn="ctr">
-                      <a:solidFill>
-                        <a:srgbClr val="000000"/>
-                      </a:solidFill>
-                      <a:prstDash val="solid"/>
-                      <a:round/>
-                      <a:headEnd type="none" w="med" len="med"/>
-                      <a:tailEnd type="none" w="med" len="med"/>
-                    </a:lnB>
-                    <a:solidFill>
-                      <a:schemeClr val="bg1"/>
-                    </a:solidFill>
-                  </a:tcPr>
-                </a:tc>
-                <a:tc>
-                  <a:txBody>
-                    <a:bodyPr/>
-                    <a:lstStyle/>
-                    <a:p>
-                      <a:pPr>
-                        <a:lnSpc>
-                          <a:spcPct val="107000"/>
-                        </a:lnSpc>
-                        <a:spcAft>
-                          <a:spcPts val="0"/>
-                        </a:spcAft>
-                      </a:pPr>
-                      <a:r>
-                        <a:rPr lang="sl-SI" sz="1100" dirty="0">
-                          <a:effectLst/>
-                          <a:latin typeface="Calibri" panose="020F0502020204030204" pitchFamily="34" charset="0"/>
-                          <a:ea typeface="Calibri" panose="020F0502020204030204" pitchFamily="34" charset="0"/>
-                          <a:cs typeface="Times New Roman" panose="02020603050405020304" pitchFamily="18" charset="0"/>
-                        </a:rPr>
-                        <a:t> </a:t>
-                      </a:r>
-                    </a:p>
-                  </a:txBody>
-                  <a:tcPr marL="68580" marR="68580" marT="0" marB="0">
-                    <a:lnL w="12700" cap="flat" cmpd="sng" algn="ctr">
-                      <a:solidFill>
-                        <a:srgbClr val="000000"/>
-                      </a:solidFill>
-                      <a:prstDash val="solid"/>
-                      <a:round/>
-                      <a:headEnd type="none" w="med" len="med"/>
-                      <a:tailEnd type="none" w="med" len="med"/>
-                    </a:lnL>
-                    <a:lnR w="12700" cap="flat" cmpd="sng" algn="ctr">
-                      <a:solidFill>
-                        <a:srgbClr val="000000"/>
-                      </a:solidFill>
-                      <a:prstDash val="solid"/>
-                      <a:round/>
-                      <a:headEnd type="none" w="med" len="med"/>
-                      <a:tailEnd type="none" w="med" len="med"/>
-                    </a:lnR>
-                    <a:lnT w="12700" cap="flat" cmpd="sng" algn="ctr">
-                      <a:solidFill>
-                        <a:srgbClr val="000000"/>
-                      </a:solidFill>
-                      <a:prstDash val="solid"/>
-                      <a:round/>
-                      <a:headEnd type="none" w="med" len="med"/>
-                      <a:tailEnd type="none" w="med" len="med"/>
-                    </a:lnT>
-                    <a:lnB w="12700" cap="flat" cmpd="sng" algn="ctr">
-                      <a:solidFill>
-                        <a:srgbClr val="000000"/>
-                      </a:solidFill>
-                      <a:prstDash val="solid"/>
-                      <a:round/>
-                      <a:headEnd type="none" w="med" len="med"/>
-                      <a:tailEnd type="none" w="med" len="med"/>
-                    </a:lnB>
-                    <a:solidFill>
-                      <a:srgbClr val="A5A5A5"/>
-                    </a:solidFill>
-                  </a:tcPr>
-                </a:tc>
-                <a:tc>
-                  <a:txBody>
-                    <a:bodyPr/>
-                    <a:lstStyle/>
-                    <a:p>
-                      <a:pPr>
-                        <a:lnSpc>
-                          <a:spcPct val="107000"/>
-                        </a:lnSpc>
-                        <a:spcAft>
-                          <a:spcPts val="0"/>
-                        </a:spcAft>
-                      </a:pPr>
-                      <a:r>
-                        <a:rPr lang="sl-SI" sz="1100">
-                          <a:effectLst/>
-                          <a:latin typeface="Calibri" panose="020F0502020204030204" pitchFamily="34" charset="0"/>
-                          <a:ea typeface="Calibri" panose="020F0502020204030204" pitchFamily="34" charset="0"/>
-                          <a:cs typeface="Times New Roman" panose="02020603050405020304" pitchFamily="18" charset="0"/>
-                        </a:rPr>
-                        <a:t> </a:t>
-                      </a:r>
-                    </a:p>
-                  </a:txBody>
-                  <a:tcPr marL="68580" marR="68580" marT="0" marB="0">
-                    <a:lnL w="12700" cap="flat" cmpd="sng" algn="ctr">
-                      <a:solidFill>
-                        <a:srgbClr val="000000"/>
-                      </a:solidFill>
-                      <a:prstDash val="solid"/>
-                      <a:round/>
-                      <a:headEnd type="none" w="med" len="med"/>
-                      <a:tailEnd type="none" w="med" len="med"/>
-                    </a:lnL>
-                    <a:lnR w="12700" cap="flat" cmpd="sng" algn="ctr">
-                      <a:solidFill>
-                        <a:srgbClr val="000000"/>
-                      </a:solidFill>
-                      <a:prstDash val="solid"/>
-                      <a:round/>
-                      <a:headEnd type="none" w="med" len="med"/>
-                      <a:tailEnd type="none" w="med" len="med"/>
-                    </a:lnR>
-                    <a:lnT w="12700" cap="flat" cmpd="sng" algn="ctr">
-                      <a:solidFill>
-                        <a:srgbClr val="000000"/>
-                      </a:solidFill>
-                      <a:prstDash val="solid"/>
-                      <a:round/>
-                      <a:headEnd type="none" w="med" len="med"/>
-                      <a:tailEnd type="none" w="med" len="med"/>
-                    </a:lnT>
-                    <a:lnB w="12700" cap="flat" cmpd="sng" algn="ctr">
-                      <a:solidFill>
-                        <a:srgbClr val="000000"/>
-                      </a:solidFill>
-                      <a:prstDash val="solid"/>
-                      <a:round/>
-                      <a:headEnd type="none" w="med" len="med"/>
-                      <a:tailEnd type="none" w="med" len="med"/>
-                    </a:lnB>
-                    <a:solidFill>
-                      <a:srgbClr val="A5A5A5"/>
-                    </a:solidFill>
-                  </a:tcPr>
-                </a:tc>
-                <a:tc>
-                  <a:txBody>
-                    <a:bodyPr/>
-                    <a:lstStyle/>
-                    <a:p>
-                      <a:pPr>
-                        <a:lnSpc>
-                          <a:spcPct val="107000"/>
-                        </a:lnSpc>
-                        <a:spcAft>
-                          <a:spcPts val="0"/>
-                        </a:spcAft>
-                      </a:pPr>
-                      <a:r>
-                        <a:rPr lang="sl-SI" sz="1100">
-                          <a:effectLst/>
-                          <a:latin typeface="Calibri" panose="020F0502020204030204" pitchFamily="34" charset="0"/>
-                          <a:ea typeface="Calibri" panose="020F0502020204030204" pitchFamily="34" charset="0"/>
-                          <a:cs typeface="Times New Roman" panose="02020603050405020304" pitchFamily="18" charset="0"/>
-                        </a:rPr>
-                        <a:t> </a:t>
-                      </a:r>
-                    </a:p>
-                  </a:txBody>
-                  <a:tcPr marL="68580" marR="68580" marT="0" marB="0">
-                    <a:lnL w="12700" cap="flat" cmpd="sng" algn="ctr">
-                      <a:solidFill>
-                        <a:srgbClr val="000000"/>
-                      </a:solidFill>
-                      <a:prstDash val="solid"/>
-                      <a:round/>
-                      <a:headEnd type="none" w="med" len="med"/>
-                      <a:tailEnd type="none" w="med" len="med"/>
-                    </a:lnL>
-                    <a:lnR w="12700" cap="flat" cmpd="sng" algn="ctr">
-                      <a:solidFill>
-                        <a:srgbClr val="000000"/>
-                      </a:solidFill>
-                      <a:prstDash val="solid"/>
-                      <a:round/>
-                      <a:headEnd type="none" w="med" len="med"/>
-                      <a:tailEnd type="none" w="med" len="med"/>
-                    </a:lnR>
-                    <a:lnT w="12700" cap="flat" cmpd="sng" algn="ctr">
-                      <a:solidFill>
-                        <a:srgbClr val="000000"/>
-                      </a:solidFill>
-                      <a:prstDash val="solid"/>
-                      <a:round/>
-                      <a:headEnd type="none" w="med" len="med"/>
-                      <a:tailEnd type="none" w="med" len="med"/>
-                    </a:lnT>
-                    <a:lnB w="12700" cap="flat" cmpd="sng" algn="ctr">
-                      <a:solidFill>
-                        <a:srgbClr val="000000"/>
-                      </a:solidFill>
-                      <a:prstDash val="solid"/>
-                      <a:round/>
-                      <a:headEnd type="none" w="med" len="med"/>
-                      <a:tailEnd type="none" w="med" len="med"/>
-                    </a:lnB>
-                    <a:solidFill>
-                      <a:srgbClr val="A5A5A5"/>
-                    </a:solidFill>
-                  </a:tcPr>
-                </a:tc>
-                <a:tc>
-                  <a:txBody>
-                    <a:bodyPr/>
-                    <a:lstStyle/>
-                    <a:p>
-                      <a:pPr>
-                        <a:lnSpc>
-                          <a:spcPct val="107000"/>
-                        </a:lnSpc>
-                        <a:spcAft>
-                          <a:spcPts val="0"/>
-                        </a:spcAft>
-                      </a:pPr>
-                      <a:r>
-                        <a:rPr lang="sl-SI" sz="1100">
-                          <a:effectLst/>
-                          <a:latin typeface="Calibri" panose="020F0502020204030204" pitchFamily="34" charset="0"/>
-                          <a:ea typeface="Calibri" panose="020F0502020204030204" pitchFamily="34" charset="0"/>
-                          <a:cs typeface="Times New Roman" panose="02020603050405020304" pitchFamily="18" charset="0"/>
-                        </a:rPr>
-                        <a:t> </a:t>
-                      </a:r>
-                    </a:p>
-                  </a:txBody>
-                  <a:tcPr marL="68580" marR="68580" marT="0" marB="0">
-                    <a:lnL w="12700" cap="flat" cmpd="sng" algn="ctr">
-                      <a:solidFill>
-                        <a:srgbClr val="000000"/>
-                      </a:solidFill>
-                      <a:prstDash val="solid"/>
-                      <a:round/>
-                      <a:headEnd type="none" w="med" len="med"/>
-                      <a:tailEnd type="none" w="med" len="med"/>
-                    </a:lnL>
-                    <a:lnR w="12700" cap="flat" cmpd="sng" algn="ctr">
-                      <a:solidFill>
-                        <a:srgbClr val="000000"/>
-                      </a:solidFill>
-                      <a:prstDash val="solid"/>
-                      <a:round/>
-                      <a:headEnd type="none" w="med" len="med"/>
-                      <a:tailEnd type="none" w="med" len="med"/>
-                    </a:lnR>
-                    <a:lnT w="12700" cap="flat" cmpd="sng" algn="ctr">
-                      <a:solidFill>
-                        <a:srgbClr val="000000"/>
-                      </a:solidFill>
-                      <a:prstDash val="solid"/>
-                      <a:round/>
-                      <a:headEnd type="none" w="med" len="med"/>
-                      <a:tailEnd type="none" w="med" len="med"/>
-                    </a:lnT>
-                    <a:lnB w="12700" cap="flat" cmpd="sng" algn="ctr">
-                      <a:solidFill>
-                        <a:srgbClr val="000000"/>
-                      </a:solidFill>
-                      <a:prstDash val="solid"/>
-                      <a:round/>
-                      <a:headEnd type="none" w="med" len="med"/>
-                      <a:tailEnd type="none" w="med" len="med"/>
-                    </a:lnB>
-                    <a:solidFill>
-                      <a:srgbClr val="A5A5A5"/>
-                    </a:solidFill>
-                  </a:tcPr>
-                </a:tc>
-                <a:tc>
-                  <a:txBody>
-                    <a:bodyPr/>
-                    <a:lstStyle/>
-                    <a:p>
-                      <a:pPr>
-                        <a:lnSpc>
-                          <a:spcPct val="107000"/>
-                        </a:lnSpc>
-                        <a:spcAft>
-                          <a:spcPts val="0"/>
-                        </a:spcAft>
-                      </a:pPr>
-                      <a:r>
-                        <a:rPr lang="sl-SI" sz="1100">
-                          <a:effectLst/>
-                          <a:latin typeface="Calibri" panose="020F0502020204030204" pitchFamily="34" charset="0"/>
-                          <a:ea typeface="Calibri" panose="020F0502020204030204" pitchFamily="34" charset="0"/>
-                          <a:cs typeface="Times New Roman" panose="02020603050405020304" pitchFamily="18" charset="0"/>
-                        </a:rPr>
-                        <a:t> </a:t>
-                      </a:r>
-                    </a:p>
-                  </a:txBody>
-                  <a:tcPr marL="68580" marR="68580" marT="0" marB="0">
-                    <a:lnL w="12700" cap="flat" cmpd="sng" algn="ctr">
-                      <a:solidFill>
-                        <a:srgbClr val="000000"/>
-                      </a:solidFill>
-                      <a:prstDash val="solid"/>
-                      <a:round/>
-                      <a:headEnd type="none" w="med" len="med"/>
-                      <a:tailEnd type="none" w="med" len="med"/>
-                    </a:lnL>
-                    <a:lnR w="12700" cap="flat" cmpd="sng" algn="ctr">
-                      <a:solidFill>
-                        <a:srgbClr val="000000"/>
-                      </a:solidFill>
-                      <a:prstDash val="solid"/>
-                      <a:round/>
-                      <a:headEnd type="none" w="med" len="med"/>
-                      <a:tailEnd type="none" w="med" len="med"/>
-                    </a:lnR>
-                    <a:lnT w="12700" cap="flat" cmpd="sng" algn="ctr">
-                      <a:solidFill>
-                        <a:srgbClr val="000000"/>
-                      </a:solidFill>
-                      <a:prstDash val="solid"/>
-                      <a:round/>
-                      <a:headEnd type="none" w="med" len="med"/>
-                      <a:tailEnd type="none" w="med" len="med"/>
-                    </a:lnT>
-                    <a:lnB w="12700" cap="flat" cmpd="sng" algn="ctr">
-                      <a:solidFill>
-                        <a:srgbClr val="000000"/>
-                      </a:solidFill>
-                      <a:prstDash val="solid"/>
-                      <a:round/>
-                      <a:headEnd type="none" w="med" len="med"/>
-                      <a:tailEnd type="none" w="med" len="med"/>
-                    </a:lnB>
-                    <a:solidFill>
-                      <a:srgbClr val="A5A5A5"/>
-                    </a:solidFill>
-                  </a:tcPr>
-                </a:tc>
-                <a:tc>
-                  <a:txBody>
-                    <a:bodyPr/>
-                    <a:lstStyle/>
-                    <a:p>
-                      <a:pPr>
-                        <a:lnSpc>
-                          <a:spcPct val="107000"/>
-                        </a:lnSpc>
-                        <a:spcAft>
-                          <a:spcPts val="0"/>
-                        </a:spcAft>
-                      </a:pPr>
-                      <a:r>
-                        <a:rPr lang="sl-SI" sz="1100" dirty="0">
-                          <a:effectLst/>
-                          <a:latin typeface="Calibri" panose="020F0502020204030204" pitchFamily="34" charset="0"/>
-                          <a:ea typeface="Calibri" panose="020F0502020204030204" pitchFamily="34" charset="0"/>
-                          <a:cs typeface="Times New Roman" panose="02020603050405020304" pitchFamily="18" charset="0"/>
-                        </a:rPr>
-                        <a:t> </a:t>
-                      </a:r>
-                    </a:p>
-                  </a:txBody>
-                  <a:tcPr marL="68580" marR="68580" marT="0" marB="0">
-                    <a:lnL w="12700" cap="flat" cmpd="sng" algn="ctr">
-                      <a:solidFill>
-                        <a:srgbClr val="000000"/>
-                      </a:solidFill>
-                      <a:prstDash val="solid"/>
-                      <a:round/>
-                      <a:headEnd type="none" w="med" len="med"/>
-                      <a:tailEnd type="none" w="med" len="med"/>
-                    </a:lnL>
-                    <a:lnR w="12700" cap="flat" cmpd="sng" algn="ctr">
-                      <a:solidFill>
-                        <a:srgbClr val="000000"/>
-                      </a:solidFill>
-                      <a:prstDash val="solid"/>
-                      <a:round/>
-                      <a:headEnd type="none" w="med" len="med"/>
-                      <a:tailEnd type="none" w="med" len="med"/>
-                    </a:lnR>
-                    <a:lnT w="12700" cap="flat" cmpd="sng" algn="ctr">
-                      <a:solidFill>
-                        <a:srgbClr val="000000"/>
-                      </a:solidFill>
-                      <a:prstDash val="solid"/>
-                      <a:round/>
-                      <a:headEnd type="none" w="med" len="med"/>
-                      <a:tailEnd type="none" w="med" len="med"/>
-                    </a:lnT>
-                    <a:lnB w="12700" cap="flat" cmpd="sng" algn="ctr">
-                      <a:solidFill>
-                        <a:srgbClr val="000000"/>
-                      </a:solidFill>
-                      <a:prstDash val="solid"/>
-                      <a:round/>
-                      <a:headEnd type="none" w="med" len="med"/>
-                      <a:tailEnd type="none" w="med" len="med"/>
-                    </a:lnB>
-                    <a:solidFill>
-                      <a:schemeClr val="bg1"/>
-                    </a:solidFill>
-                  </a:tcPr>
-                </a:tc>
-                <a:tc>
-                  <a:txBody>
-                    <a:bodyPr/>
-                    <a:lstStyle/>
-                    <a:p>
-                      <a:pPr>
-                        <a:lnSpc>
-                          <a:spcPct val="107000"/>
-                        </a:lnSpc>
-                        <a:spcAft>
-                          <a:spcPts val="0"/>
-                        </a:spcAft>
-                      </a:pPr>
-                      <a:r>
-                        <a:rPr lang="sl-SI" sz="1100" dirty="0">
-                          <a:effectLst/>
-                          <a:latin typeface="Calibri" panose="020F0502020204030204" pitchFamily="34" charset="0"/>
-                          <a:ea typeface="Calibri" panose="020F0502020204030204" pitchFamily="34" charset="0"/>
-                          <a:cs typeface="Times New Roman" panose="02020603050405020304" pitchFamily="18" charset="0"/>
-                        </a:rPr>
-                        <a:t> </a:t>
-                      </a:r>
-                    </a:p>
-                  </a:txBody>
-                  <a:tcPr marL="68580" marR="68580" marT="0" marB="0">
-                    <a:lnL w="12700" cap="flat" cmpd="sng" algn="ctr">
-                      <a:solidFill>
-                        <a:srgbClr val="000000"/>
-                      </a:solidFill>
-                      <a:prstDash val="solid"/>
-                      <a:round/>
-                      <a:headEnd type="none" w="med" len="med"/>
-                      <a:tailEnd type="none" w="med" len="med"/>
-                    </a:lnL>
-                    <a:lnR w="12700" cap="flat" cmpd="sng" algn="ctr">
-                      <a:solidFill>
-                        <a:srgbClr val="000000"/>
-                      </a:solidFill>
-                      <a:prstDash val="solid"/>
-                      <a:round/>
-                      <a:headEnd type="none" w="med" len="med"/>
-                      <a:tailEnd type="none" w="med" len="med"/>
-                    </a:lnR>
-                    <a:lnT w="12700" cap="flat" cmpd="sng" algn="ctr">
-                      <a:solidFill>
-                        <a:srgbClr val="000000"/>
-                      </a:solidFill>
-                      <a:prstDash val="solid"/>
-                      <a:round/>
-                      <a:headEnd type="none" w="med" len="med"/>
-                      <a:tailEnd type="none" w="med" len="med"/>
-                    </a:lnT>
-                    <a:lnB w="12700" cap="flat" cmpd="sng" algn="ctr">
-                      <a:solidFill>
-                        <a:srgbClr val="000000"/>
-                      </a:solidFill>
-                      <a:prstDash val="solid"/>
-                      <a:round/>
-                      <a:headEnd type="none" w="med" len="med"/>
-                      <a:tailEnd type="none" w="med" len="med"/>
-                    </a:lnB>
-                    <a:solidFill>
-                      <a:schemeClr val="bg1"/>
-                    </a:solidFill>
-                  </a:tcPr>
-                </a:tc>
-                <a:tc>
-                  <a:txBody>
-                    <a:bodyPr/>
-                    <a:lstStyle/>
-                    <a:p>
-                      <a:pPr>
-                        <a:lnSpc>
-                          <a:spcPct val="107000"/>
-                        </a:lnSpc>
-                        <a:spcAft>
-                          <a:spcPts val="0"/>
-                        </a:spcAft>
-                      </a:pPr>
-                      <a:r>
-                        <a:rPr lang="sl-SI" sz="1100" dirty="0">
-                          <a:effectLst/>
-                          <a:latin typeface="Calibri" panose="020F0502020204030204" pitchFamily="34" charset="0"/>
-                          <a:ea typeface="Calibri" panose="020F0502020204030204" pitchFamily="34" charset="0"/>
-                          <a:cs typeface="Times New Roman" panose="02020603050405020304" pitchFamily="18" charset="0"/>
-                        </a:rPr>
-                        <a:t> </a:t>
-                      </a:r>
-                    </a:p>
-                  </a:txBody>
-                  <a:tcPr marL="68580" marR="68580" marT="0" marB="0">
-                    <a:lnL w="12700" cap="flat" cmpd="sng" algn="ctr">
-                      <a:solidFill>
-                        <a:srgbClr val="000000"/>
-                      </a:solidFill>
-                      <a:prstDash val="solid"/>
-                      <a:round/>
-                      <a:headEnd type="none" w="med" len="med"/>
-                      <a:tailEnd type="none" w="med" len="med"/>
-                    </a:lnL>
-                    <a:lnR w="12700" cap="flat" cmpd="sng" algn="ctr">
-                      <a:solidFill>
-                        <a:srgbClr val="000000"/>
-                      </a:solidFill>
-                      <a:prstDash val="solid"/>
-                      <a:round/>
-                      <a:headEnd type="none" w="med" len="med"/>
-                      <a:tailEnd type="none" w="med" len="med"/>
-                    </a:lnR>
-                    <a:lnT w="12700" cap="flat" cmpd="sng" algn="ctr">
-                      <a:solidFill>
-                        <a:srgbClr val="000000"/>
-                      </a:solidFill>
-                      <a:prstDash val="solid"/>
-                      <a:round/>
-                      <a:headEnd type="none" w="med" len="med"/>
-                      <a:tailEnd type="none" w="med" len="med"/>
-                    </a:lnT>
-                    <a:lnB w="12700" cap="flat" cmpd="sng" algn="ctr">
-                      <a:solidFill>
-                        <a:srgbClr val="000000"/>
-                      </a:solidFill>
-                      <a:prstDash val="solid"/>
-                      <a:round/>
-                      <a:headEnd type="none" w="med" len="med"/>
-                      <a:tailEnd type="none" w="med" len="med"/>
-                    </a:lnB>
-                    <a:solidFill>
-                      <a:schemeClr val="bg1"/>
-                    </a:solidFill>
-                  </a:tcPr>
-                </a:tc>
-                <a:extLst>
-                  <a:ext uri="{0D108BD9-81ED-4DB2-BD59-A6C34878D82A}">
-                    <a16:rowId xmlns:a16="http://schemas.microsoft.com/office/drawing/2014/main" val="3919065588"/>
-                  </a:ext>
-                </a:extLst>
-              </a:tr>
-              <a:tr h="243423">
-                <a:tc>
-                  <a:txBody>
-                    <a:bodyPr/>
-                    <a:lstStyle/>
-                    <a:p>
-                      <a:pPr>
-                        <a:lnSpc>
-                          <a:spcPct val="107000"/>
-                        </a:lnSpc>
-                        <a:spcAft>
-                          <a:spcPts val="0"/>
-                        </a:spcAft>
-                      </a:pPr>
-                      <a:r>
-                        <a:rPr lang="sl-SI" sz="1100" dirty="0">
-                          <a:effectLst/>
-                          <a:latin typeface="Calibri" panose="020F0502020204030204" pitchFamily="34" charset="0"/>
-                          <a:ea typeface="Calibri" panose="020F0502020204030204" pitchFamily="34" charset="0"/>
-                          <a:cs typeface="Times New Roman" panose="02020603050405020304" pitchFamily="18" charset="0"/>
-                        </a:rPr>
-                        <a:t>posodobitve</a:t>
-                      </a:r>
-                    </a:p>
-                  </a:txBody>
-                  <a:tcPr marL="68580" marR="68580" marT="0" marB="0">
-                    <a:lnL w="12700" cap="flat" cmpd="sng" algn="ctr">
-                      <a:solidFill>
-                        <a:srgbClr val="000000"/>
-                      </a:solidFill>
-                      <a:prstDash val="solid"/>
-                      <a:round/>
-                      <a:headEnd type="none" w="med" len="med"/>
-                      <a:tailEnd type="none" w="med" len="med"/>
-                    </a:lnL>
-                    <a:lnR w="12700" cap="flat" cmpd="sng" algn="ctr">
-                      <a:solidFill>
-                        <a:srgbClr val="000000"/>
-                      </a:solidFill>
-                      <a:prstDash val="solid"/>
-                      <a:round/>
-                      <a:headEnd type="none" w="med" len="med"/>
-                      <a:tailEnd type="none" w="med" len="med"/>
-                    </a:lnR>
-                    <a:lnT w="12700" cap="flat" cmpd="sng" algn="ctr">
-                      <a:solidFill>
-                        <a:srgbClr val="000000"/>
-                      </a:solidFill>
-                      <a:prstDash val="solid"/>
-                      <a:round/>
-                      <a:headEnd type="none" w="med" len="med"/>
-                      <a:tailEnd type="none" w="med" len="med"/>
-                    </a:lnT>
-                    <a:lnB w="12700" cap="flat" cmpd="sng" algn="ctr">
-                      <a:solidFill>
-                        <a:srgbClr val="000000"/>
-                      </a:solidFill>
-                      <a:prstDash val="solid"/>
-                      <a:round/>
-                      <a:headEnd type="none" w="med" len="med"/>
-                      <a:tailEnd type="none" w="med" len="med"/>
-                    </a:lnB>
-                  </a:tcPr>
-                </a:tc>
-                <a:tc>
-                  <a:txBody>
-                    <a:bodyPr/>
-                    <a:lstStyle/>
-                    <a:p>
-                      <a:pPr>
-                        <a:lnSpc>
-                          <a:spcPct val="107000"/>
-                        </a:lnSpc>
-                        <a:spcAft>
-                          <a:spcPts val="0"/>
-                        </a:spcAft>
-                      </a:pPr>
-                      <a:r>
-                        <a:rPr lang="sl-SI" sz="1100">
-                          <a:effectLst/>
-                          <a:latin typeface="Calibri" panose="020F0502020204030204" pitchFamily="34" charset="0"/>
-                          <a:ea typeface="Calibri" panose="020F0502020204030204" pitchFamily="34" charset="0"/>
-                          <a:cs typeface="Times New Roman" panose="02020603050405020304" pitchFamily="18" charset="0"/>
-                        </a:rPr>
-                        <a:t> </a:t>
-                      </a:r>
-                    </a:p>
-                  </a:txBody>
-                  <a:tcPr marL="68580" marR="68580" marT="0" marB="0">
-                    <a:lnL w="12700" cap="flat" cmpd="sng" algn="ctr">
-                      <a:solidFill>
-                        <a:srgbClr val="000000"/>
-                      </a:solidFill>
-                      <a:prstDash val="solid"/>
-                      <a:round/>
-                      <a:headEnd type="none" w="med" len="med"/>
-                      <a:tailEnd type="none" w="med" len="med"/>
-                    </a:lnL>
-                    <a:lnR w="12700" cap="flat" cmpd="sng" algn="ctr">
-                      <a:solidFill>
-                        <a:srgbClr val="000000"/>
-                      </a:solidFill>
-                      <a:prstDash val="solid"/>
-                      <a:round/>
-                      <a:headEnd type="none" w="med" len="med"/>
-                      <a:tailEnd type="none" w="med" len="med"/>
-                    </a:lnR>
-                    <a:lnT w="12700" cap="flat" cmpd="sng" algn="ctr">
-                      <a:solidFill>
-                        <a:srgbClr val="000000"/>
-                      </a:solidFill>
-                      <a:prstDash val="solid"/>
-                      <a:round/>
-                      <a:headEnd type="none" w="med" len="med"/>
-                      <a:tailEnd type="none" w="med" len="med"/>
-                    </a:lnT>
-                    <a:lnB w="12700" cap="flat" cmpd="sng" algn="ctr">
-                      <a:solidFill>
-                        <a:srgbClr val="000000"/>
-                      </a:solidFill>
-                      <a:prstDash val="solid"/>
-                      <a:round/>
-                      <a:headEnd type="none" w="med" len="med"/>
-                      <a:tailEnd type="none" w="med" len="med"/>
-                    </a:lnB>
-                  </a:tcPr>
-                </a:tc>
-                <a:tc>
-                  <a:txBody>
-                    <a:bodyPr/>
-                    <a:lstStyle/>
-                    <a:p>
-                      <a:pPr>
-                        <a:lnSpc>
-                          <a:spcPct val="107000"/>
-                        </a:lnSpc>
-                        <a:spcAft>
-                          <a:spcPts val="0"/>
-                        </a:spcAft>
-                      </a:pPr>
-                      <a:r>
-                        <a:rPr lang="sl-SI" sz="1100">
-                          <a:effectLst/>
-                          <a:latin typeface="Calibri" panose="020F0502020204030204" pitchFamily="34" charset="0"/>
-                          <a:ea typeface="Calibri" panose="020F0502020204030204" pitchFamily="34" charset="0"/>
-                          <a:cs typeface="Times New Roman" panose="02020603050405020304" pitchFamily="18" charset="0"/>
-                        </a:rPr>
-                        <a:t> </a:t>
-                      </a:r>
-                    </a:p>
-                  </a:txBody>
-                  <a:tcPr marL="68580" marR="68580" marT="0" marB="0">
-                    <a:lnL w="12700" cap="flat" cmpd="sng" algn="ctr">
-                      <a:solidFill>
-                        <a:srgbClr val="000000"/>
-                      </a:solidFill>
-                      <a:prstDash val="solid"/>
-                      <a:round/>
-                      <a:headEnd type="none" w="med" len="med"/>
-                      <a:tailEnd type="none" w="med" len="med"/>
-                    </a:lnL>
-                    <a:lnR w="12700" cap="flat" cmpd="sng" algn="ctr">
-                      <a:solidFill>
-                        <a:srgbClr val="000000"/>
-                      </a:solidFill>
-                      <a:prstDash val="solid"/>
-                      <a:round/>
-                      <a:headEnd type="none" w="med" len="med"/>
-                      <a:tailEnd type="none" w="med" len="med"/>
-                    </a:lnR>
-                    <a:lnT w="12700" cap="flat" cmpd="sng" algn="ctr">
-                      <a:solidFill>
-                        <a:srgbClr val="000000"/>
-                      </a:solidFill>
-                      <a:prstDash val="solid"/>
-                      <a:round/>
-                      <a:headEnd type="none" w="med" len="med"/>
-                      <a:tailEnd type="none" w="med" len="med"/>
-                    </a:lnT>
-                    <a:lnB w="12700" cap="flat" cmpd="sng" algn="ctr">
-                      <a:solidFill>
-                        <a:srgbClr val="000000"/>
-                      </a:solidFill>
-                      <a:prstDash val="solid"/>
-                      <a:round/>
-                      <a:headEnd type="none" w="med" len="med"/>
-                      <a:tailEnd type="none" w="med" len="med"/>
-                    </a:lnB>
-                  </a:tcPr>
-                </a:tc>
-                <a:tc>
-                  <a:txBody>
-                    <a:bodyPr/>
-                    <a:lstStyle/>
-                    <a:p>
-                      <a:pPr>
-                        <a:lnSpc>
-                          <a:spcPct val="107000"/>
-                        </a:lnSpc>
-                        <a:spcAft>
-                          <a:spcPts val="0"/>
-                        </a:spcAft>
-                      </a:pPr>
-                      <a:r>
-                        <a:rPr lang="sl-SI" sz="1100">
-                          <a:effectLst/>
-                          <a:latin typeface="Calibri" panose="020F0502020204030204" pitchFamily="34" charset="0"/>
-                          <a:ea typeface="Calibri" panose="020F0502020204030204" pitchFamily="34" charset="0"/>
-                          <a:cs typeface="Times New Roman" panose="02020603050405020304" pitchFamily="18" charset="0"/>
-                        </a:rPr>
-                        <a:t> </a:t>
-                      </a:r>
-                    </a:p>
-                  </a:txBody>
-                  <a:tcPr marL="68580" marR="68580" marT="0" marB="0">
-                    <a:lnL w="12700" cap="flat" cmpd="sng" algn="ctr">
-                      <a:solidFill>
-                        <a:srgbClr val="000000"/>
-                      </a:solidFill>
-                      <a:prstDash val="solid"/>
-                      <a:round/>
-                      <a:headEnd type="none" w="med" len="med"/>
-                      <a:tailEnd type="none" w="med" len="med"/>
-                    </a:lnL>
-                    <a:lnR w="12700" cap="flat" cmpd="sng" algn="ctr">
-                      <a:solidFill>
-                        <a:srgbClr val="000000"/>
-                      </a:solidFill>
-                      <a:prstDash val="solid"/>
-                      <a:round/>
-                      <a:headEnd type="none" w="med" len="med"/>
-                      <a:tailEnd type="none" w="med" len="med"/>
-                    </a:lnR>
-                    <a:lnT w="12700" cap="flat" cmpd="sng" algn="ctr">
-                      <a:solidFill>
-                        <a:srgbClr val="000000"/>
-                      </a:solidFill>
-                      <a:prstDash val="solid"/>
-                      <a:round/>
-                      <a:headEnd type="none" w="med" len="med"/>
-                      <a:tailEnd type="none" w="med" len="med"/>
-                    </a:lnT>
-                    <a:lnB w="12700" cap="flat" cmpd="sng" algn="ctr">
-                      <a:solidFill>
-                        <a:srgbClr val="000000"/>
-                      </a:solidFill>
-                      <a:prstDash val="solid"/>
-                      <a:round/>
-                      <a:headEnd type="none" w="med" len="med"/>
-                      <a:tailEnd type="none" w="med" len="med"/>
-                    </a:lnB>
-                  </a:tcPr>
-                </a:tc>
-                <a:tc>
-                  <a:txBody>
-                    <a:bodyPr/>
-                    <a:lstStyle/>
-                    <a:p>
-                      <a:pPr>
-                        <a:lnSpc>
-                          <a:spcPct val="107000"/>
-                        </a:lnSpc>
-                        <a:spcAft>
-                          <a:spcPts val="0"/>
-                        </a:spcAft>
-                      </a:pPr>
-                      <a:r>
-                        <a:rPr lang="sl-SI" sz="1100">
-                          <a:effectLst/>
-                          <a:latin typeface="Calibri" panose="020F0502020204030204" pitchFamily="34" charset="0"/>
-                          <a:ea typeface="Calibri" panose="020F0502020204030204" pitchFamily="34" charset="0"/>
-                          <a:cs typeface="Times New Roman" panose="02020603050405020304" pitchFamily="18" charset="0"/>
-                        </a:rPr>
-                        <a:t> </a:t>
-                      </a:r>
-                    </a:p>
-                  </a:txBody>
-                  <a:tcPr marL="68580" marR="68580" marT="0" marB="0">
-                    <a:lnL w="12700" cap="flat" cmpd="sng" algn="ctr">
-                      <a:solidFill>
-                        <a:srgbClr val="000000"/>
-                      </a:solidFill>
-                      <a:prstDash val="solid"/>
-                      <a:round/>
-                      <a:headEnd type="none" w="med" len="med"/>
-                      <a:tailEnd type="none" w="med" len="med"/>
-                    </a:lnL>
-                    <a:lnR w="12700" cap="flat" cmpd="sng" algn="ctr">
-                      <a:solidFill>
-                        <a:srgbClr val="000000"/>
-                      </a:solidFill>
-                      <a:prstDash val="solid"/>
-                      <a:round/>
-                      <a:headEnd type="none" w="med" len="med"/>
-                      <a:tailEnd type="none" w="med" len="med"/>
-                    </a:lnR>
-                    <a:lnT w="12700" cap="flat" cmpd="sng" algn="ctr">
-                      <a:solidFill>
-                        <a:srgbClr val="000000"/>
-                      </a:solidFill>
-                      <a:prstDash val="solid"/>
-                      <a:round/>
-                      <a:headEnd type="none" w="med" len="med"/>
-                      <a:tailEnd type="none" w="med" len="med"/>
-                    </a:lnT>
-                    <a:lnB w="12700" cap="flat" cmpd="sng" algn="ctr">
-                      <a:solidFill>
-                        <a:srgbClr val="000000"/>
-                      </a:solidFill>
-                      <a:prstDash val="solid"/>
-                      <a:round/>
-                      <a:headEnd type="none" w="med" len="med"/>
-                      <a:tailEnd type="none" w="med" len="med"/>
-                    </a:lnB>
-                  </a:tcPr>
-                </a:tc>
-                <a:tc>
-                  <a:txBody>
-                    <a:bodyPr/>
-                    <a:lstStyle/>
-                    <a:p>
-                      <a:pPr>
-                        <a:lnSpc>
-                          <a:spcPct val="107000"/>
-                        </a:lnSpc>
-                        <a:spcAft>
-                          <a:spcPts val="0"/>
-                        </a:spcAft>
-                      </a:pPr>
-                      <a:r>
-                        <a:rPr lang="sl-SI" sz="1100" dirty="0">
-                          <a:effectLst/>
-                          <a:latin typeface="Calibri" panose="020F0502020204030204" pitchFamily="34" charset="0"/>
-                          <a:ea typeface="Calibri" panose="020F0502020204030204" pitchFamily="34" charset="0"/>
-                          <a:cs typeface="Times New Roman" panose="02020603050405020304" pitchFamily="18" charset="0"/>
-                        </a:rPr>
-                        <a:t> </a:t>
-                      </a:r>
-                    </a:p>
-                  </a:txBody>
-                  <a:tcPr marL="68580" marR="68580" marT="0" marB="0">
-                    <a:lnL w="12700" cap="flat" cmpd="sng" algn="ctr">
-                      <a:solidFill>
-                        <a:srgbClr val="000000"/>
-                      </a:solidFill>
-                      <a:prstDash val="solid"/>
-                      <a:round/>
-                      <a:headEnd type="none" w="med" len="med"/>
-                      <a:tailEnd type="none" w="med" len="med"/>
-                    </a:lnL>
-                    <a:lnR w="12700" cap="flat" cmpd="sng" algn="ctr">
-                      <a:solidFill>
-                        <a:srgbClr val="000000"/>
-                      </a:solidFill>
-                      <a:prstDash val="solid"/>
-                      <a:round/>
-                      <a:headEnd type="none" w="med" len="med"/>
-                      <a:tailEnd type="none" w="med" len="med"/>
-                    </a:lnR>
-                    <a:lnT w="12700" cap="flat" cmpd="sng" algn="ctr">
-                      <a:solidFill>
-                        <a:srgbClr val="000000"/>
-                      </a:solidFill>
-                      <a:prstDash val="solid"/>
-                      <a:round/>
-                      <a:headEnd type="none" w="med" len="med"/>
-                      <a:tailEnd type="none" w="med" len="med"/>
-                    </a:lnT>
-                    <a:lnB w="12700" cap="flat" cmpd="sng" algn="ctr">
-                      <a:solidFill>
-                        <a:srgbClr val="000000"/>
-                      </a:solidFill>
-                      <a:prstDash val="solid"/>
-                      <a:round/>
-                      <a:headEnd type="none" w="med" len="med"/>
-                      <a:tailEnd type="none" w="med" len="med"/>
-                    </a:lnB>
-                    <a:solidFill>
-                      <a:schemeClr val="bg1"/>
-                    </a:solidFill>
-                  </a:tcPr>
-                </a:tc>
-                <a:tc>
-                  <a:txBody>
-                    <a:bodyPr/>
-                    <a:lstStyle/>
-                    <a:p>
-                      <a:pPr>
-                        <a:lnSpc>
-                          <a:spcPct val="107000"/>
-                        </a:lnSpc>
-                        <a:spcAft>
-                          <a:spcPts val="0"/>
-                        </a:spcAft>
-                      </a:pPr>
-                      <a:r>
-                        <a:rPr lang="sl-SI" sz="1100">
-                          <a:effectLst/>
-                          <a:latin typeface="Calibri" panose="020F0502020204030204" pitchFamily="34" charset="0"/>
-                          <a:ea typeface="Calibri" panose="020F0502020204030204" pitchFamily="34" charset="0"/>
-                          <a:cs typeface="Times New Roman" panose="02020603050405020304" pitchFamily="18" charset="0"/>
-                        </a:rPr>
-                        <a:t> </a:t>
-                      </a:r>
-                    </a:p>
-                  </a:txBody>
-                  <a:tcPr marL="68580" marR="68580" marT="0" marB="0">
-                    <a:lnL w="12700" cap="flat" cmpd="sng" algn="ctr">
-                      <a:solidFill>
-                        <a:srgbClr val="000000"/>
-                      </a:solidFill>
-                      <a:prstDash val="solid"/>
-                      <a:round/>
-                      <a:headEnd type="none" w="med" len="med"/>
-                      <a:tailEnd type="none" w="med" len="med"/>
-                    </a:lnL>
-                    <a:lnR w="12700" cap="flat" cmpd="sng" algn="ctr">
-                      <a:solidFill>
-                        <a:srgbClr val="000000"/>
-                      </a:solidFill>
-                      <a:prstDash val="solid"/>
-                      <a:round/>
-                      <a:headEnd type="none" w="med" len="med"/>
-                      <a:tailEnd type="none" w="med" len="med"/>
-                    </a:lnR>
-                    <a:lnT w="12700" cap="flat" cmpd="sng" algn="ctr">
-                      <a:solidFill>
-                        <a:srgbClr val="000000"/>
-                      </a:solidFill>
-                      <a:prstDash val="solid"/>
-                      <a:round/>
-                      <a:headEnd type="none" w="med" len="med"/>
-                      <a:tailEnd type="none" w="med" len="med"/>
-                    </a:lnT>
-                    <a:lnB w="12700" cap="flat" cmpd="sng" algn="ctr">
-                      <a:solidFill>
-                        <a:srgbClr val="000000"/>
-                      </a:solidFill>
-                      <a:prstDash val="solid"/>
-                      <a:round/>
-                      <a:headEnd type="none" w="med" len="med"/>
-                      <a:tailEnd type="none" w="med" len="med"/>
-                    </a:lnB>
-                    <a:solidFill>
-                      <a:srgbClr val="FFC000"/>
-                    </a:solidFill>
-                  </a:tcPr>
-                </a:tc>
-                <a:tc>
-                  <a:txBody>
-                    <a:bodyPr/>
-                    <a:lstStyle/>
-                    <a:p>
-                      <a:pPr>
-                        <a:lnSpc>
-                          <a:spcPct val="107000"/>
-                        </a:lnSpc>
-                        <a:spcAft>
-                          <a:spcPts val="0"/>
-                        </a:spcAft>
-                      </a:pPr>
-                      <a:r>
-                        <a:rPr lang="sl-SI" sz="1100">
-                          <a:effectLst/>
-                          <a:latin typeface="Calibri" panose="020F0502020204030204" pitchFamily="34" charset="0"/>
-                          <a:ea typeface="Calibri" panose="020F0502020204030204" pitchFamily="34" charset="0"/>
-                          <a:cs typeface="Times New Roman" panose="02020603050405020304" pitchFamily="18" charset="0"/>
-                        </a:rPr>
-                        <a:t> </a:t>
-                      </a:r>
-                    </a:p>
-                  </a:txBody>
-                  <a:tcPr marL="68580" marR="68580" marT="0" marB="0">
-                    <a:lnL w="12700" cap="flat" cmpd="sng" algn="ctr">
-                      <a:solidFill>
-                        <a:srgbClr val="000000"/>
-                      </a:solidFill>
-                      <a:prstDash val="solid"/>
-                      <a:round/>
-                      <a:headEnd type="none" w="med" len="med"/>
-                      <a:tailEnd type="none" w="med" len="med"/>
-                    </a:lnL>
-                    <a:lnR w="12700" cap="flat" cmpd="sng" algn="ctr">
-                      <a:solidFill>
-                        <a:srgbClr val="000000"/>
-                      </a:solidFill>
-                      <a:prstDash val="solid"/>
-                      <a:round/>
-                      <a:headEnd type="none" w="med" len="med"/>
-                      <a:tailEnd type="none" w="med" len="med"/>
-                    </a:lnR>
-                    <a:lnT w="12700" cap="flat" cmpd="sng" algn="ctr">
-                      <a:solidFill>
-                        <a:srgbClr val="000000"/>
-                      </a:solidFill>
-                      <a:prstDash val="solid"/>
-                      <a:round/>
-                      <a:headEnd type="none" w="med" len="med"/>
-                      <a:tailEnd type="none" w="med" len="med"/>
-                    </a:lnT>
-                    <a:lnB w="12700" cap="flat" cmpd="sng" algn="ctr">
-                      <a:solidFill>
-                        <a:srgbClr val="000000"/>
-                      </a:solidFill>
-                      <a:prstDash val="solid"/>
-                      <a:round/>
-                      <a:headEnd type="none" w="med" len="med"/>
-                      <a:tailEnd type="none" w="med" len="med"/>
-                    </a:lnB>
-                    <a:solidFill>
-                      <a:srgbClr val="FFC000"/>
-                    </a:solidFill>
-                  </a:tcPr>
-                </a:tc>
-                <a:tc>
-                  <a:txBody>
-                    <a:bodyPr/>
-                    <a:lstStyle/>
-                    <a:p>
-                      <a:pPr>
-                        <a:lnSpc>
-                          <a:spcPct val="107000"/>
-                        </a:lnSpc>
-                        <a:spcAft>
-                          <a:spcPts val="0"/>
-                        </a:spcAft>
-                      </a:pPr>
-                      <a:r>
-                        <a:rPr lang="sl-SI" sz="1100">
-                          <a:effectLst/>
-                          <a:latin typeface="Calibri" panose="020F0502020204030204" pitchFamily="34" charset="0"/>
-                          <a:ea typeface="Calibri" panose="020F0502020204030204" pitchFamily="34" charset="0"/>
-                          <a:cs typeface="Times New Roman" panose="02020603050405020304" pitchFamily="18" charset="0"/>
-                        </a:rPr>
-                        <a:t> </a:t>
-                      </a:r>
-                    </a:p>
-                  </a:txBody>
-                  <a:tcPr marL="68580" marR="68580" marT="0" marB="0">
-                    <a:lnL w="12700" cap="flat" cmpd="sng" algn="ctr">
-                      <a:solidFill>
-                        <a:srgbClr val="000000"/>
-                      </a:solidFill>
-                      <a:prstDash val="solid"/>
-                      <a:round/>
-                      <a:headEnd type="none" w="med" len="med"/>
-                      <a:tailEnd type="none" w="med" len="med"/>
-                    </a:lnL>
-                    <a:lnR w="12700" cap="flat" cmpd="sng" algn="ctr">
-                      <a:solidFill>
-                        <a:srgbClr val="000000"/>
-                      </a:solidFill>
-                      <a:prstDash val="solid"/>
-                      <a:round/>
-                      <a:headEnd type="none" w="med" len="med"/>
-                      <a:tailEnd type="none" w="med" len="med"/>
-                    </a:lnR>
-                    <a:lnT w="12700" cap="flat" cmpd="sng" algn="ctr">
-                      <a:solidFill>
-                        <a:srgbClr val="000000"/>
-                      </a:solidFill>
-                      <a:prstDash val="solid"/>
-                      <a:round/>
-                      <a:headEnd type="none" w="med" len="med"/>
-                      <a:tailEnd type="none" w="med" len="med"/>
-                    </a:lnT>
-                    <a:lnB w="12700" cap="flat" cmpd="sng" algn="ctr">
-                      <a:solidFill>
-                        <a:srgbClr val="000000"/>
-                      </a:solidFill>
-                      <a:prstDash val="solid"/>
-                      <a:round/>
-                      <a:headEnd type="none" w="med" len="med"/>
-                      <a:tailEnd type="none" w="med" len="med"/>
-                    </a:lnB>
-                    <a:solidFill>
-                      <a:srgbClr val="FFC000"/>
-                    </a:solidFill>
-                  </a:tcPr>
-                </a:tc>
-                <a:tc>
-                  <a:txBody>
-                    <a:bodyPr/>
-                    <a:lstStyle/>
-                    <a:p>
-                      <a:pPr>
-                        <a:lnSpc>
-                          <a:spcPct val="107000"/>
-                        </a:lnSpc>
-                        <a:spcAft>
-                          <a:spcPts val="0"/>
-                        </a:spcAft>
-                      </a:pPr>
-                      <a:r>
-                        <a:rPr lang="sl-SI" sz="1100">
-                          <a:effectLst/>
-                          <a:latin typeface="Calibri" panose="020F0502020204030204" pitchFamily="34" charset="0"/>
-                          <a:ea typeface="Calibri" panose="020F0502020204030204" pitchFamily="34" charset="0"/>
-                          <a:cs typeface="Times New Roman" panose="02020603050405020304" pitchFamily="18" charset="0"/>
-                        </a:rPr>
-                        <a:t> </a:t>
-                      </a:r>
-                    </a:p>
-                  </a:txBody>
-                  <a:tcPr marL="68580" marR="68580" marT="0" marB="0">
-                    <a:lnL w="12700" cap="flat" cmpd="sng" algn="ctr">
-                      <a:solidFill>
-                        <a:srgbClr val="000000"/>
-                      </a:solidFill>
-                      <a:prstDash val="solid"/>
-                      <a:round/>
-                      <a:headEnd type="none" w="med" len="med"/>
-                      <a:tailEnd type="none" w="med" len="med"/>
-                    </a:lnL>
-                    <a:lnR w="12700" cap="flat" cmpd="sng" algn="ctr">
-                      <a:solidFill>
-                        <a:srgbClr val="000000"/>
-                      </a:solidFill>
-                      <a:prstDash val="solid"/>
-                      <a:round/>
-                      <a:headEnd type="none" w="med" len="med"/>
-                      <a:tailEnd type="none" w="med" len="med"/>
-                    </a:lnR>
-                    <a:lnT w="12700" cap="flat" cmpd="sng" algn="ctr">
-                      <a:solidFill>
-                        <a:srgbClr val="000000"/>
-                      </a:solidFill>
-                      <a:prstDash val="solid"/>
-                      <a:round/>
-                      <a:headEnd type="none" w="med" len="med"/>
-                      <a:tailEnd type="none" w="med" len="med"/>
-                    </a:lnT>
-                    <a:lnB w="12700" cap="flat" cmpd="sng" algn="ctr">
-                      <a:solidFill>
-                        <a:srgbClr val="000000"/>
-                      </a:solidFill>
-                      <a:prstDash val="solid"/>
-                      <a:round/>
-                      <a:headEnd type="none" w="med" len="med"/>
-                      <a:tailEnd type="none" w="med" len="med"/>
-                    </a:lnB>
-                    <a:solidFill>
-                      <a:srgbClr val="FFC000"/>
-                    </a:solidFill>
-                  </a:tcPr>
-                </a:tc>
-                <a:tc>
-                  <a:txBody>
-                    <a:bodyPr/>
-                    <a:lstStyle/>
-                    <a:p>
-                      <a:pPr>
-                        <a:lnSpc>
-                          <a:spcPct val="107000"/>
-                        </a:lnSpc>
-                        <a:spcAft>
-                          <a:spcPts val="0"/>
-                        </a:spcAft>
-                      </a:pPr>
-                      <a:r>
-                        <a:rPr lang="sl-SI" sz="1100">
-                          <a:effectLst/>
-                          <a:latin typeface="Calibri" panose="020F0502020204030204" pitchFamily="34" charset="0"/>
-                          <a:ea typeface="Calibri" panose="020F0502020204030204" pitchFamily="34" charset="0"/>
-                          <a:cs typeface="Times New Roman" panose="02020603050405020304" pitchFamily="18" charset="0"/>
-                        </a:rPr>
-                        <a:t> </a:t>
-                      </a:r>
-                    </a:p>
-                  </a:txBody>
-                  <a:tcPr marL="68580" marR="68580" marT="0" marB="0">
-                    <a:lnL w="12700" cap="flat" cmpd="sng" algn="ctr">
-                      <a:solidFill>
-                        <a:srgbClr val="000000"/>
-                      </a:solidFill>
-                      <a:prstDash val="solid"/>
-                      <a:round/>
-                      <a:headEnd type="none" w="med" len="med"/>
-                      <a:tailEnd type="none" w="med" len="med"/>
-                    </a:lnL>
-                    <a:lnR w="12700" cap="flat" cmpd="sng" algn="ctr">
-                      <a:solidFill>
-                        <a:srgbClr val="000000"/>
-                      </a:solidFill>
-                      <a:prstDash val="solid"/>
-                      <a:round/>
-                      <a:headEnd type="none" w="med" len="med"/>
-                      <a:tailEnd type="none" w="med" len="med"/>
-                    </a:lnR>
-                    <a:lnT w="12700" cap="flat" cmpd="sng" algn="ctr">
-                      <a:solidFill>
-                        <a:srgbClr val="000000"/>
-                      </a:solidFill>
-                      <a:prstDash val="solid"/>
-                      <a:round/>
-                      <a:headEnd type="none" w="med" len="med"/>
-                      <a:tailEnd type="none" w="med" len="med"/>
-                    </a:lnT>
-                    <a:lnB w="12700" cap="flat" cmpd="sng" algn="ctr">
-                      <a:solidFill>
-                        <a:srgbClr val="000000"/>
-                      </a:solidFill>
-                      <a:prstDash val="solid"/>
-                      <a:round/>
-                      <a:headEnd type="none" w="med" len="med"/>
-                      <a:tailEnd type="none" w="med" len="med"/>
-                    </a:lnB>
-                    <a:solidFill>
-                      <a:srgbClr val="FFC000"/>
-                    </a:solidFill>
-                  </a:tcPr>
-                </a:tc>
-                <a:tc>
-                  <a:txBody>
-                    <a:bodyPr/>
-                    <a:lstStyle/>
-                    <a:p>
-                      <a:pPr>
-                        <a:lnSpc>
-                          <a:spcPct val="107000"/>
-                        </a:lnSpc>
-                        <a:spcAft>
-                          <a:spcPts val="0"/>
-                        </a:spcAft>
-                      </a:pPr>
-                      <a:r>
-                        <a:rPr lang="sl-SI" sz="1100">
-                          <a:effectLst/>
-                          <a:latin typeface="Calibri" panose="020F0502020204030204" pitchFamily="34" charset="0"/>
-                          <a:ea typeface="Calibri" panose="020F0502020204030204" pitchFamily="34" charset="0"/>
-                          <a:cs typeface="Times New Roman" panose="02020603050405020304" pitchFamily="18" charset="0"/>
-                        </a:rPr>
-                        <a:t> </a:t>
-                      </a:r>
-                    </a:p>
-                  </a:txBody>
-                  <a:tcPr marL="68580" marR="68580" marT="0" marB="0">
-                    <a:lnL w="12700" cap="flat" cmpd="sng" algn="ctr">
-                      <a:solidFill>
-                        <a:srgbClr val="000000"/>
-                      </a:solidFill>
-                      <a:prstDash val="solid"/>
-                      <a:round/>
-                      <a:headEnd type="none" w="med" len="med"/>
-                      <a:tailEnd type="none" w="med" len="med"/>
-                    </a:lnL>
-                    <a:lnR w="12700" cap="flat" cmpd="sng" algn="ctr">
-                      <a:solidFill>
-                        <a:srgbClr val="000000"/>
-                      </a:solidFill>
-                      <a:prstDash val="solid"/>
-                      <a:round/>
-                      <a:headEnd type="none" w="med" len="med"/>
-                      <a:tailEnd type="none" w="med" len="med"/>
-                    </a:lnR>
-                    <a:lnT w="12700" cap="flat" cmpd="sng" algn="ctr">
-                      <a:solidFill>
-                        <a:srgbClr val="000000"/>
-                      </a:solidFill>
-                      <a:prstDash val="solid"/>
-                      <a:round/>
-                      <a:headEnd type="none" w="med" len="med"/>
-                      <a:tailEnd type="none" w="med" len="med"/>
-                    </a:lnT>
-                    <a:lnB w="12700" cap="flat" cmpd="sng" algn="ctr">
-                      <a:solidFill>
-                        <a:srgbClr val="000000"/>
-                      </a:solidFill>
-                      <a:prstDash val="solid"/>
-                      <a:round/>
-                      <a:headEnd type="none" w="med" len="med"/>
-                      <a:tailEnd type="none" w="med" len="med"/>
-                    </a:lnB>
-                    <a:solidFill>
-                      <a:srgbClr val="FFC000"/>
-                    </a:solidFill>
-                  </a:tcPr>
-                </a:tc>
-                <a:tc>
-                  <a:txBody>
-                    <a:bodyPr/>
-                    <a:lstStyle/>
-                    <a:p>
-                      <a:pPr>
-                        <a:lnSpc>
-                          <a:spcPct val="107000"/>
-                        </a:lnSpc>
-                        <a:spcAft>
-                          <a:spcPts val="0"/>
-                        </a:spcAft>
-                      </a:pPr>
-                      <a:r>
-                        <a:rPr lang="sl-SI" sz="1100">
-                          <a:effectLst/>
-                          <a:latin typeface="Calibri" panose="020F0502020204030204" pitchFamily="34" charset="0"/>
-                          <a:ea typeface="Calibri" panose="020F0502020204030204" pitchFamily="34" charset="0"/>
-                          <a:cs typeface="Times New Roman" panose="02020603050405020304" pitchFamily="18" charset="0"/>
-                        </a:rPr>
-                        <a:t> </a:t>
-                      </a:r>
-                    </a:p>
-                  </a:txBody>
-                  <a:tcPr marL="68580" marR="68580" marT="0" marB="0">
-                    <a:lnL w="12700" cap="flat" cmpd="sng" algn="ctr">
-                      <a:solidFill>
-                        <a:srgbClr val="000000"/>
-                      </a:solidFill>
-                      <a:prstDash val="solid"/>
-                      <a:round/>
-                      <a:headEnd type="none" w="med" len="med"/>
-                      <a:tailEnd type="none" w="med" len="med"/>
-                    </a:lnL>
-                    <a:lnR w="12700" cap="flat" cmpd="sng" algn="ctr">
-                      <a:solidFill>
-                        <a:srgbClr val="000000"/>
-                      </a:solidFill>
-                      <a:prstDash val="solid"/>
-                      <a:round/>
-                      <a:headEnd type="none" w="med" len="med"/>
-                      <a:tailEnd type="none" w="med" len="med"/>
-                    </a:lnR>
-                    <a:lnT w="12700" cap="flat" cmpd="sng" algn="ctr">
-                      <a:solidFill>
-                        <a:srgbClr val="000000"/>
-                      </a:solidFill>
-                      <a:prstDash val="solid"/>
-                      <a:round/>
-                      <a:headEnd type="none" w="med" len="med"/>
-                      <a:tailEnd type="none" w="med" len="med"/>
-                    </a:lnT>
-                    <a:lnB w="12700" cap="flat" cmpd="sng" algn="ctr">
-                      <a:solidFill>
-                        <a:srgbClr val="000000"/>
-                      </a:solidFill>
-                      <a:prstDash val="solid"/>
-                      <a:round/>
-                      <a:headEnd type="none" w="med" len="med"/>
-                      <a:tailEnd type="none" w="med" len="med"/>
-                    </a:lnB>
-                    <a:solidFill>
-                      <a:srgbClr val="FFC000"/>
-                    </a:solidFill>
-                  </a:tcPr>
-                </a:tc>
-                <a:extLst>
-                  <a:ext uri="{0D108BD9-81ED-4DB2-BD59-A6C34878D82A}">
-                    <a16:rowId xmlns:a16="http://schemas.microsoft.com/office/drawing/2014/main" val="1934464899"/>
-                  </a:ext>
-                </a:extLst>
-              </a:tr>
-              <a:tr h="243423">
-                <a:tc>
-                  <a:txBody>
-                    <a:bodyPr/>
-                    <a:lstStyle/>
-                    <a:p>
-                      <a:pPr>
-                        <a:lnSpc>
-                          <a:spcPct val="107000"/>
-                        </a:lnSpc>
-                        <a:spcAft>
-                          <a:spcPts val="0"/>
-                        </a:spcAft>
-                      </a:pPr>
-                      <a:r>
-                        <a:rPr lang="sl-SI" sz="1100">
-                          <a:effectLst/>
-                          <a:latin typeface="Calibri" panose="020F0502020204030204" pitchFamily="34" charset="0"/>
-                          <a:ea typeface="Calibri" panose="020F0502020204030204" pitchFamily="34" charset="0"/>
-                          <a:cs typeface="Times New Roman" panose="02020603050405020304" pitchFamily="18" charset="0"/>
-                        </a:rPr>
-                        <a:t>Podpora</a:t>
-                      </a:r>
-                    </a:p>
-                  </a:txBody>
-                  <a:tcPr marL="68580" marR="68580" marT="0" marB="0">
-                    <a:lnL w="12700" cap="flat" cmpd="sng" algn="ctr">
-                      <a:solidFill>
-                        <a:srgbClr val="000000"/>
-                      </a:solidFill>
-                      <a:prstDash val="solid"/>
-                      <a:round/>
-                      <a:headEnd type="none" w="med" len="med"/>
-                      <a:tailEnd type="none" w="med" len="med"/>
-                    </a:lnL>
-                    <a:lnR w="12700" cap="flat" cmpd="sng" algn="ctr">
-                      <a:solidFill>
-                        <a:srgbClr val="000000"/>
-                      </a:solidFill>
-                      <a:prstDash val="solid"/>
-                      <a:round/>
-                      <a:headEnd type="none" w="med" len="med"/>
-                      <a:tailEnd type="none" w="med" len="med"/>
-                    </a:lnR>
-                    <a:lnT w="12700" cap="flat" cmpd="sng" algn="ctr">
-                      <a:solidFill>
-                        <a:srgbClr val="000000"/>
-                      </a:solidFill>
-                      <a:prstDash val="solid"/>
-                      <a:round/>
-                      <a:headEnd type="none" w="med" len="med"/>
-                      <a:tailEnd type="none" w="med" len="med"/>
-                    </a:lnT>
-                    <a:lnB w="12700" cap="flat" cmpd="sng" algn="ctr">
-                      <a:solidFill>
-                        <a:srgbClr val="000000"/>
-                      </a:solidFill>
-                      <a:prstDash val="solid"/>
-                      <a:round/>
-                      <a:headEnd type="none" w="med" len="med"/>
-                      <a:tailEnd type="none" w="med" len="med"/>
-                    </a:lnB>
-                  </a:tcPr>
-                </a:tc>
-                <a:tc>
-                  <a:txBody>
-                    <a:bodyPr/>
-                    <a:lstStyle/>
-                    <a:p>
-                      <a:pPr>
-                        <a:lnSpc>
-                          <a:spcPct val="107000"/>
-                        </a:lnSpc>
-                        <a:spcAft>
-                          <a:spcPts val="0"/>
-                        </a:spcAft>
-                      </a:pPr>
-                      <a:r>
-                        <a:rPr lang="sl-SI" sz="1100">
-                          <a:effectLst/>
-                          <a:latin typeface="Calibri" panose="020F0502020204030204" pitchFamily="34" charset="0"/>
-                          <a:ea typeface="Calibri" panose="020F0502020204030204" pitchFamily="34" charset="0"/>
-                          <a:cs typeface="Times New Roman" panose="02020603050405020304" pitchFamily="18" charset="0"/>
-                        </a:rPr>
-                        <a:t> </a:t>
-                      </a:r>
-                    </a:p>
-                  </a:txBody>
-                  <a:tcPr marL="68580" marR="68580" marT="0" marB="0">
-                    <a:lnL w="12700" cap="flat" cmpd="sng" algn="ctr">
-                      <a:solidFill>
-                        <a:srgbClr val="000000"/>
-                      </a:solidFill>
-                      <a:prstDash val="solid"/>
-                      <a:round/>
-                      <a:headEnd type="none" w="med" len="med"/>
-                      <a:tailEnd type="none" w="med" len="med"/>
-                    </a:lnL>
-                    <a:lnR w="12700" cap="flat" cmpd="sng" algn="ctr">
-                      <a:solidFill>
-                        <a:srgbClr val="000000"/>
-                      </a:solidFill>
-                      <a:prstDash val="solid"/>
-                      <a:round/>
-                      <a:headEnd type="none" w="med" len="med"/>
-                      <a:tailEnd type="none" w="med" len="med"/>
-                    </a:lnR>
-                    <a:lnT w="12700" cap="flat" cmpd="sng" algn="ctr">
-                      <a:solidFill>
-                        <a:srgbClr val="000000"/>
-                      </a:solidFill>
-                      <a:prstDash val="solid"/>
-                      <a:round/>
-                      <a:headEnd type="none" w="med" len="med"/>
-                      <a:tailEnd type="none" w="med" len="med"/>
-                    </a:lnT>
-                    <a:lnB w="12700" cap="flat" cmpd="sng" algn="ctr">
-                      <a:solidFill>
-                        <a:srgbClr val="000000"/>
-                      </a:solidFill>
-                      <a:prstDash val="solid"/>
-                      <a:round/>
-                      <a:headEnd type="none" w="med" len="med"/>
-                      <a:tailEnd type="none" w="med" len="med"/>
-                    </a:lnB>
-                  </a:tcPr>
-                </a:tc>
-                <a:tc>
-                  <a:txBody>
-                    <a:bodyPr/>
-                    <a:lstStyle/>
-                    <a:p>
-                      <a:pPr>
-                        <a:lnSpc>
-                          <a:spcPct val="107000"/>
-                        </a:lnSpc>
-                        <a:spcAft>
-                          <a:spcPts val="0"/>
-                        </a:spcAft>
-                      </a:pPr>
-                      <a:r>
-                        <a:rPr lang="sl-SI" sz="1100">
-                          <a:effectLst/>
-                          <a:latin typeface="Calibri" panose="020F0502020204030204" pitchFamily="34" charset="0"/>
-                          <a:ea typeface="Calibri" panose="020F0502020204030204" pitchFamily="34" charset="0"/>
-                          <a:cs typeface="Times New Roman" panose="02020603050405020304" pitchFamily="18" charset="0"/>
-                        </a:rPr>
-                        <a:t> </a:t>
-                      </a:r>
-                    </a:p>
-                  </a:txBody>
-                  <a:tcPr marL="68580" marR="68580" marT="0" marB="0">
-                    <a:lnL w="12700" cap="flat" cmpd="sng" algn="ctr">
-                      <a:solidFill>
-                        <a:srgbClr val="000000"/>
-                      </a:solidFill>
-                      <a:prstDash val="solid"/>
-                      <a:round/>
-                      <a:headEnd type="none" w="med" len="med"/>
-                      <a:tailEnd type="none" w="med" len="med"/>
-                    </a:lnL>
-                    <a:lnR w="12700" cap="flat" cmpd="sng" algn="ctr">
-                      <a:solidFill>
-                        <a:srgbClr val="000000"/>
-                      </a:solidFill>
-                      <a:prstDash val="solid"/>
-                      <a:round/>
-                      <a:headEnd type="none" w="med" len="med"/>
-                      <a:tailEnd type="none" w="med" len="med"/>
-                    </a:lnR>
-                    <a:lnT w="12700" cap="flat" cmpd="sng" algn="ctr">
-                      <a:solidFill>
-                        <a:srgbClr val="000000"/>
-                      </a:solidFill>
-                      <a:prstDash val="solid"/>
-                      <a:round/>
-                      <a:headEnd type="none" w="med" len="med"/>
-                      <a:tailEnd type="none" w="med" len="med"/>
-                    </a:lnT>
-                    <a:lnB w="12700" cap="flat" cmpd="sng" algn="ctr">
-                      <a:solidFill>
-                        <a:srgbClr val="000000"/>
-                      </a:solidFill>
-                      <a:prstDash val="solid"/>
-                      <a:round/>
-                      <a:headEnd type="none" w="med" len="med"/>
-                      <a:tailEnd type="none" w="med" len="med"/>
-                    </a:lnB>
-                  </a:tcPr>
-                </a:tc>
-                <a:tc>
-                  <a:txBody>
-                    <a:bodyPr/>
-                    <a:lstStyle/>
-                    <a:p>
-                      <a:pPr>
-                        <a:lnSpc>
-                          <a:spcPct val="107000"/>
-                        </a:lnSpc>
-                        <a:spcAft>
-                          <a:spcPts val="0"/>
-                        </a:spcAft>
-                      </a:pPr>
-                      <a:r>
-                        <a:rPr lang="sl-SI" sz="1100">
-                          <a:effectLst/>
-                          <a:latin typeface="Calibri" panose="020F0502020204030204" pitchFamily="34" charset="0"/>
-                          <a:ea typeface="Calibri" panose="020F0502020204030204" pitchFamily="34" charset="0"/>
-                          <a:cs typeface="Times New Roman" panose="02020603050405020304" pitchFamily="18" charset="0"/>
-                        </a:rPr>
-                        <a:t> </a:t>
-                      </a:r>
-                    </a:p>
-                  </a:txBody>
-                  <a:tcPr marL="68580" marR="68580" marT="0" marB="0">
-                    <a:lnL w="12700" cap="flat" cmpd="sng" algn="ctr">
-                      <a:solidFill>
-                        <a:srgbClr val="000000"/>
-                      </a:solidFill>
-                      <a:prstDash val="solid"/>
-                      <a:round/>
-                      <a:headEnd type="none" w="med" len="med"/>
-                      <a:tailEnd type="none" w="med" len="med"/>
-                    </a:lnL>
-                    <a:lnR w="12700" cap="flat" cmpd="sng" algn="ctr">
-                      <a:solidFill>
-                        <a:srgbClr val="000000"/>
-                      </a:solidFill>
-                      <a:prstDash val="solid"/>
-                      <a:round/>
-                      <a:headEnd type="none" w="med" len="med"/>
-                      <a:tailEnd type="none" w="med" len="med"/>
-                    </a:lnR>
-                    <a:lnT w="12700" cap="flat" cmpd="sng" algn="ctr">
-                      <a:solidFill>
-                        <a:srgbClr val="000000"/>
-                      </a:solidFill>
-                      <a:prstDash val="solid"/>
-                      <a:round/>
-                      <a:headEnd type="none" w="med" len="med"/>
-                      <a:tailEnd type="none" w="med" len="med"/>
-                    </a:lnT>
-                    <a:lnB w="12700" cap="flat" cmpd="sng" algn="ctr">
-                      <a:solidFill>
-                        <a:srgbClr val="000000"/>
-                      </a:solidFill>
-                      <a:prstDash val="solid"/>
-                      <a:round/>
-                      <a:headEnd type="none" w="med" len="med"/>
-                      <a:tailEnd type="none" w="med" len="med"/>
-                    </a:lnB>
-                  </a:tcPr>
-                </a:tc>
-                <a:tc>
-                  <a:txBody>
-                    <a:bodyPr/>
-                    <a:lstStyle/>
-                    <a:p>
-                      <a:pPr>
-                        <a:lnSpc>
-                          <a:spcPct val="107000"/>
-                        </a:lnSpc>
-                        <a:spcAft>
-                          <a:spcPts val="0"/>
-                        </a:spcAft>
-                      </a:pPr>
-                      <a:r>
-                        <a:rPr lang="sl-SI" sz="1100">
-                          <a:effectLst/>
-                          <a:latin typeface="Calibri" panose="020F0502020204030204" pitchFamily="34" charset="0"/>
-                          <a:ea typeface="Calibri" panose="020F0502020204030204" pitchFamily="34" charset="0"/>
-                          <a:cs typeface="Times New Roman" panose="02020603050405020304" pitchFamily="18" charset="0"/>
-                        </a:rPr>
-                        <a:t> </a:t>
-                      </a:r>
-                    </a:p>
-                  </a:txBody>
-                  <a:tcPr marL="68580" marR="68580" marT="0" marB="0">
-                    <a:lnL w="12700" cap="flat" cmpd="sng" algn="ctr">
-                      <a:solidFill>
-                        <a:srgbClr val="000000"/>
-                      </a:solidFill>
-                      <a:prstDash val="solid"/>
-                      <a:round/>
-                      <a:headEnd type="none" w="med" len="med"/>
-                      <a:tailEnd type="none" w="med" len="med"/>
-                    </a:lnL>
-                    <a:lnR w="12700" cap="flat" cmpd="sng" algn="ctr">
-                      <a:solidFill>
-                        <a:srgbClr val="000000"/>
-                      </a:solidFill>
-                      <a:prstDash val="solid"/>
-                      <a:round/>
-                      <a:headEnd type="none" w="med" len="med"/>
-                      <a:tailEnd type="none" w="med" len="med"/>
-                    </a:lnR>
-                    <a:lnT w="12700" cap="flat" cmpd="sng" algn="ctr">
-                      <a:solidFill>
-                        <a:srgbClr val="000000"/>
-                      </a:solidFill>
-                      <a:prstDash val="solid"/>
-                      <a:round/>
-                      <a:headEnd type="none" w="med" len="med"/>
-                      <a:tailEnd type="none" w="med" len="med"/>
-                    </a:lnT>
-                    <a:lnB w="12700" cap="flat" cmpd="sng" algn="ctr">
-                      <a:solidFill>
-                        <a:srgbClr val="000000"/>
-                      </a:solidFill>
-                      <a:prstDash val="solid"/>
-                      <a:round/>
-                      <a:headEnd type="none" w="med" len="med"/>
-                      <a:tailEnd type="none" w="med" len="med"/>
-                    </a:lnB>
-                  </a:tcPr>
-                </a:tc>
-                <a:tc>
-                  <a:txBody>
-                    <a:bodyPr/>
-                    <a:lstStyle/>
-                    <a:p>
-                      <a:pPr>
-                        <a:lnSpc>
-                          <a:spcPct val="107000"/>
-                        </a:lnSpc>
-                        <a:spcAft>
-                          <a:spcPts val="0"/>
-                        </a:spcAft>
-                      </a:pPr>
-                      <a:r>
-                        <a:rPr lang="sl-SI" sz="1100" dirty="0">
-                          <a:effectLst/>
-                          <a:latin typeface="Calibri" panose="020F0502020204030204" pitchFamily="34" charset="0"/>
-                          <a:ea typeface="Calibri" panose="020F0502020204030204" pitchFamily="34" charset="0"/>
-                          <a:cs typeface="Times New Roman" panose="02020603050405020304" pitchFamily="18" charset="0"/>
-                        </a:rPr>
-                        <a:t> </a:t>
-                      </a:r>
-                    </a:p>
-                  </a:txBody>
-                  <a:tcPr marL="68580" marR="68580" marT="0" marB="0">
-                    <a:lnL w="12700" cap="flat" cmpd="sng" algn="ctr">
-                      <a:solidFill>
-                        <a:srgbClr val="000000"/>
-                      </a:solidFill>
-                      <a:prstDash val="solid"/>
-                      <a:round/>
-                      <a:headEnd type="none" w="med" len="med"/>
-                      <a:tailEnd type="none" w="med" len="med"/>
-                    </a:lnL>
-                    <a:lnR w="12700" cap="flat" cmpd="sng" algn="ctr">
-                      <a:solidFill>
-                        <a:srgbClr val="000000"/>
-                      </a:solidFill>
-                      <a:prstDash val="solid"/>
-                      <a:round/>
-                      <a:headEnd type="none" w="med" len="med"/>
-                      <a:tailEnd type="none" w="med" len="med"/>
-                    </a:lnR>
-                    <a:lnT w="12700" cap="flat" cmpd="sng" algn="ctr">
-                      <a:solidFill>
-                        <a:srgbClr val="000000"/>
-                      </a:solidFill>
-                      <a:prstDash val="solid"/>
-                      <a:round/>
-                      <a:headEnd type="none" w="med" len="med"/>
-                      <a:tailEnd type="none" w="med" len="med"/>
-                    </a:lnT>
-                    <a:lnB w="12700" cap="flat" cmpd="sng" algn="ctr">
-                      <a:solidFill>
-                        <a:srgbClr val="000000"/>
-                      </a:solidFill>
-                      <a:prstDash val="solid"/>
-                      <a:round/>
-                      <a:headEnd type="none" w="med" len="med"/>
-                      <a:tailEnd type="none" w="med" len="med"/>
-                    </a:lnB>
-                    <a:solidFill>
-                      <a:schemeClr val="bg1"/>
-                    </a:solidFill>
-                  </a:tcPr>
-                </a:tc>
-                <a:tc>
-                  <a:txBody>
-                    <a:bodyPr/>
-                    <a:lstStyle/>
-                    <a:p>
-                      <a:pPr>
-                        <a:lnSpc>
-                          <a:spcPct val="107000"/>
-                        </a:lnSpc>
-                        <a:spcAft>
-                          <a:spcPts val="0"/>
-                        </a:spcAft>
-                      </a:pPr>
-                      <a:r>
-                        <a:rPr lang="sl-SI" sz="1100">
-                          <a:effectLst/>
-                          <a:latin typeface="Calibri" panose="020F0502020204030204" pitchFamily="34" charset="0"/>
-                          <a:ea typeface="Calibri" panose="020F0502020204030204" pitchFamily="34" charset="0"/>
-                          <a:cs typeface="Times New Roman" panose="02020603050405020304" pitchFamily="18" charset="0"/>
-                        </a:rPr>
-                        <a:t> </a:t>
-                      </a:r>
-                    </a:p>
-                  </a:txBody>
-                  <a:tcPr marL="68580" marR="68580" marT="0" marB="0">
-                    <a:lnL w="12700" cap="flat" cmpd="sng" algn="ctr">
-                      <a:solidFill>
-                        <a:srgbClr val="000000"/>
-                      </a:solidFill>
-                      <a:prstDash val="solid"/>
-                      <a:round/>
-                      <a:headEnd type="none" w="med" len="med"/>
-                      <a:tailEnd type="none" w="med" len="med"/>
-                    </a:lnL>
-                    <a:lnR w="12700" cap="flat" cmpd="sng" algn="ctr">
-                      <a:solidFill>
-                        <a:srgbClr val="000000"/>
-                      </a:solidFill>
-                      <a:prstDash val="solid"/>
-                      <a:round/>
-                      <a:headEnd type="none" w="med" len="med"/>
-                      <a:tailEnd type="none" w="med" len="med"/>
-                    </a:lnR>
-                    <a:lnT w="12700" cap="flat" cmpd="sng" algn="ctr">
-                      <a:solidFill>
-                        <a:srgbClr val="000000"/>
-                      </a:solidFill>
-                      <a:prstDash val="solid"/>
-                      <a:round/>
-                      <a:headEnd type="none" w="med" len="med"/>
-                      <a:tailEnd type="none" w="med" len="med"/>
-                    </a:lnT>
-                    <a:lnB w="12700" cap="flat" cmpd="sng" algn="ctr">
-                      <a:solidFill>
-                        <a:srgbClr val="000000"/>
-                      </a:solidFill>
-                      <a:prstDash val="solid"/>
-                      <a:round/>
-                      <a:headEnd type="none" w="med" len="med"/>
-                      <a:tailEnd type="none" w="med" len="med"/>
-                    </a:lnB>
-                    <a:solidFill>
-                      <a:srgbClr val="70AD47"/>
-                    </a:solidFill>
-                  </a:tcPr>
-                </a:tc>
-                <a:tc>
-                  <a:txBody>
-                    <a:bodyPr/>
-                    <a:lstStyle/>
-                    <a:p>
-                      <a:pPr>
-                        <a:lnSpc>
-                          <a:spcPct val="107000"/>
-                        </a:lnSpc>
-                        <a:spcAft>
-                          <a:spcPts val="0"/>
-                        </a:spcAft>
-                      </a:pPr>
-                      <a:r>
-                        <a:rPr lang="sl-SI" sz="1100">
-                          <a:effectLst/>
-                          <a:latin typeface="Calibri" panose="020F0502020204030204" pitchFamily="34" charset="0"/>
-                          <a:ea typeface="Calibri" panose="020F0502020204030204" pitchFamily="34" charset="0"/>
-                          <a:cs typeface="Times New Roman" panose="02020603050405020304" pitchFamily="18" charset="0"/>
-                        </a:rPr>
-                        <a:t> </a:t>
-                      </a:r>
-                    </a:p>
-                  </a:txBody>
-                  <a:tcPr marL="68580" marR="68580" marT="0" marB="0">
-                    <a:lnL w="12700" cap="flat" cmpd="sng" algn="ctr">
-                      <a:solidFill>
-                        <a:srgbClr val="000000"/>
-                      </a:solidFill>
-                      <a:prstDash val="solid"/>
-                      <a:round/>
-                      <a:headEnd type="none" w="med" len="med"/>
-                      <a:tailEnd type="none" w="med" len="med"/>
-                    </a:lnL>
-                    <a:lnR w="12700" cap="flat" cmpd="sng" algn="ctr">
-                      <a:solidFill>
-                        <a:srgbClr val="000000"/>
-                      </a:solidFill>
-                      <a:prstDash val="solid"/>
-                      <a:round/>
-                      <a:headEnd type="none" w="med" len="med"/>
-                      <a:tailEnd type="none" w="med" len="med"/>
-                    </a:lnR>
-                    <a:lnT w="12700" cap="flat" cmpd="sng" algn="ctr">
-                      <a:solidFill>
-                        <a:srgbClr val="000000"/>
-                      </a:solidFill>
-                      <a:prstDash val="solid"/>
-                      <a:round/>
-                      <a:headEnd type="none" w="med" len="med"/>
-                      <a:tailEnd type="none" w="med" len="med"/>
-                    </a:lnT>
-                    <a:lnB w="12700" cap="flat" cmpd="sng" algn="ctr">
-                      <a:solidFill>
-                        <a:srgbClr val="000000"/>
-                      </a:solidFill>
-                      <a:prstDash val="solid"/>
-                      <a:round/>
-                      <a:headEnd type="none" w="med" len="med"/>
-                      <a:tailEnd type="none" w="med" len="med"/>
-                    </a:lnB>
-                    <a:solidFill>
-                      <a:srgbClr val="70AD47"/>
-                    </a:solidFill>
-                  </a:tcPr>
-                </a:tc>
-                <a:tc>
-                  <a:txBody>
-                    <a:bodyPr/>
-                    <a:lstStyle/>
-                    <a:p>
-                      <a:pPr>
-                        <a:lnSpc>
-                          <a:spcPct val="107000"/>
-                        </a:lnSpc>
-                        <a:spcAft>
-                          <a:spcPts val="0"/>
-                        </a:spcAft>
-                      </a:pPr>
-                      <a:r>
-                        <a:rPr lang="sl-SI" sz="1100">
-                          <a:effectLst/>
-                          <a:latin typeface="Calibri" panose="020F0502020204030204" pitchFamily="34" charset="0"/>
-                          <a:ea typeface="Calibri" panose="020F0502020204030204" pitchFamily="34" charset="0"/>
-                          <a:cs typeface="Times New Roman" panose="02020603050405020304" pitchFamily="18" charset="0"/>
-                        </a:rPr>
-                        <a:t> </a:t>
-                      </a:r>
-                    </a:p>
-                  </a:txBody>
-                  <a:tcPr marL="68580" marR="68580" marT="0" marB="0">
-                    <a:lnL w="12700" cap="flat" cmpd="sng" algn="ctr">
-                      <a:solidFill>
-                        <a:srgbClr val="000000"/>
-                      </a:solidFill>
-                      <a:prstDash val="solid"/>
-                      <a:round/>
-                      <a:headEnd type="none" w="med" len="med"/>
-                      <a:tailEnd type="none" w="med" len="med"/>
-                    </a:lnL>
-                    <a:lnR w="12700" cap="flat" cmpd="sng" algn="ctr">
-                      <a:solidFill>
-                        <a:srgbClr val="000000"/>
-                      </a:solidFill>
-                      <a:prstDash val="solid"/>
-                      <a:round/>
-                      <a:headEnd type="none" w="med" len="med"/>
-                      <a:tailEnd type="none" w="med" len="med"/>
-                    </a:lnR>
-                    <a:lnT w="12700" cap="flat" cmpd="sng" algn="ctr">
-                      <a:solidFill>
-                        <a:srgbClr val="000000"/>
-                      </a:solidFill>
-                      <a:prstDash val="solid"/>
-                      <a:round/>
-                      <a:headEnd type="none" w="med" len="med"/>
-                      <a:tailEnd type="none" w="med" len="med"/>
-                    </a:lnT>
-                    <a:lnB w="12700" cap="flat" cmpd="sng" algn="ctr">
-                      <a:solidFill>
-                        <a:srgbClr val="000000"/>
-                      </a:solidFill>
-                      <a:prstDash val="solid"/>
-                      <a:round/>
-                      <a:headEnd type="none" w="med" len="med"/>
-                      <a:tailEnd type="none" w="med" len="med"/>
-                    </a:lnB>
-                    <a:solidFill>
-                      <a:srgbClr val="70AD47"/>
-                    </a:solidFill>
-                  </a:tcPr>
-                </a:tc>
-                <a:tc>
-                  <a:txBody>
-                    <a:bodyPr/>
-                    <a:lstStyle/>
-                    <a:p>
-                      <a:pPr>
-                        <a:lnSpc>
-                          <a:spcPct val="107000"/>
-                        </a:lnSpc>
-                        <a:spcAft>
-                          <a:spcPts val="0"/>
-                        </a:spcAft>
-                      </a:pPr>
-                      <a:r>
-                        <a:rPr lang="sl-SI" sz="1100">
-                          <a:effectLst/>
-                          <a:latin typeface="Calibri" panose="020F0502020204030204" pitchFamily="34" charset="0"/>
-                          <a:ea typeface="Calibri" panose="020F0502020204030204" pitchFamily="34" charset="0"/>
-                          <a:cs typeface="Times New Roman" panose="02020603050405020304" pitchFamily="18" charset="0"/>
-                        </a:rPr>
-                        <a:t> </a:t>
-                      </a:r>
-                    </a:p>
-                  </a:txBody>
-                  <a:tcPr marL="68580" marR="68580" marT="0" marB="0">
-                    <a:lnL w="12700" cap="flat" cmpd="sng" algn="ctr">
-                      <a:solidFill>
-                        <a:srgbClr val="000000"/>
-                      </a:solidFill>
-                      <a:prstDash val="solid"/>
-                      <a:round/>
-                      <a:headEnd type="none" w="med" len="med"/>
-                      <a:tailEnd type="none" w="med" len="med"/>
-                    </a:lnL>
-                    <a:lnR w="12700" cap="flat" cmpd="sng" algn="ctr">
-                      <a:solidFill>
-                        <a:srgbClr val="000000"/>
-                      </a:solidFill>
-                      <a:prstDash val="solid"/>
-                      <a:round/>
-                      <a:headEnd type="none" w="med" len="med"/>
-                      <a:tailEnd type="none" w="med" len="med"/>
-                    </a:lnR>
-                    <a:lnT w="12700" cap="flat" cmpd="sng" algn="ctr">
-                      <a:solidFill>
-                        <a:srgbClr val="000000"/>
-                      </a:solidFill>
-                      <a:prstDash val="solid"/>
-                      <a:round/>
-                      <a:headEnd type="none" w="med" len="med"/>
-                      <a:tailEnd type="none" w="med" len="med"/>
-                    </a:lnT>
-                    <a:lnB w="12700" cap="flat" cmpd="sng" algn="ctr">
-                      <a:solidFill>
-                        <a:srgbClr val="000000"/>
-                      </a:solidFill>
-                      <a:prstDash val="solid"/>
-                      <a:round/>
-                      <a:headEnd type="none" w="med" len="med"/>
-                      <a:tailEnd type="none" w="med" len="med"/>
-                    </a:lnB>
-                    <a:solidFill>
-                      <a:srgbClr val="70AD47"/>
-                    </a:solidFill>
-                  </a:tcPr>
-                </a:tc>
-                <a:tc>
-                  <a:txBody>
-                    <a:bodyPr/>
-                    <a:lstStyle/>
-                    <a:p>
-                      <a:pPr>
-                        <a:lnSpc>
-                          <a:spcPct val="107000"/>
-                        </a:lnSpc>
-                        <a:spcAft>
-                          <a:spcPts val="0"/>
-                        </a:spcAft>
-                      </a:pPr>
-                      <a:r>
-                        <a:rPr lang="sl-SI" sz="1100">
-                          <a:effectLst/>
-                          <a:latin typeface="Calibri" panose="020F0502020204030204" pitchFamily="34" charset="0"/>
-                          <a:ea typeface="Calibri" panose="020F0502020204030204" pitchFamily="34" charset="0"/>
-                          <a:cs typeface="Times New Roman" panose="02020603050405020304" pitchFamily="18" charset="0"/>
-                        </a:rPr>
-                        <a:t> </a:t>
-                      </a:r>
-                    </a:p>
-                  </a:txBody>
-                  <a:tcPr marL="68580" marR="68580" marT="0" marB="0">
-                    <a:lnL w="12700" cap="flat" cmpd="sng" algn="ctr">
-                      <a:solidFill>
-                        <a:srgbClr val="000000"/>
-                      </a:solidFill>
-                      <a:prstDash val="solid"/>
-                      <a:round/>
-                      <a:headEnd type="none" w="med" len="med"/>
-                      <a:tailEnd type="none" w="med" len="med"/>
-                    </a:lnL>
-                    <a:lnR w="12700" cap="flat" cmpd="sng" algn="ctr">
-                      <a:solidFill>
-                        <a:srgbClr val="000000"/>
-                      </a:solidFill>
-                      <a:prstDash val="solid"/>
-                      <a:round/>
-                      <a:headEnd type="none" w="med" len="med"/>
-                      <a:tailEnd type="none" w="med" len="med"/>
-                    </a:lnR>
-                    <a:lnT w="12700" cap="flat" cmpd="sng" algn="ctr">
-                      <a:solidFill>
-                        <a:srgbClr val="000000"/>
-                      </a:solidFill>
-                      <a:prstDash val="solid"/>
-                      <a:round/>
-                      <a:headEnd type="none" w="med" len="med"/>
-                      <a:tailEnd type="none" w="med" len="med"/>
-                    </a:lnT>
-                    <a:lnB w="12700" cap="flat" cmpd="sng" algn="ctr">
-                      <a:solidFill>
-                        <a:srgbClr val="000000"/>
-                      </a:solidFill>
-                      <a:prstDash val="solid"/>
-                      <a:round/>
-                      <a:headEnd type="none" w="med" len="med"/>
-                      <a:tailEnd type="none" w="med" len="med"/>
-                    </a:lnB>
-                    <a:solidFill>
-                      <a:srgbClr val="70AD47"/>
-                    </a:solidFill>
-                  </a:tcPr>
-                </a:tc>
-                <a:tc>
-                  <a:txBody>
-                    <a:bodyPr/>
-                    <a:lstStyle/>
-                    <a:p>
-                      <a:pPr>
-                        <a:lnSpc>
-                          <a:spcPct val="107000"/>
-                        </a:lnSpc>
-                        <a:spcAft>
-                          <a:spcPts val="0"/>
-                        </a:spcAft>
-                      </a:pPr>
-                      <a:r>
-                        <a:rPr lang="sl-SI" sz="1100">
-                          <a:effectLst/>
-                          <a:latin typeface="Calibri" panose="020F0502020204030204" pitchFamily="34" charset="0"/>
-                          <a:ea typeface="Calibri" panose="020F0502020204030204" pitchFamily="34" charset="0"/>
-                          <a:cs typeface="Times New Roman" panose="02020603050405020304" pitchFamily="18" charset="0"/>
-                        </a:rPr>
-                        <a:t> </a:t>
-                      </a:r>
-                    </a:p>
-                  </a:txBody>
-                  <a:tcPr marL="68580" marR="68580" marT="0" marB="0">
-                    <a:lnL w="12700" cap="flat" cmpd="sng" algn="ctr">
-                      <a:solidFill>
-                        <a:srgbClr val="000000"/>
-                      </a:solidFill>
-                      <a:prstDash val="solid"/>
-                      <a:round/>
-                      <a:headEnd type="none" w="med" len="med"/>
-                      <a:tailEnd type="none" w="med" len="med"/>
-                    </a:lnL>
-                    <a:lnR w="12700" cap="flat" cmpd="sng" algn="ctr">
-                      <a:solidFill>
-                        <a:srgbClr val="000000"/>
-                      </a:solidFill>
-                      <a:prstDash val="solid"/>
-                      <a:round/>
-                      <a:headEnd type="none" w="med" len="med"/>
-                      <a:tailEnd type="none" w="med" len="med"/>
-                    </a:lnR>
-                    <a:lnT w="12700" cap="flat" cmpd="sng" algn="ctr">
-                      <a:solidFill>
-                        <a:srgbClr val="000000"/>
-                      </a:solidFill>
-                      <a:prstDash val="solid"/>
-                      <a:round/>
-                      <a:headEnd type="none" w="med" len="med"/>
-                      <a:tailEnd type="none" w="med" len="med"/>
-                    </a:lnT>
-                    <a:lnB w="12700" cap="flat" cmpd="sng" algn="ctr">
-                      <a:solidFill>
-                        <a:srgbClr val="000000"/>
-                      </a:solidFill>
-                      <a:prstDash val="solid"/>
-                      <a:round/>
-                      <a:headEnd type="none" w="med" len="med"/>
-                      <a:tailEnd type="none" w="med" len="med"/>
-                    </a:lnB>
-                    <a:solidFill>
-                      <a:srgbClr val="70AD47"/>
-                    </a:solidFill>
-                  </a:tcPr>
-                </a:tc>
-                <a:tc>
-                  <a:txBody>
-                    <a:bodyPr/>
-                    <a:lstStyle/>
-                    <a:p>
-                      <a:pPr>
-                        <a:lnSpc>
-                          <a:spcPct val="107000"/>
-                        </a:lnSpc>
-                        <a:spcAft>
-                          <a:spcPts val="0"/>
-                        </a:spcAft>
-                      </a:pPr>
-                      <a:r>
-                        <a:rPr lang="sl-SI" sz="1100" dirty="0">
-                          <a:effectLst/>
-                          <a:latin typeface="Calibri" panose="020F0502020204030204" pitchFamily="34" charset="0"/>
-                          <a:ea typeface="Calibri" panose="020F0502020204030204" pitchFamily="34" charset="0"/>
-                          <a:cs typeface="Times New Roman" panose="02020603050405020304" pitchFamily="18" charset="0"/>
-                        </a:rPr>
-                        <a:t> </a:t>
-                      </a:r>
-                    </a:p>
-                  </a:txBody>
-                  <a:tcPr marL="68580" marR="68580" marT="0" marB="0">
-                    <a:lnL w="12700" cap="flat" cmpd="sng" algn="ctr">
-                      <a:solidFill>
-                        <a:srgbClr val="000000"/>
-                      </a:solidFill>
-                      <a:prstDash val="solid"/>
-                      <a:round/>
-                      <a:headEnd type="none" w="med" len="med"/>
-                      <a:tailEnd type="none" w="med" len="med"/>
-                    </a:lnL>
-                    <a:lnR w="12700" cap="flat" cmpd="sng" algn="ctr">
-                      <a:solidFill>
-                        <a:srgbClr val="000000"/>
-                      </a:solidFill>
-                      <a:prstDash val="solid"/>
-                      <a:round/>
-                      <a:headEnd type="none" w="med" len="med"/>
-                      <a:tailEnd type="none" w="med" len="med"/>
-                    </a:lnR>
-                    <a:lnT w="12700" cap="flat" cmpd="sng" algn="ctr">
-                      <a:solidFill>
-                        <a:srgbClr val="000000"/>
-                      </a:solidFill>
-                      <a:prstDash val="solid"/>
-                      <a:round/>
-                      <a:headEnd type="none" w="med" len="med"/>
-                      <a:tailEnd type="none" w="med" len="med"/>
-                    </a:lnT>
-                    <a:lnB w="12700" cap="flat" cmpd="sng" algn="ctr">
-                      <a:solidFill>
-                        <a:srgbClr val="000000"/>
-                      </a:solidFill>
-                      <a:prstDash val="solid"/>
-                      <a:round/>
-                      <a:headEnd type="none" w="med" len="med"/>
-                      <a:tailEnd type="none" w="med" len="med"/>
-                    </a:lnB>
-                    <a:solidFill>
-                      <a:srgbClr val="70AD47"/>
-                    </a:solidFill>
-                  </a:tcPr>
-                </a:tc>
-                <a:extLst>
-                  <a:ext uri="{0D108BD9-81ED-4DB2-BD59-A6C34878D82A}">
-                    <a16:rowId xmlns:a16="http://schemas.microsoft.com/office/drawing/2014/main" val="1611051387"/>
-                  </a:ext>
-                </a:extLst>
-              </a:tr>
-            </a:tbl>
-          </a:graphicData>
-        </a:graphic>
-      </p:graphicFrame>
     </p:spTree>
     <p:extLst>
       <p:ext uri="{BB962C8B-B14F-4D97-AF65-F5344CB8AC3E}">
@@ -13441,10 +8256,18 @@
               <a:t> </a:t>
             </a:r>
             <a:r>
-              <a:rPr lang="en-US" dirty="0" err="1"/>
+              <a:rPr lang="en-US" dirty="0" err="1">
+                <a:solidFill>
+                  <a:srgbClr val="90C226"/>
+                </a:solidFill>
+              </a:rPr>
               <a:t>osebe</a:t>
             </a:r>
-            <a:endParaRPr lang="en-US" dirty="0"/>
+            <a:endParaRPr lang="en-US" dirty="0">
+              <a:solidFill>
+                <a:srgbClr val="90C226"/>
+              </a:solidFill>
+            </a:endParaRPr>
           </a:p>
         </p:txBody>
       </p:sp>
